--- a/01. Kubernet Sheet Personalizado/01.02. Evidencias/S01.-Kubernetes Cheat Sheet v1.pptx
+++ b/01. Kubernet Sheet Personalizado/01.02. Evidencias/S01.-Kubernetes Cheat Sheet v1.pptx
@@ -5,16 +5,14 @@
     <p:sldMasterId id="2147483648" r:id="rId1"/>
   </p:sldMasterIdLst>
   <p:notesMasterIdLst>
-    <p:notesMasterId r:id="rId9"/>
+    <p:notesMasterId r:id="rId7"/>
   </p:notesMasterIdLst>
   <p:sldIdLst>
     <p:sldId id="300" r:id="rId2"/>
     <p:sldId id="305" r:id="rId3"/>
     <p:sldId id="307" r:id="rId4"/>
-    <p:sldId id="306" r:id="rId5"/>
-    <p:sldId id="302" r:id="rId6"/>
-    <p:sldId id="304" r:id="rId7"/>
-    <p:sldId id="269" r:id="rId8"/>
+    <p:sldId id="304" r:id="rId5"/>
+    <p:sldId id="269" r:id="rId6"/>
   </p:sldIdLst>
   <p:sldSz cx="12192000" cy="6858000"/>
   <p:notesSz cx="6858000" cy="9144000"/>
@@ -203,7 +201,7 @@
           <a:p>
             <a:fld id="{57AC5772-74E7-4D43-B691-9D9FB840DB27}" type="datetimeFigureOut">
               <a:rPr lang="es-PE" smtClean="0"/>
-              <a:t>30/04/2025</a:t>
+              <a:t>28/05/2025</a:t>
             </a:fld>
             <a:endParaRPr lang="es-PE"/>
           </a:p>
@@ -686,7 +684,7 @@
           <a:p>
             <a:fld id="{B2120083-014B-44DE-BC4D-74D8506D26D9}" type="datetimeFigureOut">
               <a:rPr lang="es-PE" smtClean="0"/>
-              <a:t>30/04/2025</a:t>
+              <a:t>28/05/2025</a:t>
             </a:fld>
             <a:endParaRPr lang="es-PE"/>
           </a:p>
@@ -886,7 +884,7 @@
           <a:p>
             <a:fld id="{B2120083-014B-44DE-BC4D-74D8506D26D9}" type="datetimeFigureOut">
               <a:rPr lang="es-PE" smtClean="0"/>
-              <a:t>30/04/2025</a:t>
+              <a:t>28/05/2025</a:t>
             </a:fld>
             <a:endParaRPr lang="es-PE"/>
           </a:p>
@@ -1066,7 +1064,7 @@
           <a:p>
             <a:fld id="{B2120083-014B-44DE-BC4D-74D8506D26D9}" type="datetimeFigureOut">
               <a:rPr lang="es-PE" smtClean="0"/>
-              <a:t>30/04/2025</a:t>
+              <a:t>28/05/2025</a:t>
             </a:fld>
             <a:endParaRPr lang="es-PE"/>
           </a:p>
@@ -1342,7 +1340,7 @@
           <a:p>
             <a:fld id="{B2120083-014B-44DE-BC4D-74D8506D26D9}" type="datetimeFigureOut">
               <a:rPr lang="es-PE" smtClean="0"/>
-              <a:t>30/04/2025</a:t>
+              <a:t>28/05/2025</a:t>
             </a:fld>
             <a:endParaRPr lang="es-PE"/>
           </a:p>
@@ -1574,7 +1572,7 @@
           <a:p>
             <a:fld id="{B2120083-014B-44DE-BC4D-74D8506D26D9}" type="datetimeFigureOut">
               <a:rPr lang="es-PE" smtClean="0"/>
-              <a:t>30/04/2025</a:t>
+              <a:t>28/05/2025</a:t>
             </a:fld>
             <a:endParaRPr lang="es-PE"/>
           </a:p>
@@ -1941,7 +1939,7 @@
           <a:p>
             <a:fld id="{B2120083-014B-44DE-BC4D-74D8506D26D9}" type="datetimeFigureOut">
               <a:rPr lang="es-PE" smtClean="0"/>
-              <a:t>30/04/2025</a:t>
+              <a:t>28/05/2025</a:t>
             </a:fld>
             <a:endParaRPr lang="es-PE"/>
           </a:p>
@@ -2059,7 +2057,7 @@
           <a:p>
             <a:fld id="{B2120083-014B-44DE-BC4D-74D8506D26D9}" type="datetimeFigureOut">
               <a:rPr lang="es-PE" smtClean="0"/>
-              <a:t>30/04/2025</a:t>
+              <a:t>28/05/2025</a:t>
             </a:fld>
             <a:endParaRPr lang="es-PE"/>
           </a:p>
@@ -2154,7 +2152,7 @@
           <a:p>
             <a:fld id="{B2120083-014B-44DE-BC4D-74D8506D26D9}" type="datetimeFigureOut">
               <a:rPr lang="es-PE" smtClean="0"/>
-              <a:t>30/04/2025</a:t>
+              <a:t>28/05/2025</a:t>
             </a:fld>
             <a:endParaRPr lang="es-PE"/>
           </a:p>
@@ -2431,7 +2429,7 @@
           <a:p>
             <a:fld id="{B2120083-014B-44DE-BC4D-74D8506D26D9}" type="datetimeFigureOut">
               <a:rPr lang="es-PE" smtClean="0"/>
-              <a:t>30/04/2025</a:t>
+              <a:t>28/05/2025</a:t>
             </a:fld>
             <a:endParaRPr lang="es-PE"/>
           </a:p>
@@ -2684,7 +2682,7 @@
           <a:p>
             <a:fld id="{B2120083-014B-44DE-BC4D-74D8506D26D9}" type="datetimeFigureOut">
               <a:rPr lang="es-PE" smtClean="0"/>
-              <a:t>30/04/2025</a:t>
+              <a:t>28/05/2025</a:t>
             </a:fld>
             <a:endParaRPr lang="es-PE"/>
           </a:p>
@@ -2897,7 +2895,7 @@
           <a:p>
             <a:fld id="{B2120083-014B-44DE-BC4D-74D8506D26D9}" type="datetimeFigureOut">
               <a:rPr lang="es-PE" smtClean="0"/>
-              <a:t>30/04/2025</a:t>
+              <a:t>28/05/2025</a:t>
             </a:fld>
             <a:endParaRPr lang="es-PE"/>
           </a:p>
@@ -3589,49 +3587,6 @@
       </p:sp>
       <p:sp>
         <p:nvSpPr>
-          <p:cNvPr id="15" name="CuadroTexto 14">
-            <a:extLst>
-              <a:ext uri="{FF2B5EF4-FFF2-40B4-BE49-F238E27FC236}">
-                <a16:creationId xmlns:a16="http://schemas.microsoft.com/office/drawing/2014/main" id="{CD562C71-7D37-49D9-981F-03946A3D5BE7}"/>
-              </a:ext>
-            </a:extLst>
-          </p:cNvPr>
-          <p:cNvSpPr txBox="1"/>
-          <p:nvPr/>
-        </p:nvSpPr>
-        <p:spPr>
-          <a:xfrm>
-            <a:off x="325798" y="2785285"/>
-            <a:ext cx="2784885" cy="400110"/>
-          </a:xfrm>
-          <a:prstGeom prst="rect">
-            <a:avLst/>
-          </a:prstGeom>
-          <a:noFill/>
-        </p:spPr>
-        <p:txBody>
-          <a:bodyPr wrap="square" rtlCol="0">
-            <a:spAutoFit/>
-          </a:bodyPr>
-          <a:lstStyle/>
-          <a:p>
-            <a:r>
-              <a:rPr lang="es-PE" sz="2000" dirty="0">
-                <a:solidFill>
-                  <a:schemeClr val="bg2">
-                    <a:lumMod val="75000"/>
-                  </a:schemeClr>
-                </a:solidFill>
-                <a:latin typeface="Arial" panose="020B0604020202020204" pitchFamily="34" charset="0"/>
-                <a:cs typeface="Arial" panose="020B0604020202020204" pitchFamily="34" charset="0"/>
-              </a:rPr>
-              <a:t>Sesión 01: v1</a:t>
-            </a:r>
-          </a:p>
-        </p:txBody>
-      </p:sp>
-      <p:sp>
-        <p:nvSpPr>
           <p:cNvPr id="19" name="CuadroTexto 18">
             <a:extLst>
               <a:ext uri="{FF2B5EF4-FFF2-40B4-BE49-F238E27FC236}">
@@ -3659,7 +3614,7 @@
           <a:lstStyle/>
           <a:p>
             <a:r>
-              <a:rPr lang="es-PE" sz="2000" b="1" dirty="0" err="1">
+              <a:rPr lang="es-PE" sz="2000" b="1" dirty="0">
                 <a:solidFill>
                   <a:schemeClr val="bg2">
                     <a:lumMod val="75000"/>
@@ -3668,19 +3623,7 @@
                 <a:latin typeface="Arial" panose="020B0604020202020204" pitchFamily="34" charset="0"/>
                 <a:cs typeface="Arial" panose="020B0604020202020204" pitchFamily="34" charset="0"/>
               </a:rPr>
-              <a:t>Aristedes</a:t>
-            </a:r>
-            <a:r>
-              <a:rPr lang="es-PE" sz="2000" b="1" dirty="0">
-                <a:solidFill>
-                  <a:schemeClr val="bg2">
-                    <a:lumMod val="75000"/>
-                  </a:schemeClr>
-                </a:solidFill>
-                <a:latin typeface="Arial" panose="020B0604020202020204" pitchFamily="34" charset="0"/>
-                <a:cs typeface="Arial" panose="020B0604020202020204" pitchFamily="34" charset="0"/>
-              </a:rPr>
-              <a:t> Novoa</a:t>
+              <a:t>Luis Baldeon</a:t>
             </a:r>
           </a:p>
         </p:txBody>
@@ -3723,7 +3666,7 @@
                 <a:latin typeface="Arial" panose="020B0604020202020204" pitchFamily="34" charset="0"/>
                 <a:cs typeface="Arial" panose="020B0604020202020204" pitchFamily="34" charset="0"/>
               </a:rPr>
-              <a:t>anovoa@galaxy.edu.pe</a:t>
+              <a:t>Lebq.2012@gmail.com</a:t>
             </a:r>
           </a:p>
         </p:txBody>
@@ -3778,7 +3721,7 @@
         </p:nvSpPr>
         <p:spPr>
           <a:xfrm>
-            <a:off x="478199" y="5018323"/>
+            <a:off x="349607" y="5018323"/>
             <a:ext cx="1857719" cy="400110"/>
           </a:xfrm>
           <a:prstGeom prst="rect">
@@ -3802,7 +3745,7 @@
                 <a:latin typeface="Arial" panose="020B0604020202020204" pitchFamily="34" charset="0"/>
                 <a:cs typeface="Arial" panose="020B0604020202020204" pitchFamily="34" charset="0"/>
               </a:rPr>
-              <a:t>Instructor:</a:t>
+              <a:t>Alumno:</a:t>
             </a:r>
           </a:p>
         </p:txBody>
@@ -3952,7 +3895,7 @@
         <p:spPr>
           <a:xfrm>
             <a:off x="97149" y="936962"/>
-            <a:ext cx="2601834" cy="4616648"/>
+            <a:ext cx="2601834" cy="5032147"/>
           </a:xfrm>
           <a:prstGeom prst="rect">
             <a:avLst/>
@@ -4292,7 +4235,7 @@
                   <a:schemeClr val="accent3"/>
                 </a:solidFill>
               </a:rPr>
-              <a:t>Muestra el uso de recursos (CPU/memoria/almacenamiento) de un </a:t>
+              <a:t>Lista los </a:t>
             </a:r>
             <a:r>
               <a:rPr lang="es-MX" sz="900" i="1" dirty="0" err="1">
@@ -4300,6 +4243,22 @@
                   <a:schemeClr val="accent3"/>
                 </a:solidFill>
               </a:rPr>
+              <a:t>pods</a:t>
+            </a:r>
+            <a:r>
+              <a:rPr lang="es-MX" sz="900" i="1" dirty="0">
+                <a:solidFill>
+                  <a:schemeClr val="accent3"/>
+                </a:solidFill>
+              </a:rPr>
+              <a:t> de un </a:t>
+            </a:r>
+            <a:r>
+              <a:rPr lang="es-MX" sz="900" i="1" dirty="0" err="1">
+                <a:solidFill>
+                  <a:schemeClr val="accent3"/>
+                </a:solidFill>
+              </a:rPr>
               <a:t>namespace</a:t>
             </a:r>
             <a:r>
@@ -4308,7 +4267,7 @@
                   <a:schemeClr val="accent3"/>
                 </a:solidFill>
               </a:rPr>
-              <a:t> especifico</a:t>
+              <a:t> específico</a:t>
             </a:r>
           </a:p>
           <a:p>
@@ -4318,7 +4277,7 @@
             </a:r>
             <a:r>
               <a:rPr lang="en-US" sz="900" b="1" dirty="0"/>
-              <a:t> top namespace NAME_NAMESPACE</a:t>
+              <a:t> get pods -n NAME_NAMESPACE</a:t>
             </a:r>
           </a:p>
           <a:p>
@@ -4339,7 +4298,7 @@
                   <a:schemeClr val="accent3"/>
                 </a:solidFill>
               </a:rPr>
-              <a:t>Lista los </a:t>
+              <a:t>Cambia el </a:t>
             </a:r>
             <a:r>
               <a:rPr lang="es-MX" sz="900" i="1" dirty="0" err="1">
@@ -4347,22 +4306,6 @@
                   <a:schemeClr val="accent3"/>
                 </a:solidFill>
               </a:rPr>
-              <a:t>pods</a:t>
-            </a:r>
-            <a:r>
-              <a:rPr lang="es-MX" sz="900" i="1" dirty="0">
-                <a:solidFill>
-                  <a:schemeClr val="accent3"/>
-                </a:solidFill>
-              </a:rPr>
-              <a:t> en un </a:t>
-            </a:r>
-            <a:r>
-              <a:rPr lang="es-MX" sz="900" i="1" dirty="0" err="1">
-                <a:solidFill>
-                  <a:schemeClr val="accent3"/>
-                </a:solidFill>
-              </a:rPr>
               <a:t>namespace</a:t>
             </a:r>
             <a:r>
@@ -4371,7 +4314,7 @@
                   <a:schemeClr val="accent3"/>
                 </a:solidFill>
               </a:rPr>
-              <a:t> específico</a:t>
+              <a:t> por defecto</a:t>
             </a:r>
           </a:p>
           <a:p>
@@ -4381,7 +4324,7 @@
             </a:r>
             <a:r>
               <a:rPr lang="en-US" sz="900" b="1" dirty="0"/>
-              <a:t> get pods -n NAME_NAMESPACE</a:t>
+              <a:t> config set-context --current --namespace=NAME_NAMESPACE</a:t>
             </a:r>
           </a:p>
           <a:p>
@@ -4402,7 +4345,7 @@
                   <a:schemeClr val="accent3"/>
                 </a:solidFill>
               </a:rPr>
-              <a:t>Cambia el </a:t>
+              <a:t>Lista todos los recursos dentro de un </a:t>
             </a:r>
             <a:r>
               <a:rPr lang="es-MX" sz="900" i="1" dirty="0" err="1">
@@ -4418,7 +4361,7 @@
                   <a:schemeClr val="accent3"/>
                 </a:solidFill>
               </a:rPr>
-              <a:t> por defecto</a:t>
+              <a:t> específico</a:t>
             </a:r>
           </a:p>
           <a:p>
@@ -4428,11 +4371,63 @@
             </a:r>
             <a:r>
               <a:rPr lang="en-US" sz="900" b="1" dirty="0"/>
-              <a:t> config set-context --current --namespace=NAME_NAMESPACE</a:t>
+              <a:t> get all --namespace=NAME_NAMESPACE</a:t>
             </a:r>
           </a:p>
           <a:p>
             <a:endParaRPr lang="en-US" sz="900" b="1" dirty="0"/>
+          </a:p>
+          <a:p>
+            <a:r>
+              <a:rPr lang="en-US" sz="900" i="1" dirty="0">
+                <a:solidFill>
+                  <a:schemeClr val="accent3"/>
+                </a:solidFill>
+              </a:rPr>
+              <a:t># </a:t>
+            </a:r>
+            <a:r>
+              <a:rPr lang="es-MX" sz="900" i="1" dirty="0">
+                <a:solidFill>
+                  <a:schemeClr val="accent3"/>
+                </a:solidFill>
+              </a:rPr>
+              <a:t>Crear recursos dentro de un </a:t>
+            </a:r>
+            <a:r>
+              <a:rPr lang="es-MX" sz="900" i="1" dirty="0" err="1">
+                <a:solidFill>
+                  <a:schemeClr val="accent3"/>
+                </a:solidFill>
+              </a:rPr>
+              <a:t>namespace</a:t>
+            </a:r>
+            <a:r>
+              <a:rPr lang="es-MX" sz="900" i="1" dirty="0">
+                <a:solidFill>
+                  <a:schemeClr val="accent3"/>
+                </a:solidFill>
+              </a:rPr>
+              <a:t> en específico</a:t>
+            </a:r>
+          </a:p>
+          <a:p>
+            <a:r>
+              <a:rPr lang="en-US" sz="900" b="1" dirty="0" err="1"/>
+              <a:t>kubectl</a:t>
+            </a:r>
+            <a:r>
+              <a:rPr lang="en-US" sz="900" b="1" dirty="0"/>
+              <a:t> apply -f </a:t>
+            </a:r>
+            <a:r>
+              <a:rPr lang="en-US" sz="900" b="1" dirty="0" err="1"/>
+              <a:t>archivo.yaml</a:t>
+            </a:r>
+            <a:r>
+              <a:rPr lang="en-US" sz="900" b="1" dirty="0"/>
+              <a:t> --namespace=NAME_NAMESPACE</a:t>
+            </a:r>
           </a:p>
         </p:txBody>
       </p:sp>
@@ -4451,7 +4446,7 @@
         <p:spPr>
           <a:xfrm>
             <a:off x="5353362" y="907643"/>
-            <a:ext cx="2921959" cy="1384995"/>
+            <a:ext cx="2921959" cy="2816156"/>
           </a:xfrm>
           <a:prstGeom prst="rect">
             <a:avLst/>
@@ -4473,7 +4468,7 @@
                   <a:srgbClr val="895EBE"/>
                 </a:solidFill>
               </a:rPr>
-              <a:t>PODS</a:t>
+              <a:t>CLUSTER</a:t>
             </a:r>
             <a:endParaRPr lang="es-PE" sz="1200" b="1" dirty="0">
               <a:solidFill>
@@ -4490,67 +4485,51 @@
           </a:p>
           <a:p>
             <a:r>
-              <a:rPr lang="es-PE" sz="1200" i="1" dirty="0">
-                <a:solidFill>
-                  <a:schemeClr val="accent3"/>
-                </a:solidFill>
-              </a:rPr>
-              <a:t># Acceder al </a:t>
-            </a:r>
-            <a:r>
-              <a:rPr lang="es-PE" sz="1200" i="1" dirty="0" err="1">
-                <a:solidFill>
-                  <a:schemeClr val="accent3"/>
-                </a:solidFill>
-              </a:rPr>
-              <a:t>pod</a:t>
-            </a:r>
-            <a:r>
-              <a:rPr lang="es-PE" sz="1200" i="1" dirty="0">
-                <a:solidFill>
-                  <a:schemeClr val="accent3"/>
-                </a:solidFill>
-              </a:rPr>
-              <a:t> en modo interactivo (</a:t>
-            </a:r>
-            <a:r>
-              <a:rPr lang="es-PE" sz="1200" i="1" dirty="0" err="1">
-                <a:solidFill>
-                  <a:schemeClr val="accent3"/>
-                </a:solidFill>
-              </a:rPr>
-              <a:t>bash</a:t>
-            </a:r>
-            <a:r>
-              <a:rPr lang="es-PE" sz="1200" i="1" dirty="0">
-                <a:solidFill>
-                  <a:schemeClr val="accent3"/>
-                </a:solidFill>
-              </a:rPr>
-              <a:t>)</a:t>
-            </a:r>
-          </a:p>
-          <a:p>
-            <a:r>
-              <a:rPr lang="en-US" sz="1200" b="1" dirty="0" err="1"/>
+              <a:rPr lang="es-PE" sz="900" i="1" dirty="0">
+                <a:solidFill>
+                  <a:schemeClr val="accent3"/>
+                </a:solidFill>
+              </a:rPr>
+              <a:t># </a:t>
+            </a:r>
+            <a:r>
+              <a:rPr lang="es-MX" sz="900" i="1" dirty="0">
+                <a:solidFill>
+                  <a:schemeClr val="accent3"/>
+                </a:solidFill>
+              </a:rPr>
+              <a:t>Muestra la versión del cliente y del servidor </a:t>
+            </a:r>
+            <a:r>
+              <a:rPr lang="es-MX" sz="900" i="1" dirty="0" err="1">
+                <a:solidFill>
+                  <a:schemeClr val="accent3"/>
+                </a:solidFill>
+              </a:rPr>
+              <a:t>Kubernetes</a:t>
+            </a:r>
+            <a:endParaRPr lang="es-MX" sz="900" i="1" dirty="0">
+              <a:solidFill>
+                <a:schemeClr val="accent3"/>
+              </a:solidFill>
+            </a:endParaRPr>
+          </a:p>
+          <a:p>
+            <a:r>
+              <a:rPr lang="en-US" sz="900" b="1" dirty="0" err="1"/>
               <a:t>kubectl</a:t>
             </a:r>
             <a:r>
-              <a:rPr lang="en-US" sz="1200" b="1" dirty="0"/>
-              <a:t> exec -it NAME_POD –</a:t>
-            </a:r>
-            <a:r>
-              <a:rPr lang="en-US" sz="1200" b="1" dirty="0" err="1"/>
-              <a:t>sh</a:t>
-            </a:r>
-            <a:endParaRPr lang="en-US" sz="1200" b="1" dirty="0"/>
-          </a:p>
-          <a:p>
-            <a:endParaRPr lang="en-US" sz="1200" b="1" dirty="0"/>
-          </a:p>
-          <a:p>
-            <a:r>
-              <a:rPr lang="en-US" sz="1200" i="1" dirty="0">
+              <a:rPr lang="en-US" sz="900" b="1" dirty="0"/>
+              <a:t> version</a:t>
+            </a:r>
+          </a:p>
+          <a:p>
+            <a:endParaRPr lang="en-US" sz="900" b="1" dirty="0"/>
+          </a:p>
+          <a:p>
+            <a:r>
+              <a:rPr lang="en-US" sz="900" i="1" dirty="0">
                 <a:solidFill>
                   <a:schemeClr val="accent3"/>
                 </a:solidFill>
@@ -4558,7 +4537,7 @@
               <a:t># </a:t>
             </a:r>
             <a:r>
-              <a:rPr lang="en-US" sz="1200" i="1" dirty="0" err="1">
+              <a:rPr lang="en-US" sz="900" i="1" dirty="0" err="1">
                 <a:solidFill>
                   <a:schemeClr val="accent3"/>
                 </a:solidFill>
@@ -4566,39 +4545,191 @@
               <a:t>Muestra</a:t>
             </a:r>
             <a:r>
-              <a:rPr lang="en-US" sz="1200" i="1" dirty="0">
-                <a:solidFill>
-                  <a:schemeClr val="accent3"/>
-                </a:solidFill>
-              </a:rPr>
-              <a:t> IP, </a:t>
-            </a:r>
-            <a:r>
-              <a:rPr lang="en-US" sz="1200" i="1" dirty="0" err="1">
-                <a:solidFill>
-                  <a:schemeClr val="accent3"/>
-                </a:solidFill>
-              </a:rPr>
-              <a:t>nodo</a:t>
-            </a:r>
-            <a:r>
-              <a:rPr lang="en-US" sz="1200" i="1" dirty="0">
-                <a:solidFill>
-                  <a:schemeClr val="accent3"/>
-                </a:solidFill>
-              </a:rPr>
-              <a:t>, etc.</a:t>
-            </a:r>
-          </a:p>
-          <a:p>
-            <a:r>
-              <a:rPr lang="en-US" sz="1200" b="1" dirty="0" err="1"/>
+              <a:rPr lang="en-US" sz="900" i="1" dirty="0">
+                <a:solidFill>
+                  <a:schemeClr val="accent3"/>
+                </a:solidFill>
+              </a:rPr>
+              <a:t> la info del </a:t>
+            </a:r>
+            <a:r>
+              <a:rPr lang="en-US" sz="900" i="1" dirty="0" err="1">
+                <a:solidFill>
+                  <a:schemeClr val="accent3"/>
+                </a:solidFill>
+              </a:rPr>
+              <a:t>clúster</a:t>
+            </a:r>
+            <a:r>
+              <a:rPr lang="en-US" sz="900" i="1" dirty="0">
+                <a:solidFill>
+                  <a:schemeClr val="accent3"/>
+                </a:solidFill>
+              </a:rPr>
+              <a:t>.</a:t>
+            </a:r>
+          </a:p>
+          <a:p>
+            <a:r>
+              <a:rPr lang="en-US" sz="900" b="1" dirty="0" err="1"/>
               <a:t>kubectl</a:t>
             </a:r>
             <a:r>
-              <a:rPr lang="en-US" sz="1200" b="1" dirty="0"/>
-              <a:t> get pod NAME_POD -o wide</a:t>
-            </a:r>
+              <a:rPr lang="en-US" sz="900" b="1" dirty="0"/>
+              <a:t> cluster-info</a:t>
+            </a:r>
+          </a:p>
+          <a:p>
+            <a:endParaRPr lang="en-US" sz="900" b="1" dirty="0"/>
+          </a:p>
+          <a:p>
+            <a:r>
+              <a:rPr lang="en-US" sz="900" i="1" dirty="0">
+                <a:solidFill>
+                  <a:schemeClr val="accent3"/>
+                </a:solidFill>
+              </a:rPr>
+              <a:t># </a:t>
+            </a:r>
+            <a:r>
+              <a:rPr lang="es-MX" sz="900" i="1" dirty="0">
+                <a:solidFill>
+                  <a:schemeClr val="accent3"/>
+                </a:solidFill>
+              </a:rPr>
+              <a:t>Muestra la configuración actual del </a:t>
+            </a:r>
+            <a:r>
+              <a:rPr lang="es-MX" sz="900" i="1" dirty="0" err="1">
+                <a:solidFill>
+                  <a:schemeClr val="accent3"/>
+                </a:solidFill>
+              </a:rPr>
+              <a:t>kubectl</a:t>
+            </a:r>
+            <a:r>
+              <a:rPr lang="en-US" sz="900" i="1" dirty="0">
+                <a:solidFill>
+                  <a:schemeClr val="accent3"/>
+                </a:solidFill>
+              </a:rPr>
+              <a:t>.</a:t>
+            </a:r>
+          </a:p>
+          <a:p>
+            <a:r>
+              <a:rPr lang="en-US" sz="900" b="1" dirty="0" err="1"/>
+              <a:t>kubectl</a:t>
+            </a:r>
+            <a:r>
+              <a:rPr lang="en-US" sz="900" b="1" dirty="0"/>
+              <a:t> config view	</a:t>
+            </a:r>
+          </a:p>
+          <a:p>
+            <a:endParaRPr lang="en-US" sz="900" b="1" dirty="0"/>
+          </a:p>
+          <a:p>
+            <a:r>
+              <a:rPr lang="en-US" sz="900" i="1" dirty="0">
+                <a:solidFill>
+                  <a:schemeClr val="accent3"/>
+                </a:solidFill>
+              </a:rPr>
+              <a:t># </a:t>
+            </a:r>
+            <a:r>
+              <a:rPr lang="es-MX" sz="900" i="1" dirty="0">
+                <a:solidFill>
+                  <a:schemeClr val="accent3"/>
+                </a:solidFill>
+              </a:rPr>
+              <a:t>Muestra el contexto que está usando </a:t>
+            </a:r>
+            <a:r>
+              <a:rPr lang="es-MX" sz="900" i="1" dirty="0" err="1">
+                <a:solidFill>
+                  <a:schemeClr val="accent3"/>
+                </a:solidFill>
+              </a:rPr>
+              <a:t>kubectl</a:t>
+            </a:r>
+            <a:r>
+              <a:rPr lang="es-MX" sz="900" i="1" dirty="0">
+                <a:solidFill>
+                  <a:schemeClr val="accent3"/>
+                </a:solidFill>
+              </a:rPr>
+              <a:t> actualmente</a:t>
+            </a:r>
+            <a:r>
+              <a:rPr lang="en-US" sz="900" i="1" dirty="0">
+                <a:solidFill>
+                  <a:schemeClr val="accent3"/>
+                </a:solidFill>
+              </a:rPr>
+              <a:t>.</a:t>
+            </a:r>
+          </a:p>
+          <a:p>
+            <a:r>
+              <a:rPr lang="en-US" sz="900" b="1" dirty="0" err="1"/>
+              <a:t>kubectl</a:t>
+            </a:r>
+            <a:r>
+              <a:rPr lang="en-US" sz="900" b="1" dirty="0"/>
+              <a:t> config current-context</a:t>
+            </a:r>
+          </a:p>
+          <a:p>
+            <a:endParaRPr lang="en-US" sz="900" b="1" dirty="0"/>
+          </a:p>
+          <a:p>
+            <a:r>
+              <a:rPr lang="en-US" sz="900" i="1" dirty="0">
+                <a:solidFill>
+                  <a:schemeClr val="accent3"/>
+                </a:solidFill>
+              </a:rPr>
+              <a:t># </a:t>
+            </a:r>
+            <a:r>
+              <a:rPr lang="es-MX" sz="900" i="1" dirty="0">
+                <a:solidFill>
+                  <a:schemeClr val="accent3"/>
+                </a:solidFill>
+              </a:rPr>
+              <a:t>Muestra todos los contextos definidos en tu configuración </a:t>
+            </a:r>
+            <a:r>
+              <a:rPr lang="es-MX" sz="900" i="1" dirty="0" err="1">
+                <a:solidFill>
+                  <a:schemeClr val="accent3"/>
+                </a:solidFill>
+              </a:rPr>
+              <a:t>kubectl</a:t>
+            </a:r>
+            <a:r>
+              <a:rPr lang="en-US" sz="900" i="1" dirty="0">
+                <a:solidFill>
+                  <a:schemeClr val="accent3"/>
+                </a:solidFill>
+              </a:rPr>
+              <a:t>.</a:t>
+            </a:r>
+          </a:p>
+          <a:p>
+            <a:r>
+              <a:rPr lang="en-US" sz="900" b="1" dirty="0" err="1"/>
+              <a:t>kubectl</a:t>
+            </a:r>
+            <a:r>
+              <a:rPr lang="en-US" sz="900" b="1" dirty="0"/>
+              <a:t> config get-contexts</a:t>
+            </a:r>
+          </a:p>
+          <a:p>
+            <a:endParaRPr lang="en-US" sz="900" b="1" dirty="0"/>
           </a:p>
         </p:txBody>
       </p:sp>
@@ -4704,7 +4835,7 @@
         <p:spPr>
           <a:xfrm>
             <a:off x="2698983" y="936962"/>
-            <a:ext cx="2601835" cy="4893647"/>
+            <a:ext cx="2601835" cy="5032147"/>
           </a:xfrm>
           <a:prstGeom prst="rect">
             <a:avLst/>
@@ -4735,7 +4866,7 @@
           </a:p>
           <a:p>
             <a:r>
-              <a:rPr lang="en-US" sz="1200" i="1" dirty="0">
+              <a:rPr lang="en-US" sz="900" i="1" dirty="0">
                 <a:solidFill>
                   <a:schemeClr val="accent3"/>
                 </a:solidFill>
@@ -4743,7 +4874,7 @@
               <a:t># </a:t>
             </a:r>
             <a:r>
-              <a:rPr lang="es-MX" sz="1200" i="1" dirty="0">
+              <a:rPr lang="es-MX" sz="900" i="1" dirty="0">
                 <a:solidFill>
                   <a:schemeClr val="accent3"/>
                 </a:solidFill>
@@ -4751,7 +4882,7 @@
               <a:t>Listar los </a:t>
             </a:r>
             <a:r>
-              <a:rPr lang="es-MX" sz="1200" i="1" dirty="0" err="1">
+              <a:rPr lang="es-MX" sz="900" i="1" dirty="0" err="1">
                 <a:solidFill>
                   <a:schemeClr val="accent3"/>
                 </a:solidFill>
@@ -4759,7 +4890,7 @@
               <a:t>pods</a:t>
             </a:r>
             <a:r>
-              <a:rPr lang="es-MX" sz="1200" i="1" dirty="0">
+              <a:rPr lang="es-MX" sz="900" i="1" dirty="0">
                 <a:solidFill>
                   <a:schemeClr val="accent3"/>
                 </a:solidFill>
@@ -4767,7 +4898,7 @@
               <a:t> en el </a:t>
             </a:r>
             <a:r>
-              <a:rPr lang="es-MX" sz="1200" i="1" dirty="0" err="1">
+              <a:rPr lang="es-MX" sz="900" i="1" dirty="0" err="1">
                 <a:solidFill>
                   <a:schemeClr val="accent3"/>
                 </a:solidFill>
@@ -4775,7 +4906,7 @@
               <a:t>namespace</a:t>
             </a:r>
             <a:r>
-              <a:rPr lang="es-MX" sz="1200" i="1" dirty="0">
+              <a:rPr lang="es-MX" sz="900" i="1" dirty="0">
                 <a:solidFill>
                   <a:schemeClr val="accent3"/>
                 </a:solidFill>
@@ -4785,20 +4916,20 @@
           </a:p>
           <a:p>
             <a:r>
-              <a:rPr lang="en-US" sz="1200" b="1" dirty="0" err="1"/>
+              <a:rPr lang="en-US" sz="900" b="1" dirty="0" err="1"/>
               <a:t>kubectl</a:t>
             </a:r>
             <a:r>
-              <a:rPr lang="en-US" sz="1200" b="1" dirty="0"/>
+              <a:rPr lang="en-US" sz="900" b="1" dirty="0"/>
               <a:t> get pods</a:t>
             </a:r>
           </a:p>
           <a:p>
-            <a:endParaRPr lang="en-US" sz="1200" b="1" dirty="0"/>
-          </a:p>
-          <a:p>
-            <a:r>
-              <a:rPr lang="en-US" sz="1200" i="1" dirty="0">
+            <a:endParaRPr lang="en-US" sz="900" b="1" dirty="0"/>
+          </a:p>
+          <a:p>
+            <a:r>
+              <a:rPr lang="en-US" sz="900" i="1" dirty="0">
                 <a:solidFill>
                   <a:schemeClr val="accent3"/>
                 </a:solidFill>
@@ -4808,20 +4939,20 @@
           </a:p>
           <a:p>
             <a:r>
-              <a:rPr lang="en-US" sz="1200" b="1" dirty="0" err="1"/>
+              <a:rPr lang="en-US" sz="900" b="1" dirty="0" err="1"/>
               <a:t>kubectl</a:t>
             </a:r>
             <a:r>
-              <a:rPr lang="en-US" sz="1200" b="1" dirty="0"/>
+              <a:rPr lang="en-US" sz="900" b="1" dirty="0"/>
               <a:t> create pod NAME_POD</a:t>
             </a:r>
           </a:p>
           <a:p>
-            <a:endParaRPr lang="en-US" sz="1200" b="1" dirty="0"/>
-          </a:p>
-          <a:p>
-            <a:r>
-              <a:rPr lang="es-PE" sz="1200" i="1" dirty="0">
+            <a:endParaRPr lang="en-US" sz="900" b="1" dirty="0"/>
+          </a:p>
+          <a:p>
+            <a:r>
+              <a:rPr lang="es-PE" sz="900" i="1" dirty="0">
                 <a:solidFill>
                   <a:schemeClr val="accent3"/>
                 </a:solidFill>
@@ -4829,15 +4960,15 @@
               <a:t># </a:t>
             </a:r>
             <a:r>
-              <a:rPr lang="es-MX" sz="1200" i="1" dirty="0">
-                <a:solidFill>
-                  <a:schemeClr val="accent3"/>
-                </a:solidFill>
-              </a:rPr>
-              <a:t>Muestra detalles completos de un </a:t>
-            </a:r>
-            <a:r>
-              <a:rPr lang="es-MX" sz="1200" i="1" dirty="0" err="1">
+              <a:rPr lang="es-MX" sz="900" i="1" dirty="0">
+                <a:solidFill>
+                  <a:schemeClr val="accent3"/>
+                </a:solidFill>
+              </a:rPr>
+              <a:t>Describe un </a:t>
+            </a:r>
+            <a:r>
+              <a:rPr lang="es-MX" sz="900" i="1" dirty="0" err="1">
                 <a:solidFill>
                   <a:schemeClr val="accent3"/>
                 </a:solidFill>
@@ -4845,7 +4976,7 @@
               <a:t>pod</a:t>
             </a:r>
             <a:r>
-              <a:rPr lang="es-MX" sz="1200" i="1" dirty="0">
+              <a:rPr lang="es-MX" sz="900" i="1" dirty="0">
                 <a:solidFill>
                   <a:schemeClr val="accent3"/>
                 </a:solidFill>
@@ -4855,20 +4986,20 @@
           </a:p>
           <a:p>
             <a:r>
-              <a:rPr lang="en-US" sz="1200" b="1" dirty="0" err="1"/>
+              <a:rPr lang="en-US" sz="900" b="1" dirty="0" err="1"/>
               <a:t>kubectl</a:t>
             </a:r>
             <a:r>
-              <a:rPr lang="en-US" sz="1200" b="1" dirty="0"/>
+              <a:rPr lang="en-US" sz="900" b="1" dirty="0"/>
               <a:t> describe pod NAME_POD</a:t>
             </a:r>
           </a:p>
           <a:p>
-            <a:endParaRPr lang="en-US" sz="1200" b="1" dirty="0"/>
-          </a:p>
-          <a:p>
-            <a:r>
-              <a:rPr lang="es-PE" sz="1200" i="1" dirty="0">
+            <a:endParaRPr lang="en-US" sz="900" b="1" dirty="0"/>
+          </a:p>
+          <a:p>
+            <a:r>
+              <a:rPr lang="es-PE" sz="900" i="1" dirty="0">
                 <a:solidFill>
                   <a:schemeClr val="accent3"/>
                 </a:solidFill>
@@ -4876,7 +5007,7 @@
               <a:t># Elimina un </a:t>
             </a:r>
             <a:r>
-              <a:rPr lang="es-PE" sz="1200" i="1" dirty="0" err="1">
+              <a:rPr lang="es-PE" sz="900" i="1" dirty="0" err="1">
                 <a:solidFill>
                   <a:schemeClr val="accent3"/>
                 </a:solidFill>
@@ -4884,7 +5015,7 @@
               <a:t>pod</a:t>
             </a:r>
             <a:r>
-              <a:rPr lang="es-PE" sz="1200" i="1" dirty="0">
+              <a:rPr lang="es-PE" sz="900" i="1" dirty="0">
                 <a:solidFill>
                   <a:schemeClr val="accent3"/>
                 </a:solidFill>
@@ -4894,17 +5025,17 @@
           </a:p>
           <a:p>
             <a:r>
-              <a:rPr lang="pl-PL" sz="1200" b="1" dirty="0"/>
+              <a:rPr lang="pl-PL" sz="900" b="1" dirty="0"/>
               <a:t>kubectl delete pod NAME_POD </a:t>
             </a:r>
-            <a:endParaRPr lang="es-MX" sz="1200" b="1" dirty="0"/>
-          </a:p>
-          <a:p>
-            <a:endParaRPr lang="en-US" sz="1200" b="1" dirty="0"/>
-          </a:p>
-          <a:p>
-            <a:r>
-              <a:rPr lang="en-US" sz="1200" i="1" dirty="0">
+            <a:endParaRPr lang="es-MX" sz="900" b="1" dirty="0"/>
+          </a:p>
+          <a:p>
+            <a:endParaRPr lang="en-US" sz="900" b="1" dirty="0"/>
+          </a:p>
+          <a:p>
+            <a:r>
+              <a:rPr lang="en-US" sz="900" i="1" dirty="0">
                 <a:solidFill>
                   <a:schemeClr val="accent3"/>
                 </a:solidFill>
@@ -4912,7 +5043,7 @@
               <a:t># </a:t>
             </a:r>
             <a:r>
-              <a:rPr lang="en-US" sz="1200" i="1" dirty="0" err="1">
+              <a:rPr lang="en-US" sz="900" i="1" dirty="0" err="1">
                 <a:solidFill>
                   <a:schemeClr val="accent3"/>
                 </a:solidFill>
@@ -4920,7 +5051,7 @@
               <a:t>Elimina</a:t>
             </a:r>
             <a:r>
-              <a:rPr lang="en-US" sz="1200" i="1" dirty="0">
+              <a:rPr lang="en-US" sz="900" i="1" dirty="0">
                 <a:solidFill>
                   <a:schemeClr val="accent3"/>
                 </a:solidFill>
@@ -4928,7 +5059,7 @@
               <a:t> un pod </a:t>
             </a:r>
             <a:r>
-              <a:rPr lang="en-US" sz="1200" i="1" dirty="0" err="1">
+              <a:rPr lang="en-US" sz="900" i="1" dirty="0" err="1">
                 <a:solidFill>
                   <a:schemeClr val="accent3"/>
                 </a:solidFill>
@@ -4936,7 +5067,7 @@
               <a:t>en</a:t>
             </a:r>
             <a:r>
-              <a:rPr lang="en-US" sz="1200" i="1" dirty="0">
+              <a:rPr lang="en-US" sz="900" i="1" dirty="0">
                 <a:solidFill>
                   <a:schemeClr val="accent3"/>
                 </a:solidFill>
@@ -4944,7 +5075,7 @@
               <a:t> </a:t>
             </a:r>
             <a:r>
-              <a:rPr lang="en-US" sz="1200" i="1" dirty="0" err="1">
+              <a:rPr lang="en-US" sz="900" i="1" dirty="0" err="1">
                 <a:solidFill>
                   <a:schemeClr val="accent3"/>
                 </a:solidFill>
@@ -4952,7 +5083,7 @@
               <a:t>específico</a:t>
             </a:r>
             <a:r>
-              <a:rPr lang="en-US" sz="1200" i="1" dirty="0">
+              <a:rPr lang="en-US" sz="900" i="1" dirty="0">
                 <a:solidFill>
                   <a:schemeClr val="accent3"/>
                 </a:solidFill>
@@ -4960,7 +5091,7 @@
               <a:t> de un namespace </a:t>
             </a:r>
             <a:r>
-              <a:rPr lang="en-US" sz="1200" i="1" dirty="0" err="1">
+              <a:rPr lang="en-US" sz="900" i="1" dirty="0" err="1">
                 <a:solidFill>
                   <a:schemeClr val="accent3"/>
                 </a:solidFill>
@@ -4968,7 +5099,7 @@
               <a:t>en</a:t>
             </a:r>
             <a:r>
-              <a:rPr lang="en-US" sz="1200" i="1" dirty="0">
+              <a:rPr lang="en-US" sz="900" i="1" dirty="0">
                 <a:solidFill>
                   <a:schemeClr val="accent3"/>
                 </a:solidFill>
@@ -4976,14 +5107,14 @@
               <a:t> </a:t>
             </a:r>
             <a:r>
-              <a:rPr lang="en-US" sz="1200" i="1" dirty="0" err="1">
+              <a:rPr lang="en-US" sz="900" i="1" dirty="0" err="1">
                 <a:solidFill>
                   <a:schemeClr val="accent3"/>
                 </a:solidFill>
               </a:rPr>
               <a:t>especifico</a:t>
             </a:r>
-            <a:endParaRPr lang="en-US" sz="1200" i="1" dirty="0">
+            <a:endParaRPr lang="en-US" sz="900" i="1" dirty="0">
               <a:solidFill>
                 <a:schemeClr val="accent3"/>
               </a:solidFill>
@@ -4991,20 +5122,20 @@
           </a:p>
           <a:p>
             <a:r>
-              <a:rPr lang="en-US" sz="1200" b="1" dirty="0" err="1"/>
+              <a:rPr lang="en-US" sz="900" b="1" dirty="0" err="1"/>
               <a:t>kubectl</a:t>
             </a:r>
             <a:r>
-              <a:rPr lang="en-US" sz="1200" b="1" dirty="0"/>
+              <a:rPr lang="en-US" sz="900" b="1" dirty="0"/>
               <a:t> delete pod NAME_POD -n NAME_NAMESPACE</a:t>
             </a:r>
           </a:p>
           <a:p>
-            <a:endParaRPr lang="es-PE" sz="1200" b="1" dirty="0"/>
-          </a:p>
-          <a:p>
-            <a:r>
-              <a:rPr lang="en-US" sz="1200" i="1" dirty="0">
+            <a:endParaRPr lang="es-PE" sz="900" b="1" dirty="0"/>
+          </a:p>
+          <a:p>
+            <a:r>
+              <a:rPr lang="en-US" sz="900" i="1" dirty="0">
                 <a:solidFill>
                   <a:schemeClr val="accent3"/>
                 </a:solidFill>
@@ -5012,7 +5143,7 @@
               <a:t># </a:t>
             </a:r>
             <a:r>
-              <a:rPr lang="es-MX" sz="1200" i="1" dirty="0">
+              <a:rPr lang="es-MX" sz="900" i="1" dirty="0">
                 <a:solidFill>
                   <a:schemeClr val="accent3"/>
                 </a:solidFill>
@@ -5020,14 +5151,14 @@
               <a:t>Muestra los logs de un </a:t>
             </a:r>
             <a:r>
-              <a:rPr lang="es-MX" sz="1200" i="1" dirty="0" err="1">
+              <a:rPr lang="es-MX" sz="900" i="1" dirty="0" err="1">
                 <a:solidFill>
                   <a:schemeClr val="accent3"/>
                 </a:solidFill>
               </a:rPr>
               <a:t>pod</a:t>
             </a:r>
-            <a:endParaRPr lang="es-MX" sz="1200" i="1" dirty="0">
+            <a:endParaRPr lang="es-MX" sz="900" i="1" dirty="0">
               <a:solidFill>
                 <a:schemeClr val="accent3"/>
               </a:solidFill>
@@ -5035,20 +5166,20 @@
           </a:p>
           <a:p>
             <a:r>
-              <a:rPr lang="es-PE" sz="1200" b="1" dirty="0" err="1"/>
+              <a:rPr lang="es-PE" sz="900" b="1" dirty="0" err="1"/>
               <a:t>kubectl</a:t>
             </a:r>
             <a:r>
-              <a:rPr lang="es-PE" sz="1200" b="1" dirty="0"/>
+              <a:rPr lang="es-PE" sz="900" b="1" dirty="0"/>
               <a:t> logs NAME_POD</a:t>
             </a:r>
           </a:p>
           <a:p>
-            <a:endParaRPr lang="es-PE" sz="1200" b="1" dirty="0"/>
-          </a:p>
-          <a:p>
-            <a:r>
-              <a:rPr lang="en-US" sz="1200" i="1" dirty="0">
+            <a:endParaRPr lang="es-PE" sz="900" b="1" dirty="0"/>
+          </a:p>
+          <a:p>
+            <a:r>
+              <a:rPr lang="en-US" sz="900" i="1" dirty="0">
                 <a:solidFill>
                   <a:schemeClr val="accent3"/>
                 </a:solidFill>
@@ -5056,23 +5187,183 @@
               <a:t># </a:t>
             </a:r>
             <a:r>
-              <a:rPr lang="es-MX" sz="1200" i="1" dirty="0">
-                <a:solidFill>
-                  <a:schemeClr val="accent3"/>
-                </a:solidFill>
-              </a:rPr>
-              <a:t>Sigue los logs en tiempo real</a:t>
-            </a:r>
-          </a:p>
-          <a:p>
-            <a:r>
-              <a:rPr lang="en-US" sz="1200" b="1" dirty="0" err="1"/>
+              <a:rPr lang="es-MX" sz="900" i="1" dirty="0">
+                <a:solidFill>
+                  <a:schemeClr val="accent3"/>
+                </a:solidFill>
+              </a:rPr>
+              <a:t>Muestra los logs en tiempo real</a:t>
+            </a:r>
+          </a:p>
+          <a:p>
+            <a:r>
+              <a:rPr lang="en-US" sz="900" b="1" dirty="0" err="1"/>
               <a:t>kubectl</a:t>
             </a:r>
             <a:r>
-              <a:rPr lang="en-US" sz="1200" b="1" dirty="0"/>
+              <a:rPr lang="en-US" sz="900" b="1" dirty="0"/>
               <a:t> logs -f NAME_POD </a:t>
             </a:r>
+          </a:p>
+          <a:p>
+            <a:endParaRPr lang="en-US" sz="900" b="1" dirty="0"/>
+          </a:p>
+          <a:p>
+            <a:endParaRPr lang="en-US" sz="900" b="1" dirty="0"/>
+          </a:p>
+          <a:p>
+            <a:r>
+              <a:rPr lang="en-US" sz="900" i="1" dirty="0">
+                <a:solidFill>
+                  <a:schemeClr val="accent3"/>
+                </a:solidFill>
+              </a:rPr>
+              <a:t># </a:t>
+            </a:r>
+            <a:r>
+              <a:rPr lang="es-MX" sz="900" i="1" dirty="0">
+                <a:solidFill>
+                  <a:schemeClr val="accent3"/>
+                </a:solidFill>
+              </a:rPr>
+              <a:t>Elimina todos los </a:t>
+            </a:r>
+            <a:r>
+              <a:rPr lang="es-MX" sz="900" i="1" dirty="0" err="1">
+                <a:solidFill>
+                  <a:schemeClr val="accent3"/>
+                </a:solidFill>
+              </a:rPr>
+              <a:t>pods</a:t>
+            </a:r>
+            <a:r>
+              <a:rPr lang="es-MX" sz="900" i="1" dirty="0">
+                <a:solidFill>
+                  <a:schemeClr val="accent3"/>
+                </a:solidFill>
+              </a:rPr>
+              <a:t> en el </a:t>
+            </a:r>
+            <a:r>
+              <a:rPr lang="es-MX" sz="900" i="1" dirty="0" err="1">
+                <a:solidFill>
+                  <a:schemeClr val="accent3"/>
+                </a:solidFill>
+              </a:rPr>
+              <a:t>namespace</a:t>
+            </a:r>
+            <a:r>
+              <a:rPr lang="es-MX" sz="900" i="1" dirty="0">
+                <a:solidFill>
+                  <a:schemeClr val="accent3"/>
+                </a:solidFill>
+              </a:rPr>
+              <a:t> actual</a:t>
+            </a:r>
+          </a:p>
+          <a:p>
+            <a:r>
+              <a:rPr lang="en-US" sz="900" b="1" dirty="0" err="1"/>
+              <a:t>kubectl</a:t>
+            </a:r>
+            <a:r>
+              <a:rPr lang="en-US" sz="900" b="1" dirty="0"/>
+              <a:t> delete pods --all</a:t>
+            </a:r>
+          </a:p>
+          <a:p>
+            <a:endParaRPr lang="en-US" sz="900" b="1" dirty="0"/>
+          </a:p>
+          <a:p>
+            <a:r>
+              <a:rPr lang="en-US" sz="900" i="1" dirty="0">
+                <a:solidFill>
+                  <a:schemeClr val="accent3"/>
+                </a:solidFill>
+              </a:rPr>
+              <a:t># </a:t>
+            </a:r>
+            <a:r>
+              <a:rPr lang="es-MX" sz="900" i="1" dirty="0">
+                <a:solidFill>
+                  <a:schemeClr val="accent3"/>
+                </a:solidFill>
+              </a:rPr>
+              <a:t>Muestra información extendida</a:t>
+            </a:r>
+          </a:p>
+          <a:p>
+            <a:r>
+              <a:rPr lang="en-US" sz="900" b="1" dirty="0" err="1"/>
+              <a:t>kubectl</a:t>
+            </a:r>
+            <a:r>
+              <a:rPr lang="en-US" sz="900" b="1" dirty="0"/>
+              <a:t> get pods -o wide</a:t>
+            </a:r>
+          </a:p>
+          <a:p>
+            <a:endParaRPr lang="en-US" sz="900" b="1" dirty="0"/>
+          </a:p>
+          <a:p>
+            <a:r>
+              <a:rPr lang="en-US" sz="900" i="1" dirty="0">
+                <a:solidFill>
+                  <a:schemeClr val="accent3"/>
+                </a:solidFill>
+              </a:rPr>
+              <a:t># </a:t>
+            </a:r>
+            <a:r>
+              <a:rPr lang="es-MX" sz="900" i="1" dirty="0">
+                <a:solidFill>
+                  <a:schemeClr val="accent3"/>
+                </a:solidFill>
+              </a:rPr>
+              <a:t>Abre un </a:t>
+            </a:r>
+            <a:r>
+              <a:rPr lang="es-MX" sz="900" i="1" dirty="0" err="1">
+                <a:solidFill>
+                  <a:schemeClr val="accent3"/>
+                </a:solidFill>
+              </a:rPr>
+              <a:t>shell</a:t>
+            </a:r>
+            <a:r>
+              <a:rPr lang="es-MX" sz="900" i="1" dirty="0">
+                <a:solidFill>
+                  <a:schemeClr val="accent3"/>
+                </a:solidFill>
+              </a:rPr>
+              <a:t> en el </a:t>
+            </a:r>
+            <a:r>
+              <a:rPr lang="es-MX" sz="900" i="1" dirty="0" err="1">
+                <a:solidFill>
+                  <a:schemeClr val="accent3"/>
+                </a:solidFill>
+              </a:rPr>
+              <a:t>pod</a:t>
+            </a:r>
+            <a:endParaRPr lang="es-MX" sz="900" i="1" dirty="0">
+              <a:solidFill>
+                <a:schemeClr val="accent3"/>
+              </a:solidFill>
+            </a:endParaRPr>
+          </a:p>
+          <a:p>
+            <a:r>
+              <a:rPr lang="en-US" sz="900" b="1" dirty="0" err="1"/>
+              <a:t>kubectl</a:t>
+            </a:r>
+            <a:r>
+              <a:rPr lang="en-US" sz="900" b="1" dirty="0"/>
+              <a:t> exec -it NAME_POD -- bash</a:t>
+            </a:r>
+          </a:p>
+          <a:p>
+            <a:endParaRPr lang="en-US" sz="900" b="1" dirty="0"/>
           </a:p>
         </p:txBody>
       </p:sp>
@@ -5091,7 +5382,7 @@
         <p:spPr>
           <a:xfrm>
             <a:off x="8618221" y="907643"/>
-            <a:ext cx="2921959" cy="4339650"/>
+            <a:ext cx="2921959" cy="2816156"/>
           </a:xfrm>
           <a:prstGeom prst="rect">
             <a:avLst/>
@@ -5125,7 +5416,7 @@
           </a:p>
           <a:p>
             <a:r>
-              <a:rPr lang="en-US" sz="1200" i="1" dirty="0">
+              <a:rPr lang="en-US" sz="900" i="1" dirty="0">
                 <a:solidFill>
                   <a:schemeClr val="accent3"/>
                 </a:solidFill>
@@ -5133,7 +5424,7 @@
               <a:t>#</a:t>
             </a:r>
             <a:r>
-              <a:rPr lang="es-MX" sz="1200" i="1" dirty="0">
+              <a:rPr lang="es-MX" sz="900" i="1" dirty="0">
                 <a:solidFill>
                   <a:schemeClr val="accent3"/>
                 </a:solidFill>
@@ -5143,20 +5434,20 @@
           </a:p>
           <a:p>
             <a:r>
-              <a:rPr lang="en-US" sz="1200" b="1" dirty="0" err="1"/>
+              <a:rPr lang="en-US" sz="900" b="1" dirty="0" err="1"/>
               <a:t>kubectl</a:t>
             </a:r>
             <a:r>
-              <a:rPr lang="en-US" sz="1200" b="1" dirty="0"/>
+              <a:rPr lang="en-US" sz="900" b="1" dirty="0"/>
               <a:t> get nodes</a:t>
             </a:r>
           </a:p>
           <a:p>
-            <a:endParaRPr lang="en-US" sz="1200" b="1" dirty="0"/>
-          </a:p>
-          <a:p>
-            <a:r>
-              <a:rPr lang="en-US" sz="1200" i="1" dirty="0">
+            <a:endParaRPr lang="en-US" sz="900" b="1" dirty="0"/>
+          </a:p>
+          <a:p>
+            <a:r>
+              <a:rPr lang="en-US" sz="900" i="1" dirty="0">
                 <a:solidFill>
                   <a:schemeClr val="accent3"/>
                 </a:solidFill>
@@ -5164,7 +5455,7 @@
               <a:t># </a:t>
             </a:r>
             <a:r>
-              <a:rPr lang="es-MX" sz="1200" i="1" dirty="0">
+              <a:rPr lang="es-MX" sz="900" i="1" dirty="0">
                 <a:solidFill>
                   <a:schemeClr val="accent3"/>
                 </a:solidFill>
@@ -5174,16 +5465,16 @@
           </a:p>
           <a:p>
             <a:r>
-              <a:rPr lang="en-US" sz="1200" b="1" dirty="0" err="1"/>
+              <a:rPr lang="en-US" sz="900" b="1" dirty="0" err="1"/>
               <a:t>kubectl</a:t>
             </a:r>
             <a:r>
-              <a:rPr lang="en-US" sz="1200" b="1" dirty="0"/>
+              <a:rPr lang="en-US" sz="900" b="1" dirty="0"/>
               <a:t> get nodes -o wide</a:t>
             </a:r>
           </a:p>
           <a:p>
-            <a:endParaRPr lang="en-US" sz="1200" i="1" dirty="0">
+            <a:endParaRPr lang="en-US" sz="900" i="1" dirty="0">
               <a:solidFill>
                 <a:schemeClr val="accent3"/>
               </a:solidFill>
@@ -5191,7 +5482,7 @@
           </a:p>
           <a:p>
             <a:r>
-              <a:rPr lang="en-US" sz="1200" i="1" dirty="0">
+              <a:rPr lang="en-US" sz="900" i="1" dirty="0">
                 <a:solidFill>
                   <a:schemeClr val="accent3"/>
                 </a:solidFill>
@@ -5199,30 +5490,46 @@
               <a:t># </a:t>
             </a:r>
             <a:r>
-              <a:rPr lang="es-MX" sz="1200" i="1" dirty="0">
-                <a:solidFill>
-                  <a:schemeClr val="accent3"/>
-                </a:solidFill>
-              </a:rPr>
-              <a:t>Muestra detalles completos de un nodo en especifico</a:t>
-            </a:r>
-          </a:p>
-          <a:p>
-            <a:r>
-              <a:rPr lang="en-US" sz="1200" b="1" dirty="0" err="1"/>
+              <a:rPr lang="es-MX" sz="900" i="1" dirty="0">
+                <a:solidFill>
+                  <a:schemeClr val="accent3"/>
+                </a:solidFill>
+              </a:rPr>
+              <a:t>Muestra información detallada del </a:t>
+            </a:r>
+            <a:r>
+              <a:rPr lang="es-MX" sz="900" i="1" dirty="0" err="1">
+                <a:solidFill>
+                  <a:schemeClr val="accent3"/>
+                </a:solidFill>
+              </a:rPr>
+              <a:t>nodoen</a:t>
+            </a:r>
+            <a:r>
+              <a:rPr lang="es-MX" sz="900" i="1" dirty="0">
+                <a:solidFill>
+                  <a:schemeClr val="accent3"/>
+                </a:solidFill>
+              </a:rPr>
+              <a:t> especifico</a:t>
+            </a:r>
+          </a:p>
+          <a:p>
+            <a:r>
+              <a:rPr lang="en-US" sz="900" b="1" dirty="0" err="1"/>
               <a:t>kubectl</a:t>
             </a:r>
             <a:r>
-              <a:rPr lang="en-US" sz="1200" b="1" dirty="0"/>
+              <a:rPr lang="en-US" sz="900" b="1" dirty="0"/>
               <a:t> describe node NAME_NODE</a:t>
             </a:r>
           </a:p>
           <a:p>
-            <a:endParaRPr lang="en-US" sz="1200" b="1" dirty="0"/>
-          </a:p>
-          <a:p>
-            <a:r>
-              <a:rPr lang="en-US" sz="1200" i="1" dirty="0">
+            <a:endParaRPr lang="en-US" sz="900" b="1" dirty="0"/>
+          </a:p>
+          <a:p>
+            <a:r>
+              <a:rPr lang="en-US" sz="900" i="1" dirty="0">
                 <a:solidFill>
                   <a:schemeClr val="accent3"/>
                 </a:solidFill>
@@ -5230,46 +5537,46 @@
               <a:t># </a:t>
             </a:r>
             <a:r>
-              <a:rPr lang="es-MX" sz="1200" i="1" dirty="0">
-                <a:solidFill>
-                  <a:schemeClr val="accent3"/>
-                </a:solidFill>
-              </a:rPr>
-              <a:t>Marca un nodo en especifico como "No </a:t>
-            </a:r>
-            <a:r>
-              <a:rPr lang="es-MX" sz="1200" i="1" dirty="0" err="1">
-                <a:solidFill>
-                  <a:schemeClr val="accent3"/>
-                </a:solidFill>
-              </a:rPr>
-              <a:t>schedulable</a:t>
-            </a:r>
-            <a:r>
-              <a:rPr lang="es-MX" sz="1200" i="1" dirty="0">
-                <a:solidFill>
-                  <a:schemeClr val="accent3"/>
-                </a:solidFill>
-              </a:rPr>
-              <a:t>“</a:t>
-            </a:r>
-          </a:p>
-          <a:p>
-            <a:r>
-              <a:rPr lang="en-US" sz="1200" b="1" dirty="0" err="1"/>
+              <a:rPr lang="es-MX" sz="900" i="1" dirty="0">
+                <a:solidFill>
+                  <a:schemeClr val="accent3"/>
+                </a:solidFill>
+              </a:rPr>
+              <a:t>Evita que se programen nuevos </a:t>
+            </a:r>
+            <a:r>
+              <a:rPr lang="es-MX" sz="900" i="1" dirty="0" err="1">
+                <a:solidFill>
+                  <a:schemeClr val="accent3"/>
+                </a:solidFill>
+              </a:rPr>
+              <a:t>pods</a:t>
+            </a:r>
+            <a:r>
+              <a:rPr lang="es-MX" sz="900" i="1" dirty="0">
+                <a:solidFill>
+                  <a:schemeClr val="accent3"/>
+                </a:solidFill>
+              </a:rPr>
+              <a:t> en el nodo</a:t>
+            </a:r>
+          </a:p>
+          <a:p>
+            <a:r>
+              <a:rPr lang="en-US" sz="900" b="1" dirty="0" err="1"/>
               <a:t>kubectl</a:t>
             </a:r>
             <a:r>
-              <a:rPr lang="en-US" sz="1200" b="1" dirty="0"/>
+              <a:rPr lang="en-US" sz="900" b="1" dirty="0"/>
               <a:t> cordon NAME_NODE</a:t>
             </a:r>
           </a:p>
           <a:p>
-            <a:endParaRPr lang="en-US" sz="1200" b="1" dirty="0"/>
-          </a:p>
-          <a:p>
-            <a:r>
-              <a:rPr lang="en-US" sz="1200" i="1" dirty="0">
+            <a:endParaRPr lang="en-US" sz="900" b="1" dirty="0"/>
+          </a:p>
+          <a:p>
+            <a:r>
+              <a:rPr lang="en-US" sz="900" i="1" dirty="0">
                 <a:solidFill>
                   <a:schemeClr val="accent3"/>
                 </a:solidFill>
@@ -5277,22 +5584,22 @@
               <a:t># </a:t>
             </a:r>
             <a:r>
-              <a:rPr lang="es-MX" sz="1200" i="1" dirty="0">
-                <a:solidFill>
-                  <a:schemeClr val="accent3"/>
-                </a:solidFill>
-              </a:rPr>
-              <a:t>Vuelve a habilitar un nodo en especifico para recibir </a:t>
-            </a:r>
-            <a:r>
-              <a:rPr lang="es-MX" sz="1200" i="1" dirty="0" err="1">
+              <a:rPr lang="es-MX" sz="900" i="1" dirty="0">
+                <a:solidFill>
+                  <a:schemeClr val="accent3"/>
+                </a:solidFill>
+              </a:rPr>
+              <a:t>Permite nuevamente que el nodo reciba nuevos </a:t>
+            </a:r>
+            <a:r>
+              <a:rPr lang="es-MX" sz="900" i="1" dirty="0" err="1">
                 <a:solidFill>
                   <a:schemeClr val="accent3"/>
                 </a:solidFill>
               </a:rPr>
               <a:t>pods</a:t>
             </a:r>
-            <a:endParaRPr lang="es-MX" sz="1200" i="1" dirty="0">
+            <a:endParaRPr lang="es-MX" sz="900" i="1" dirty="0">
               <a:solidFill>
                 <a:schemeClr val="accent3"/>
               </a:solidFill>
@@ -5300,28 +5607,28 @@
           </a:p>
           <a:p>
             <a:r>
-              <a:rPr lang="en-US" sz="1200" b="1" dirty="0" err="1"/>
+              <a:rPr lang="en-US" sz="900" b="1" dirty="0" err="1"/>
               <a:t>kubectl</a:t>
             </a:r>
             <a:r>
-              <a:rPr lang="en-US" sz="1200" b="1" dirty="0"/>
+              <a:rPr lang="en-US" sz="900" b="1" dirty="0"/>
               <a:t> </a:t>
             </a:r>
             <a:r>
-              <a:rPr lang="en-US" sz="1200" b="1" dirty="0" err="1"/>
+              <a:rPr lang="en-US" sz="900" b="1" dirty="0" err="1"/>
               <a:t>uncordon</a:t>
             </a:r>
             <a:r>
-              <a:rPr lang="en-US" sz="1200" b="1" dirty="0"/>
+              <a:rPr lang="en-US" sz="900" b="1" dirty="0"/>
               <a:t> NAME_NODE</a:t>
             </a:r>
           </a:p>
           <a:p>
-            <a:endParaRPr lang="en-US" sz="1200" b="1" dirty="0"/>
-          </a:p>
-          <a:p>
-            <a:r>
-              <a:rPr lang="en-US" sz="1200" i="1" dirty="0">
+            <a:endParaRPr lang="en-US" sz="900" b="1" dirty="0"/>
+          </a:p>
+          <a:p>
+            <a:r>
+              <a:rPr lang="en-US" sz="900" i="1" dirty="0">
                 <a:solidFill>
                   <a:schemeClr val="accent3"/>
                 </a:solidFill>
@@ -5329,7 +5636,7 @@
               <a:t># </a:t>
             </a:r>
             <a:r>
-              <a:rPr lang="es-MX" sz="1200" i="1">
+              <a:rPr lang="es-MX" sz="900" i="1" dirty="0">
                 <a:solidFill>
                   <a:schemeClr val="accent3"/>
                 </a:solidFill>
@@ -5339,14 +5646,216 @@
           </a:p>
           <a:p>
             <a:r>
-              <a:rPr lang="nl-NL" sz="1200" b="1"/>
-              <a:t>kubectl </a:t>
-            </a:r>
-            <a:r>
-              <a:rPr lang="nl-NL" sz="1200" b="1" dirty="0"/>
-              <a:t>delete node NAME_NODE</a:t>
-            </a:r>
-            <a:endParaRPr lang="en-US" sz="1200" b="1" dirty="0"/>
+              <a:rPr lang="nl-NL" sz="900" b="1" dirty="0"/>
+              <a:t>kubectl delete node NAME_NODE</a:t>
+            </a:r>
+            <a:endParaRPr lang="en-US" sz="900" b="1" dirty="0"/>
+          </a:p>
+        </p:txBody>
+      </p:sp>
+      <p:sp>
+        <p:nvSpPr>
+          <p:cNvPr id="6" name="CuadroTexto 5">
+            <a:extLst>
+              <a:ext uri="{FF2B5EF4-FFF2-40B4-BE49-F238E27FC236}">
+                <a16:creationId xmlns:a16="http://schemas.microsoft.com/office/drawing/2014/main" id="{CB294911-632C-5F37-2998-771173B88F95}"/>
+              </a:ext>
+            </a:extLst>
+          </p:cNvPr>
+          <p:cNvSpPr txBox="1"/>
+          <p:nvPr/>
+        </p:nvSpPr>
+        <p:spPr>
+          <a:xfrm>
+            <a:off x="5353362" y="3949887"/>
+            <a:ext cx="4514538" cy="1985159"/>
+          </a:xfrm>
+          <a:prstGeom prst="rect">
+            <a:avLst/>
+          </a:prstGeom>
+          <a:noFill/>
+          <a:ln>
+            <a:noFill/>
+          </a:ln>
+        </p:spPr>
+        <p:txBody>
+          <a:bodyPr wrap="square" rtlCol="0">
+            <a:spAutoFit/>
+          </a:bodyPr>
+          <a:lstStyle/>
+          <a:p>
+            <a:r>
+              <a:rPr lang="en-US" sz="1200" b="1" dirty="0">
+                <a:solidFill>
+                  <a:srgbClr val="895EBE"/>
+                </a:solidFill>
+              </a:rPr>
+              <a:t>ARCHIVO YAML</a:t>
+            </a:r>
+            <a:endParaRPr lang="es-PE" sz="1200" b="1" dirty="0">
+              <a:solidFill>
+                <a:srgbClr val="895EBE"/>
+              </a:solidFill>
+            </a:endParaRPr>
+          </a:p>
+          <a:p>
+            <a:endParaRPr lang="en-US" sz="1200" b="1" dirty="0">
+              <a:solidFill>
+                <a:srgbClr val="895EBE"/>
+              </a:solidFill>
+            </a:endParaRPr>
+          </a:p>
+          <a:p>
+            <a:r>
+              <a:rPr lang="es-PE" sz="900" i="1" dirty="0">
+                <a:solidFill>
+                  <a:schemeClr val="accent3"/>
+                </a:solidFill>
+              </a:rPr>
+              <a:t># </a:t>
+            </a:r>
+            <a:r>
+              <a:rPr lang="es-MX" sz="900" i="1" dirty="0">
+                <a:solidFill>
+                  <a:schemeClr val="accent3"/>
+                </a:solidFill>
+              </a:rPr>
+              <a:t>Aplica una configuración. Crea o actualiza recursos según sea necesario</a:t>
+            </a:r>
+          </a:p>
+          <a:p>
+            <a:r>
+              <a:rPr lang="en-US" sz="900" b="1" dirty="0" err="1"/>
+              <a:t>kubectl</a:t>
+            </a:r>
+            <a:r>
+              <a:rPr lang="en-US" sz="900" b="1" dirty="0"/>
+              <a:t> apply -f </a:t>
+            </a:r>
+            <a:r>
+              <a:rPr lang="en-US" sz="900" b="1" dirty="0" err="1"/>
+              <a:t>archivo.yaml</a:t>
+            </a:r>
+            <a:endParaRPr lang="en-US" sz="900" b="1" dirty="0"/>
+          </a:p>
+          <a:p>
+            <a:endParaRPr lang="en-US" sz="900" b="1" dirty="0"/>
+          </a:p>
+          <a:p>
+            <a:r>
+              <a:rPr lang="en-US" sz="900" i="1" dirty="0">
+                <a:solidFill>
+                  <a:schemeClr val="accent3"/>
+                </a:solidFill>
+              </a:rPr>
+              <a:t># </a:t>
+            </a:r>
+            <a:r>
+              <a:rPr lang="es-MX" sz="900" i="1" dirty="0">
+                <a:solidFill>
+                  <a:schemeClr val="accent3"/>
+                </a:solidFill>
+              </a:rPr>
+              <a:t>Crea recursos desde un archivo. Si el recurso ya existe, mostrará error</a:t>
+            </a:r>
+            <a:r>
+              <a:rPr lang="en-US" sz="900" i="1" dirty="0">
+                <a:solidFill>
+                  <a:schemeClr val="accent3"/>
+                </a:solidFill>
+              </a:rPr>
+              <a:t>.</a:t>
+            </a:r>
+          </a:p>
+          <a:p>
+            <a:r>
+              <a:rPr lang="en-US" sz="900" b="1" dirty="0" err="1"/>
+              <a:t>kubectl</a:t>
+            </a:r>
+            <a:r>
+              <a:rPr lang="en-US" sz="900" b="1" dirty="0"/>
+              <a:t> create -f </a:t>
+            </a:r>
+            <a:r>
+              <a:rPr lang="en-US" sz="900" b="1" dirty="0" err="1"/>
+              <a:t>archivo.yaml</a:t>
+            </a:r>
+            <a:endParaRPr lang="en-US" sz="900" b="1" dirty="0"/>
+          </a:p>
+          <a:p>
+            <a:endParaRPr lang="en-US" sz="900" b="1" dirty="0"/>
+          </a:p>
+          <a:p>
+            <a:r>
+              <a:rPr lang="en-US" sz="900" i="1" dirty="0">
+                <a:solidFill>
+                  <a:schemeClr val="accent3"/>
+                </a:solidFill>
+              </a:rPr>
+              <a:t># </a:t>
+            </a:r>
+            <a:r>
+              <a:rPr lang="es-MX" sz="900" i="1" dirty="0">
+                <a:solidFill>
+                  <a:schemeClr val="accent3"/>
+                </a:solidFill>
+              </a:rPr>
+              <a:t>Elimina recursos desde un archivo</a:t>
+            </a:r>
+          </a:p>
+          <a:p>
+            <a:r>
+              <a:rPr lang="en-US" sz="900" b="1" dirty="0" err="1"/>
+              <a:t>kubectl</a:t>
+            </a:r>
+            <a:r>
+              <a:rPr lang="en-US" sz="900" b="1" dirty="0"/>
+              <a:t> delete -f </a:t>
+            </a:r>
+            <a:r>
+              <a:rPr lang="en-US" sz="900" b="1" dirty="0" err="1"/>
+              <a:t>archivo.yaml</a:t>
+            </a:r>
+            <a:endParaRPr lang="en-US" sz="900" b="1" dirty="0"/>
+          </a:p>
+          <a:p>
+            <a:r>
+              <a:rPr lang="en-US" sz="900" b="1" dirty="0"/>
+              <a:t>	</a:t>
+            </a:r>
+          </a:p>
+          <a:p>
+            <a:r>
+              <a:rPr lang="en-US" sz="900" i="1" dirty="0">
+                <a:solidFill>
+                  <a:schemeClr val="accent3"/>
+                </a:solidFill>
+              </a:rPr>
+              <a:t># </a:t>
+            </a:r>
+            <a:r>
+              <a:rPr lang="es-MX" sz="900" i="1" dirty="0">
+                <a:solidFill>
+                  <a:schemeClr val="accent3"/>
+                </a:solidFill>
+              </a:rPr>
+              <a:t>Abre el archivo en un editor para hacer cambios y aplica las modificaciones</a:t>
+            </a:r>
+          </a:p>
+          <a:p>
+            <a:r>
+              <a:rPr lang="en-US" sz="900" b="1" dirty="0" err="1"/>
+              <a:t>kubectl</a:t>
+            </a:r>
+            <a:r>
+              <a:rPr lang="en-US" sz="900" b="1" dirty="0"/>
+              <a:t> edit -f </a:t>
+            </a:r>
+            <a:r>
+              <a:rPr lang="en-US" sz="900" b="1" dirty="0" err="1"/>
+              <a:t>archivo.yaml</a:t>
+            </a:r>
+            <a:endParaRPr lang="en-US" sz="900" b="1" dirty="0"/>
           </a:p>
         </p:txBody>
       </p:sp>
@@ -5401,7 +5910,7 @@
         <p:spPr>
           <a:xfrm>
             <a:off x="97149" y="936962"/>
-            <a:ext cx="2601834" cy="3647152"/>
+            <a:ext cx="2601834" cy="4893647"/>
           </a:xfrm>
           <a:prstGeom prst="rect">
             <a:avLst/>
@@ -5576,21 +6085,50 @@
               <a:t># </a:t>
             </a:r>
             <a:r>
-              <a:rPr lang="en-US" sz="900" i="1" dirty="0" err="1">
-                <a:solidFill>
-                  <a:schemeClr val="accent3"/>
-                </a:solidFill>
-              </a:rPr>
-              <a:t>Listar</a:t>
-            </a:r>
-            <a:r>
-              <a:rPr lang="en-US" sz="900" i="1" dirty="0">
-                <a:solidFill>
-                  <a:schemeClr val="accent3"/>
-                </a:solidFill>
-              </a:rPr>
-              <a:t> secrets </a:t>
-            </a:r>
+              <a:rPr lang="es-MX" sz="900" i="1" dirty="0">
+                <a:solidFill>
+                  <a:schemeClr val="accent3"/>
+                </a:solidFill>
+              </a:rPr>
+              <a:t>Lista todos los </a:t>
+            </a:r>
+            <a:r>
+              <a:rPr lang="es-MX" sz="900" i="1" dirty="0" err="1">
+                <a:solidFill>
+                  <a:schemeClr val="accent3"/>
+                </a:solidFill>
+              </a:rPr>
+              <a:t>secrets</a:t>
+            </a:r>
+            <a:r>
+              <a:rPr lang="es-MX" sz="900" i="1" dirty="0">
+                <a:solidFill>
+                  <a:schemeClr val="accent3"/>
+                </a:solidFill>
+              </a:rPr>
+              <a:t> en el </a:t>
+            </a:r>
+            <a:r>
+              <a:rPr lang="es-MX" sz="900" i="1" dirty="0" err="1">
+                <a:solidFill>
+                  <a:schemeClr val="accent3"/>
+                </a:solidFill>
+              </a:rPr>
+              <a:t>namespace</a:t>
+            </a:r>
+            <a:r>
+              <a:rPr lang="es-MX" sz="900" i="1" dirty="0">
+                <a:solidFill>
+                  <a:schemeClr val="accent3"/>
+                </a:solidFill>
+              </a:rPr>
+              <a:t> actual</a:t>
+            </a:r>
+            <a:endParaRPr lang="en-US" sz="900" i="1" dirty="0">
+              <a:solidFill>
+                <a:schemeClr val="accent3"/>
+              </a:solidFill>
+            </a:endParaRPr>
           </a:p>
           <a:p>
             <a:r>
@@ -5620,7 +6158,7 @@
                   <a:schemeClr val="accent3"/>
                 </a:solidFill>
               </a:rPr>
-              <a:t>Enseña información detallada sobre </a:t>
+              <a:t>Enseña información detallada sobre un </a:t>
             </a:r>
             <a:r>
               <a:rPr lang="es-MX" sz="900" i="1" dirty="0" err="1">
@@ -5741,6 +6279,170 @@
             <a:r>
               <a:rPr lang="en-US" sz="900" b="1" dirty="0"/>
               <a:t> delete secret NAME_SECRET</a:t>
+            </a:r>
+          </a:p>
+          <a:p>
+            <a:endParaRPr lang="en-US" sz="900" b="1" dirty="0"/>
+          </a:p>
+          <a:p>
+            <a:r>
+              <a:rPr lang="en-US" sz="900" i="1" dirty="0">
+                <a:solidFill>
+                  <a:schemeClr val="accent3"/>
+                </a:solidFill>
+              </a:rPr>
+              <a:t># </a:t>
+            </a:r>
+            <a:r>
+              <a:rPr lang="es-MX" sz="900" i="1" dirty="0">
+                <a:solidFill>
+                  <a:schemeClr val="accent3"/>
+                </a:solidFill>
+              </a:rPr>
+              <a:t>Lista todos los </a:t>
+            </a:r>
+            <a:r>
+              <a:rPr lang="es-MX" sz="900" i="1" dirty="0" err="1">
+                <a:solidFill>
+                  <a:schemeClr val="accent3"/>
+                </a:solidFill>
+              </a:rPr>
+              <a:t>secrets</a:t>
+            </a:r>
+            <a:r>
+              <a:rPr lang="es-MX" sz="900" i="1" dirty="0">
+                <a:solidFill>
+                  <a:schemeClr val="accent3"/>
+                </a:solidFill>
+              </a:rPr>
+              <a:t> de todos los </a:t>
+            </a:r>
+            <a:r>
+              <a:rPr lang="es-MX" sz="900" i="1" dirty="0" err="1">
+                <a:solidFill>
+                  <a:schemeClr val="accent3"/>
+                </a:solidFill>
+              </a:rPr>
+              <a:t>namespaces</a:t>
+            </a:r>
+            <a:endParaRPr lang="es-MX" sz="900" i="1" dirty="0">
+              <a:solidFill>
+                <a:schemeClr val="accent3"/>
+              </a:solidFill>
+            </a:endParaRPr>
+          </a:p>
+          <a:p>
+            <a:r>
+              <a:rPr lang="en-US" sz="900" b="1" dirty="0" err="1"/>
+              <a:t>kubectl</a:t>
+            </a:r>
+            <a:r>
+              <a:rPr lang="en-US" sz="900" b="1" dirty="0"/>
+              <a:t> get secrets –A</a:t>
+            </a:r>
+          </a:p>
+          <a:p>
+            <a:endParaRPr lang="en-US" sz="900" b="1" dirty="0"/>
+          </a:p>
+          <a:p>
+            <a:r>
+              <a:rPr lang="en-US" sz="900" i="1" dirty="0">
+                <a:solidFill>
+                  <a:schemeClr val="accent3"/>
+                </a:solidFill>
+              </a:rPr>
+              <a:t># </a:t>
+            </a:r>
+            <a:r>
+              <a:rPr lang="es-MX" sz="900" i="1" dirty="0">
+                <a:solidFill>
+                  <a:schemeClr val="accent3"/>
+                </a:solidFill>
+              </a:rPr>
+              <a:t>Muestra más información sobre los </a:t>
+            </a:r>
+            <a:r>
+              <a:rPr lang="es-MX" sz="900" i="1" dirty="0" err="1">
+                <a:solidFill>
+                  <a:schemeClr val="accent3"/>
+                </a:solidFill>
+              </a:rPr>
+              <a:t>secrets</a:t>
+            </a:r>
+            <a:endParaRPr lang="es-MX" sz="900" i="1" dirty="0">
+              <a:solidFill>
+                <a:schemeClr val="accent3"/>
+              </a:solidFill>
+            </a:endParaRPr>
+          </a:p>
+          <a:p>
+            <a:r>
+              <a:rPr lang="en-US" sz="900" b="1" dirty="0" err="1"/>
+              <a:t>kubectl</a:t>
+            </a:r>
+            <a:r>
+              <a:rPr lang="en-US" sz="900" b="1" dirty="0"/>
+              <a:t> get secrets -o wide</a:t>
+            </a:r>
+          </a:p>
+          <a:p>
+            <a:endParaRPr lang="en-US" sz="900" b="1" dirty="0"/>
+          </a:p>
+          <a:p>
+            <a:r>
+              <a:rPr lang="en-US" sz="900" i="1" dirty="0">
+                <a:solidFill>
+                  <a:schemeClr val="accent3"/>
+                </a:solidFill>
+              </a:rPr>
+              <a:t># </a:t>
+            </a:r>
+            <a:r>
+              <a:rPr lang="es-MX" sz="900" i="1" dirty="0">
+                <a:solidFill>
+                  <a:schemeClr val="accent3"/>
+                </a:solidFill>
+              </a:rPr>
+              <a:t>Elimina todos los </a:t>
+            </a:r>
+            <a:r>
+              <a:rPr lang="es-MX" sz="900" i="1" dirty="0" err="1">
+                <a:solidFill>
+                  <a:schemeClr val="accent3"/>
+                </a:solidFill>
+              </a:rPr>
+              <a:t>Secrets</a:t>
+            </a:r>
+            <a:r>
+              <a:rPr lang="es-MX" sz="900" i="1" dirty="0">
+                <a:solidFill>
+                  <a:schemeClr val="accent3"/>
+                </a:solidFill>
+              </a:rPr>
+              <a:t> de un </a:t>
+            </a:r>
+            <a:r>
+              <a:rPr lang="es-MX" sz="900" i="1" dirty="0" err="1">
+                <a:solidFill>
+                  <a:schemeClr val="accent3"/>
+                </a:solidFill>
+              </a:rPr>
+              <a:t>namespace</a:t>
+            </a:r>
+            <a:endParaRPr lang="es-MX" sz="900" i="1" dirty="0">
+              <a:solidFill>
+                <a:schemeClr val="accent3"/>
+              </a:solidFill>
+            </a:endParaRPr>
+          </a:p>
+          <a:p>
+            <a:r>
+              <a:rPr lang="en-US" sz="900" b="1" dirty="0" err="1"/>
+              <a:t>kubectl</a:t>
+            </a:r>
+            <a:r>
+              <a:rPr lang="en-US" sz="900" b="1" dirty="0"/>
+              <a:t> delete secrets --all</a:t>
             </a:r>
           </a:p>
         </p:txBody>
@@ -5847,7 +6549,7 @@
         <p:spPr>
           <a:xfrm>
             <a:off x="2698983" y="936962"/>
-            <a:ext cx="2601835" cy="4154984"/>
+            <a:ext cx="2601835" cy="4016484"/>
           </a:xfrm>
           <a:prstGeom prst="rect">
             <a:avLst/>
@@ -5870,7 +6572,7 @@
             </a:r>
           </a:p>
           <a:p>
-            <a:endParaRPr lang="en-US" sz="1200" b="1" dirty="0">
+            <a:endParaRPr lang="en-US" sz="900" b="1" dirty="0">
               <a:solidFill>
                 <a:srgbClr val="895EBE"/>
               </a:solidFill>
@@ -5878,7 +6580,7 @@
           </a:p>
           <a:p>
             <a:r>
-              <a:rPr lang="en-US" sz="1200" i="1" dirty="0">
+              <a:rPr lang="en-US" sz="900" i="1" dirty="0">
                 <a:solidFill>
                   <a:schemeClr val="accent3"/>
                 </a:solidFill>
@@ -5886,22 +6588,238 @@
               <a:t># </a:t>
             </a:r>
             <a:r>
-              <a:rPr lang="es-MX" sz="1200" i="1" dirty="0">
-                <a:solidFill>
-                  <a:schemeClr val="accent3"/>
-                </a:solidFill>
-              </a:rPr>
-              <a:t>información del </a:t>
-            </a:r>
-            <a:r>
-              <a:rPr lang="es-MX" sz="1200" i="1" dirty="0" err="1">
-                <a:solidFill>
-                  <a:schemeClr val="accent3"/>
-                </a:solidFill>
-              </a:rPr>
-              <a:t>cluter</a:t>
-            </a:r>
-            <a:endParaRPr lang="es-MX" sz="1200" i="1" dirty="0">
+              <a:rPr lang="es-MX" sz="900" i="1" dirty="0">
+                <a:solidFill>
+                  <a:schemeClr val="accent3"/>
+                </a:solidFill>
+              </a:rPr>
+              <a:t>Lista todos los servicios del </a:t>
+            </a:r>
+            <a:r>
+              <a:rPr lang="es-MX" sz="900" i="1" dirty="0" err="1">
+                <a:solidFill>
+                  <a:schemeClr val="accent3"/>
+                </a:solidFill>
+              </a:rPr>
+              <a:t>namespace</a:t>
+            </a:r>
+            <a:r>
+              <a:rPr lang="es-MX" sz="900" i="1" dirty="0">
+                <a:solidFill>
+                  <a:schemeClr val="accent3"/>
+                </a:solidFill>
+              </a:rPr>
+              <a:t> actual</a:t>
+            </a:r>
+          </a:p>
+          <a:p>
+            <a:r>
+              <a:rPr lang="en-US" sz="900" b="1" dirty="0" err="1"/>
+              <a:t>kubectl</a:t>
+            </a:r>
+            <a:r>
+              <a:rPr lang="en-US" sz="900" b="1" dirty="0"/>
+              <a:t> get services</a:t>
+            </a:r>
+          </a:p>
+          <a:p>
+            <a:endParaRPr lang="en-US" sz="900" b="1" dirty="0"/>
+          </a:p>
+          <a:p>
+            <a:r>
+              <a:rPr lang="en-US" sz="900" i="1" dirty="0">
+                <a:solidFill>
+                  <a:schemeClr val="accent3"/>
+                </a:solidFill>
+              </a:rPr>
+              <a:t># </a:t>
+            </a:r>
+            <a:r>
+              <a:rPr lang="es-MX" sz="900" i="1" dirty="0">
+                <a:solidFill>
+                  <a:schemeClr val="accent3"/>
+                </a:solidFill>
+              </a:rPr>
+              <a:t>Muestra </a:t>
+            </a:r>
+            <a:r>
+              <a:rPr lang="es-MX" sz="900" i="1" dirty="0" err="1">
+                <a:solidFill>
+                  <a:schemeClr val="accent3"/>
+                </a:solidFill>
+              </a:rPr>
+              <a:t>informacion</a:t>
+            </a:r>
+            <a:r>
+              <a:rPr lang="es-MX" sz="900" i="1" dirty="0">
+                <a:solidFill>
+                  <a:schemeClr val="accent3"/>
+                </a:solidFill>
+              </a:rPr>
+              <a:t> detallada de un servicio en especifico</a:t>
+            </a:r>
+          </a:p>
+          <a:p>
+            <a:r>
+              <a:rPr lang="en-US" sz="900" b="1" dirty="0" err="1"/>
+              <a:t>kubectl</a:t>
+            </a:r>
+            <a:r>
+              <a:rPr lang="en-US" sz="900" b="1" dirty="0"/>
+              <a:t> describe service NAME_SERVICE</a:t>
+            </a:r>
+          </a:p>
+          <a:p>
+            <a:endParaRPr lang="en-US" sz="900" b="1" dirty="0"/>
+          </a:p>
+          <a:p>
+            <a:r>
+              <a:rPr lang="es-PE" sz="900" i="1" dirty="0">
+                <a:solidFill>
+                  <a:schemeClr val="accent3"/>
+                </a:solidFill>
+              </a:rPr>
+              <a:t># </a:t>
+            </a:r>
+            <a:r>
+              <a:rPr lang="es-MX" sz="900" i="1" dirty="0">
+                <a:solidFill>
+                  <a:schemeClr val="accent3"/>
+                </a:solidFill>
+              </a:rPr>
+              <a:t>Editar un servicio en especifico</a:t>
+            </a:r>
+          </a:p>
+          <a:p>
+            <a:r>
+              <a:rPr lang="en-US" sz="900" b="1" dirty="0" err="1"/>
+              <a:t>kubectl</a:t>
+            </a:r>
+            <a:r>
+              <a:rPr lang="en-US" sz="900" b="1" dirty="0"/>
+              <a:t> edit service NAME_SERVICE</a:t>
+            </a:r>
+          </a:p>
+          <a:p>
+            <a:endParaRPr lang="en-US" sz="900" b="1" dirty="0"/>
+          </a:p>
+          <a:p>
+            <a:r>
+              <a:rPr lang="es-PE" sz="900" i="1" dirty="0">
+                <a:solidFill>
+                  <a:schemeClr val="accent3"/>
+                </a:solidFill>
+              </a:rPr>
+              <a:t># </a:t>
+            </a:r>
+            <a:r>
+              <a:rPr lang="es-MX" sz="900" i="1" dirty="0">
+                <a:solidFill>
+                  <a:schemeClr val="accent3"/>
+                </a:solidFill>
+              </a:rPr>
+              <a:t>Eliminar un servicio en especifico</a:t>
+            </a:r>
+          </a:p>
+          <a:p>
+            <a:r>
+              <a:rPr lang="pl-PL" sz="900" b="1" dirty="0"/>
+              <a:t>kubectl delete service NAME_SERVICE</a:t>
+            </a:r>
+            <a:endParaRPr lang="es-MX" sz="900" b="1" dirty="0"/>
+          </a:p>
+          <a:p>
+            <a:endParaRPr lang="en-US" sz="900" b="1" dirty="0"/>
+          </a:p>
+          <a:p>
+            <a:r>
+              <a:rPr lang="en-US" sz="900" i="1" dirty="0">
+                <a:solidFill>
+                  <a:schemeClr val="accent3"/>
+                </a:solidFill>
+              </a:rPr>
+              <a:t># </a:t>
+            </a:r>
+            <a:r>
+              <a:rPr lang="es-MX" sz="900" i="1" dirty="0">
+                <a:solidFill>
+                  <a:schemeClr val="accent3"/>
+                </a:solidFill>
+              </a:rPr>
+              <a:t>Ver puertos y </a:t>
+            </a:r>
+            <a:r>
+              <a:rPr lang="es-MX" sz="900" i="1" dirty="0" err="1">
+                <a:solidFill>
+                  <a:schemeClr val="accent3"/>
+                </a:solidFill>
+              </a:rPr>
+              <a:t>endpoints</a:t>
+            </a:r>
+            <a:r>
+              <a:rPr lang="es-MX" sz="900" i="1" dirty="0">
+                <a:solidFill>
+                  <a:schemeClr val="accent3"/>
+                </a:solidFill>
+              </a:rPr>
+              <a:t> de un servicio en especifico</a:t>
+            </a:r>
+          </a:p>
+          <a:p>
+            <a:r>
+              <a:rPr lang="en-US" sz="900" b="1" dirty="0" err="1"/>
+              <a:t>kubectl</a:t>
+            </a:r>
+            <a:r>
+              <a:rPr lang="en-US" sz="900" b="1" dirty="0"/>
+              <a:t> get endpoints NAME_SERVICE</a:t>
+            </a:r>
+          </a:p>
+          <a:p>
+            <a:endParaRPr lang="en-US" sz="900" b="1" dirty="0"/>
+          </a:p>
+          <a:p>
+            <a:r>
+              <a:rPr lang="es-PE" sz="900" i="1" dirty="0">
+                <a:solidFill>
+                  <a:schemeClr val="accent3"/>
+                </a:solidFill>
+              </a:rPr>
+              <a:t># </a:t>
+            </a:r>
+            <a:r>
+              <a:rPr lang="es-MX" sz="900" i="1" dirty="0">
+                <a:solidFill>
+                  <a:schemeClr val="accent3"/>
+                </a:solidFill>
+              </a:rPr>
+              <a:t>Versión abreviada de </a:t>
+            </a:r>
+            <a:r>
+              <a:rPr lang="es-MX" sz="900" i="1" dirty="0" err="1">
+                <a:solidFill>
+                  <a:schemeClr val="accent3"/>
+                </a:solidFill>
+              </a:rPr>
+              <a:t>get</a:t>
+            </a:r>
+            <a:r>
+              <a:rPr lang="es-MX" sz="900" i="1" dirty="0">
+                <a:solidFill>
+                  <a:schemeClr val="accent3"/>
+                </a:solidFill>
+              </a:rPr>
+              <a:t> </a:t>
+            </a:r>
+            <a:r>
+              <a:rPr lang="es-MX" sz="900" i="1" dirty="0" err="1">
+                <a:solidFill>
+                  <a:schemeClr val="accent3"/>
+                </a:solidFill>
+              </a:rPr>
+              <a:t>services</a:t>
+            </a:r>
+            <a:endParaRPr lang="es-MX" sz="900" i="1" dirty="0">
               <a:solidFill>
                 <a:schemeClr val="accent3"/>
               </a:solidFill>
@@ -5909,24 +6827,58 @@
           </a:p>
           <a:p>
             <a:r>
-              <a:rPr lang="en-US" sz="1200" b="1" dirty="0" err="1"/>
-              <a:t>kubectl</a:t>
-            </a:r>
-            <a:r>
-              <a:rPr lang="en-US" sz="1200" b="1" dirty="0"/>
-              <a:t> cluster-info</a:t>
-            </a:r>
-          </a:p>
-          <a:p>
-            <a:endParaRPr lang="en-US" sz="1200" b="1" dirty="0">
+              <a:rPr lang="pl-PL" sz="900" b="1" dirty="0"/>
+              <a:t>kubectl get svc</a:t>
+            </a:r>
+            <a:endParaRPr lang="es-MX" sz="900" b="1" dirty="0"/>
+          </a:p>
+          <a:p>
+            <a:endParaRPr lang="en-US" sz="900" b="1" dirty="0"/>
+          </a:p>
+          <a:p>
+            <a:r>
+              <a:rPr lang="es-PE" sz="900" i="1" dirty="0">
+                <a:solidFill>
+                  <a:schemeClr val="accent3"/>
+                </a:solidFill>
+              </a:rPr>
+              <a:t># </a:t>
+            </a:r>
+            <a:r>
+              <a:rPr lang="es-MX" sz="900" i="1" dirty="0">
+                <a:solidFill>
+                  <a:schemeClr val="accent3"/>
+                </a:solidFill>
+              </a:rPr>
+              <a:t>Lista todos los servicios en todos los </a:t>
+            </a:r>
+            <a:r>
+              <a:rPr lang="es-MX" sz="900" i="1" dirty="0" err="1">
+                <a:solidFill>
+                  <a:schemeClr val="accent3"/>
+                </a:solidFill>
+              </a:rPr>
+              <a:t>namespaces</a:t>
+            </a:r>
+            <a:endParaRPr lang="es-MX" sz="900" i="1" dirty="0">
               <a:solidFill>
-                <a:srgbClr val="895EBE"/>
+                <a:schemeClr val="accent3"/>
               </a:solidFill>
             </a:endParaRPr>
           </a:p>
           <a:p>
             <a:r>
-              <a:rPr lang="en-US" sz="1200" i="1" dirty="0">
+              <a:rPr lang="pl-PL" sz="900" b="1" dirty="0"/>
+              <a:t>kubectl get services -A	</a:t>
+            </a:r>
+            <a:endParaRPr lang="es-MX" sz="900" b="1" dirty="0"/>
+          </a:p>
+          <a:p>
+            <a:endParaRPr lang="en-US" sz="900" b="1" dirty="0"/>
+          </a:p>
+          <a:p>
+            <a:r>
+              <a:rPr lang="es-PE" sz="900" i="1" dirty="0">
                 <a:solidFill>
                   <a:schemeClr val="accent3"/>
                 </a:solidFill>
@@ -5934,175 +6886,22 @@
               <a:t># </a:t>
             </a:r>
             <a:r>
-              <a:rPr lang="es-MX" sz="1200" i="1" dirty="0">
-                <a:solidFill>
-                  <a:schemeClr val="accent3"/>
-                </a:solidFill>
-              </a:rPr>
-              <a:t>Listar los servicios</a:t>
-            </a:r>
-          </a:p>
-          <a:p>
-            <a:r>
-              <a:rPr lang="en-US" sz="1200" b="1" dirty="0" err="1"/>
-              <a:t>kubectl</a:t>
-            </a:r>
-            <a:r>
-              <a:rPr lang="en-US" sz="1200" b="1" dirty="0"/>
-              <a:t> get services</a:t>
-            </a:r>
-          </a:p>
-          <a:p>
-            <a:endParaRPr lang="en-US" sz="1200" b="1" dirty="0"/>
-          </a:p>
-          <a:p>
-            <a:r>
-              <a:rPr lang="en-US" sz="1200" i="1" dirty="0">
-                <a:solidFill>
-                  <a:schemeClr val="accent3"/>
-                </a:solidFill>
-              </a:rPr>
-              <a:t># </a:t>
-            </a:r>
-            <a:r>
-              <a:rPr lang="es-MX" sz="1200" i="1" dirty="0">
-                <a:solidFill>
-                  <a:schemeClr val="accent3"/>
-                </a:solidFill>
-              </a:rPr>
-              <a:t>Muestra </a:t>
-            </a:r>
-            <a:r>
-              <a:rPr lang="es-MX" sz="1200" i="1" dirty="0" err="1">
-                <a:solidFill>
-                  <a:schemeClr val="accent3"/>
-                </a:solidFill>
-              </a:rPr>
-              <a:t>informacion</a:t>
-            </a:r>
-            <a:r>
-              <a:rPr lang="es-MX" sz="1200" i="1" dirty="0">
-                <a:solidFill>
-                  <a:schemeClr val="accent3"/>
-                </a:solidFill>
-              </a:rPr>
-              <a:t> detallada de un servicio en especifico</a:t>
-            </a:r>
-          </a:p>
-          <a:p>
-            <a:r>
-              <a:rPr lang="en-US" sz="1200" b="1" dirty="0" err="1"/>
-              <a:t>kubectl</a:t>
-            </a:r>
-            <a:r>
-              <a:rPr lang="en-US" sz="1200" b="1" dirty="0"/>
-              <a:t> describe service NAME_SERVICE</a:t>
-            </a:r>
-          </a:p>
-          <a:p>
-            <a:endParaRPr lang="en-US" sz="1200" b="1" dirty="0"/>
-          </a:p>
-          <a:p>
-            <a:r>
-              <a:rPr lang="es-PE" sz="1200" i="1" dirty="0">
-                <a:solidFill>
-                  <a:schemeClr val="accent3"/>
-                </a:solidFill>
-              </a:rPr>
-              <a:t># </a:t>
-            </a:r>
-            <a:r>
-              <a:rPr lang="es-MX" sz="1200" i="1" dirty="0">
-                <a:solidFill>
-                  <a:schemeClr val="accent3"/>
-                </a:solidFill>
-              </a:rPr>
-              <a:t>Editar un servicio en especifico</a:t>
-            </a:r>
-          </a:p>
-          <a:p>
-            <a:r>
-              <a:rPr lang="en-US" sz="1200" b="1" dirty="0" err="1"/>
-              <a:t>kubectl</a:t>
-            </a:r>
-            <a:r>
-              <a:rPr lang="en-US" sz="1200" b="1" dirty="0"/>
-              <a:t> edit service NAME_SERVICE</a:t>
-            </a:r>
-          </a:p>
-          <a:p>
-            <a:endParaRPr lang="en-US" sz="1200" b="1" dirty="0"/>
-          </a:p>
-          <a:p>
-            <a:r>
-              <a:rPr lang="es-PE" sz="1200" i="1" dirty="0">
-                <a:solidFill>
-                  <a:schemeClr val="accent3"/>
-                </a:solidFill>
-              </a:rPr>
-              <a:t># </a:t>
-            </a:r>
-            <a:r>
-              <a:rPr lang="es-MX" sz="1200" i="1" dirty="0">
-                <a:solidFill>
-                  <a:schemeClr val="accent3"/>
-                </a:solidFill>
-              </a:rPr>
-              <a:t>Eliminar un servicio en especifico</a:t>
-            </a:r>
-          </a:p>
-          <a:p>
-            <a:r>
-              <a:rPr lang="pl-PL" sz="1200" b="1" dirty="0"/>
-              <a:t>kubectl delete pod NAME_POD </a:t>
-            </a:r>
-            <a:endParaRPr lang="es-MX" sz="1200" b="1" dirty="0"/>
-          </a:p>
-          <a:p>
-            <a:endParaRPr lang="en-US" sz="1200" b="1" dirty="0"/>
-          </a:p>
-          <a:p>
-            <a:r>
-              <a:rPr lang="en-US" sz="1200" i="1" dirty="0">
-                <a:solidFill>
-                  <a:schemeClr val="accent3"/>
-                </a:solidFill>
-              </a:rPr>
-              <a:t># </a:t>
-            </a:r>
-            <a:r>
-              <a:rPr lang="es-MX" sz="1200" i="1" dirty="0">
-                <a:solidFill>
-                  <a:schemeClr val="accent3"/>
-                </a:solidFill>
-              </a:rPr>
-              <a:t>Ver puertos y </a:t>
-            </a:r>
-            <a:r>
-              <a:rPr lang="es-MX" sz="1200" i="1" dirty="0" err="1">
-                <a:solidFill>
-                  <a:schemeClr val="accent3"/>
-                </a:solidFill>
-              </a:rPr>
-              <a:t>endpoints</a:t>
-            </a:r>
-            <a:r>
-              <a:rPr lang="es-MX" sz="1200" i="1" dirty="0">
-                <a:solidFill>
-                  <a:schemeClr val="accent3"/>
-                </a:solidFill>
-              </a:rPr>
-              <a:t> de un servicio en especifico</a:t>
-            </a:r>
-          </a:p>
-          <a:p>
-            <a:r>
-              <a:rPr lang="en-US" sz="1200" b="1" dirty="0" err="1"/>
-              <a:t>kubectl</a:t>
-            </a:r>
-            <a:r>
-              <a:rPr lang="en-US" sz="1200" b="1" dirty="0"/>
-              <a:t> get endpoints NAME_SERVICE</a:t>
+              <a:rPr lang="es-MX" sz="900" i="1" dirty="0">
+                <a:solidFill>
+                  <a:schemeClr val="accent3"/>
+                </a:solidFill>
+              </a:rPr>
+              <a:t>Muestra información extendida del servicio</a:t>
+            </a:r>
+          </a:p>
+          <a:p>
+            <a:r>
+              <a:rPr lang="pl-PL" sz="900" b="1" dirty="0"/>
+              <a:t>kubectl </a:t>
+            </a:r>
+            <a:r>
+              <a:rPr lang="en-US" sz="900" b="1" dirty="0"/>
+              <a:t>get service NAME_SERVICE -o wide</a:t>
             </a:r>
           </a:p>
         </p:txBody>
@@ -6122,7 +6921,7 @@
         <p:spPr>
           <a:xfrm>
             <a:off x="5803305" y="936962"/>
-            <a:ext cx="2601835" cy="3970318"/>
+            <a:ext cx="2601835" cy="4478149"/>
           </a:xfrm>
           <a:prstGeom prst="rect">
             <a:avLst/>
@@ -6153,7 +6952,7 @@
           </a:p>
           <a:p>
             <a:r>
-              <a:rPr lang="en-US" sz="1200" i="1" dirty="0">
+              <a:rPr lang="en-US" sz="900" i="1" dirty="0">
                 <a:solidFill>
                   <a:schemeClr val="accent3"/>
                 </a:solidFill>
@@ -6161,22 +6960,183 @@
               <a:t># </a:t>
             </a:r>
             <a:r>
-              <a:rPr lang="es-MX" sz="1200" i="1" dirty="0">
-                <a:solidFill>
-                  <a:schemeClr val="accent3"/>
-                </a:solidFill>
-              </a:rPr>
-              <a:t>Listar </a:t>
-            </a:r>
-            <a:r>
-              <a:rPr lang="es-MX" sz="1200" i="1" dirty="0" err="1">
+              <a:rPr lang="es-MX" sz="900" i="1" dirty="0">
+                <a:solidFill>
+                  <a:schemeClr val="accent3"/>
+                </a:solidFill>
+              </a:rPr>
+              <a:t>Lista todos los </a:t>
+            </a:r>
+            <a:r>
+              <a:rPr lang="es-MX" sz="900" i="1" dirty="0" err="1">
                 <a:solidFill>
                   <a:schemeClr val="accent3"/>
                 </a:solidFill>
               </a:rPr>
               <a:t>deployments</a:t>
             </a:r>
-            <a:endParaRPr lang="es-MX" sz="1200" i="1" dirty="0">
+            <a:r>
+              <a:rPr lang="es-MX" sz="900" i="1" dirty="0">
+                <a:solidFill>
+                  <a:schemeClr val="accent3"/>
+                </a:solidFill>
+              </a:rPr>
+              <a:t> en el </a:t>
+            </a:r>
+            <a:r>
+              <a:rPr lang="es-MX" sz="900" i="1" dirty="0" err="1">
+                <a:solidFill>
+                  <a:schemeClr val="accent3"/>
+                </a:solidFill>
+              </a:rPr>
+              <a:t>namespace</a:t>
+            </a:r>
+            <a:r>
+              <a:rPr lang="es-MX" sz="900" i="1" dirty="0">
+                <a:solidFill>
+                  <a:schemeClr val="accent3"/>
+                </a:solidFill>
+              </a:rPr>
+              <a:t> actual</a:t>
+            </a:r>
+          </a:p>
+          <a:p>
+            <a:r>
+              <a:rPr lang="en-US" sz="900" b="1" dirty="0" err="1"/>
+              <a:t>kubectl</a:t>
+            </a:r>
+            <a:r>
+              <a:rPr lang="en-US" sz="900" b="1" dirty="0"/>
+              <a:t> get deployments </a:t>
+            </a:r>
+          </a:p>
+          <a:p>
+            <a:endParaRPr lang="en-US" sz="900" b="1" dirty="0">
+              <a:solidFill>
+                <a:srgbClr val="895EBE"/>
+              </a:solidFill>
+            </a:endParaRPr>
+          </a:p>
+          <a:p>
+            <a:r>
+              <a:rPr lang="en-US" sz="900" i="1" dirty="0">
+                <a:solidFill>
+                  <a:schemeClr val="accent3"/>
+                </a:solidFill>
+              </a:rPr>
+              <a:t># </a:t>
+            </a:r>
+            <a:r>
+              <a:rPr lang="es-MX" sz="900" i="1" dirty="0">
+                <a:solidFill>
+                  <a:schemeClr val="accent3"/>
+                </a:solidFill>
+              </a:rPr>
+              <a:t>Muestra información detallada sobre un </a:t>
+            </a:r>
+            <a:r>
+              <a:rPr lang="es-MX" sz="900" i="1" dirty="0" err="1">
+                <a:solidFill>
+                  <a:schemeClr val="accent3"/>
+                </a:solidFill>
+              </a:rPr>
+              <a:t>deployment</a:t>
+            </a:r>
+            <a:r>
+              <a:rPr lang="es-MX" sz="900" i="1" dirty="0">
+                <a:solidFill>
+                  <a:schemeClr val="accent3"/>
+                </a:solidFill>
+              </a:rPr>
+              <a:t> en especifico</a:t>
+            </a:r>
+          </a:p>
+          <a:p>
+            <a:r>
+              <a:rPr lang="en-US" sz="900" b="1" dirty="0" err="1"/>
+              <a:t>kubectl</a:t>
+            </a:r>
+            <a:r>
+              <a:rPr lang="en-US" sz="900" b="1" dirty="0"/>
+              <a:t> describe deployment NAME_DEPLOYMENT</a:t>
+            </a:r>
+          </a:p>
+          <a:p>
+            <a:endParaRPr lang="en-US" sz="900" b="1" dirty="0"/>
+          </a:p>
+          <a:p>
+            <a:r>
+              <a:rPr lang="en-US" sz="900" i="1" dirty="0">
+                <a:solidFill>
+                  <a:schemeClr val="accent3"/>
+                </a:solidFill>
+              </a:rPr>
+              <a:t># </a:t>
+            </a:r>
+            <a:r>
+              <a:rPr lang="es-MX" sz="900" i="1" dirty="0">
+                <a:solidFill>
+                  <a:schemeClr val="accent3"/>
+                </a:solidFill>
+              </a:rPr>
+              <a:t>Editar un </a:t>
+            </a:r>
+            <a:r>
+              <a:rPr lang="es-MX" sz="900" i="1" dirty="0" err="1">
+                <a:solidFill>
+                  <a:schemeClr val="accent3"/>
+                </a:solidFill>
+              </a:rPr>
+              <a:t>deployment</a:t>
+            </a:r>
+            <a:r>
+              <a:rPr lang="es-MX" sz="900" i="1" dirty="0">
+                <a:solidFill>
+                  <a:schemeClr val="accent3"/>
+                </a:solidFill>
+              </a:rPr>
+              <a:t> en especificado</a:t>
+            </a:r>
+          </a:p>
+          <a:p>
+            <a:r>
+              <a:rPr lang="en-US" sz="900" b="1" dirty="0" err="1"/>
+              <a:t>kubectl</a:t>
+            </a:r>
+            <a:r>
+              <a:rPr lang="en-US" sz="900" b="1" dirty="0"/>
+              <a:t> edit deployment NAME_DEPLOYMENT</a:t>
+            </a:r>
+          </a:p>
+          <a:p>
+            <a:endParaRPr lang="en-US" sz="900" b="1" dirty="0"/>
+          </a:p>
+          <a:p>
+            <a:r>
+              <a:rPr lang="es-PE" sz="900" i="1" dirty="0">
+                <a:solidFill>
+                  <a:schemeClr val="accent3"/>
+                </a:solidFill>
+              </a:rPr>
+              <a:t># </a:t>
+            </a:r>
+            <a:r>
+              <a:rPr lang="es-MX" sz="900" i="1" dirty="0">
+                <a:solidFill>
+                  <a:schemeClr val="accent3"/>
+                </a:solidFill>
+              </a:rPr>
+              <a:t>Crear un nuevo </a:t>
+            </a:r>
+            <a:r>
+              <a:rPr lang="es-MX" sz="900" i="1" dirty="0" err="1">
+                <a:solidFill>
+                  <a:schemeClr val="accent3"/>
+                </a:solidFill>
+              </a:rPr>
+              <a:t>deployment</a:t>
+            </a:r>
+            <a:endParaRPr lang="es-MX" sz="900" i="1" dirty="0">
               <a:solidFill>
                 <a:schemeClr val="accent3"/>
               </a:solidFill>
@@ -6184,16 +7144,250 @@
           </a:p>
           <a:p>
             <a:r>
-              <a:rPr lang="en-US" sz="1200" b="1" dirty="0" err="1"/>
+              <a:rPr lang="en-US" sz="900" b="1" dirty="0" err="1"/>
               <a:t>kubectl</a:t>
             </a:r>
             <a:r>
-              <a:rPr lang="en-US" sz="1200" b="1" dirty="0"/>
-              <a:t> get deployments </a:t>
-            </a:r>
-          </a:p>
-          <a:p>
-            <a:endParaRPr lang="en-US" sz="1200" b="1" dirty="0">
+              <a:rPr lang="en-US" sz="900" b="1" dirty="0"/>
+              <a:t> create deployment NAME_DEPLOYMENT</a:t>
+            </a:r>
+          </a:p>
+          <a:p>
+            <a:endParaRPr lang="en-US" sz="900" b="1" dirty="0"/>
+          </a:p>
+          <a:p>
+            <a:r>
+              <a:rPr lang="es-PE" sz="900" i="1" dirty="0">
+                <a:solidFill>
+                  <a:schemeClr val="accent3"/>
+                </a:solidFill>
+              </a:rPr>
+              <a:t># </a:t>
+            </a:r>
+            <a:r>
+              <a:rPr lang="es-MX" sz="900" i="1" dirty="0">
+                <a:solidFill>
+                  <a:schemeClr val="accent3"/>
+                </a:solidFill>
+              </a:rPr>
+              <a:t>Eliminar </a:t>
+            </a:r>
+            <a:r>
+              <a:rPr lang="es-MX" sz="900" i="1" dirty="0" err="1">
+                <a:solidFill>
+                  <a:schemeClr val="accent3"/>
+                </a:solidFill>
+              </a:rPr>
+              <a:t>deployment</a:t>
+            </a:r>
+            <a:r>
+              <a:rPr lang="es-MX" sz="900" i="1" dirty="0">
+                <a:solidFill>
+                  <a:schemeClr val="accent3"/>
+                </a:solidFill>
+              </a:rPr>
+              <a:t> en especifico</a:t>
+            </a:r>
+          </a:p>
+          <a:p>
+            <a:r>
+              <a:rPr lang="en-US" sz="900" b="1" dirty="0" err="1"/>
+              <a:t>kubectl</a:t>
+            </a:r>
+            <a:r>
+              <a:rPr lang="en-US" sz="900" b="1" dirty="0"/>
+              <a:t> delete deployment NAME_DEPLOYMENT </a:t>
+            </a:r>
+          </a:p>
+          <a:p>
+            <a:endParaRPr lang="en-US" sz="900" b="1" dirty="0"/>
+          </a:p>
+          <a:p>
+            <a:r>
+              <a:rPr lang="es-PE" sz="900" i="1" dirty="0">
+                <a:solidFill>
+                  <a:schemeClr val="accent3"/>
+                </a:solidFill>
+              </a:rPr>
+              <a:t># </a:t>
+            </a:r>
+            <a:r>
+              <a:rPr lang="es-MX" sz="900" i="1" dirty="0">
+                <a:solidFill>
+                  <a:schemeClr val="accent3"/>
+                </a:solidFill>
+              </a:rPr>
+              <a:t>Muestra información extendida del </a:t>
+            </a:r>
+            <a:r>
+              <a:rPr lang="es-MX" sz="900" i="1" dirty="0" err="1">
+                <a:solidFill>
+                  <a:schemeClr val="accent3"/>
+                </a:solidFill>
+              </a:rPr>
+              <a:t>deployment</a:t>
+            </a:r>
+            <a:endParaRPr lang="es-MX" sz="900" i="1" dirty="0">
+              <a:solidFill>
+                <a:schemeClr val="accent3"/>
+              </a:solidFill>
+            </a:endParaRPr>
+          </a:p>
+          <a:p>
+            <a:r>
+              <a:rPr lang="en-US" sz="900" b="1" dirty="0" err="1"/>
+              <a:t>kubectl</a:t>
+            </a:r>
+            <a:r>
+              <a:rPr lang="en-US" sz="900" b="1" dirty="0"/>
+              <a:t> get deployment NAME_DEPLOYMENT -o wide</a:t>
+            </a:r>
+          </a:p>
+          <a:p>
+            <a:endParaRPr lang="en-US" sz="900" b="1" dirty="0"/>
+          </a:p>
+          <a:p>
+            <a:r>
+              <a:rPr lang="es-PE" sz="900" i="1" dirty="0">
+                <a:solidFill>
+                  <a:schemeClr val="accent3"/>
+                </a:solidFill>
+              </a:rPr>
+              <a:t># Aumentar o disminuir la </a:t>
+            </a:r>
+            <a:r>
+              <a:rPr lang="es-MX" sz="900" i="1" dirty="0">
+                <a:solidFill>
+                  <a:schemeClr val="accent3"/>
+                </a:solidFill>
+              </a:rPr>
+              <a:t>escala de un </a:t>
+            </a:r>
+            <a:r>
+              <a:rPr lang="es-MX" sz="900" i="1" dirty="0" err="1">
+                <a:solidFill>
+                  <a:schemeClr val="accent3"/>
+                </a:solidFill>
+              </a:rPr>
+              <a:t>deployment</a:t>
+            </a:r>
+            <a:endParaRPr lang="es-MX" sz="900" i="1" dirty="0">
+              <a:solidFill>
+                <a:schemeClr val="accent3"/>
+              </a:solidFill>
+            </a:endParaRPr>
+          </a:p>
+          <a:p>
+            <a:r>
+              <a:rPr lang="en-US" sz="900" b="1" dirty="0" err="1"/>
+              <a:t>kubectl</a:t>
+            </a:r>
+            <a:r>
+              <a:rPr lang="en-US" sz="900" b="1" dirty="0"/>
+              <a:t> scale deployment NAME_DEPLOYMENT --replicas=NUMERO</a:t>
+            </a:r>
+          </a:p>
+          <a:p>
+            <a:endParaRPr lang="en-US" sz="900" b="1" dirty="0"/>
+          </a:p>
+          <a:p>
+            <a:r>
+              <a:rPr lang="es-PE" sz="900" i="1" dirty="0">
+                <a:solidFill>
+                  <a:schemeClr val="accent3"/>
+                </a:solidFill>
+              </a:rPr>
+              <a:t># </a:t>
+            </a:r>
+            <a:r>
+              <a:rPr lang="es-MX" sz="900" i="1" dirty="0">
+                <a:solidFill>
+                  <a:schemeClr val="accent3"/>
+                </a:solidFill>
+              </a:rPr>
+              <a:t>Muestra los logs de los </a:t>
+            </a:r>
+            <a:r>
+              <a:rPr lang="es-MX" sz="900" i="1" dirty="0" err="1">
+                <a:solidFill>
+                  <a:schemeClr val="accent3"/>
+                </a:solidFill>
+              </a:rPr>
+              <a:t>pods</a:t>
+            </a:r>
+            <a:r>
+              <a:rPr lang="es-MX" sz="900" i="1" dirty="0">
+                <a:solidFill>
+                  <a:schemeClr val="accent3"/>
+                </a:solidFill>
+              </a:rPr>
+              <a:t> gestionados por el </a:t>
+            </a:r>
+            <a:r>
+              <a:rPr lang="es-MX" sz="900" i="1" dirty="0" err="1">
+                <a:solidFill>
+                  <a:schemeClr val="accent3"/>
+                </a:solidFill>
+              </a:rPr>
+              <a:t>deployment</a:t>
+            </a:r>
+            <a:endParaRPr lang="es-MX" sz="900" i="1" dirty="0">
+              <a:solidFill>
+                <a:schemeClr val="accent3"/>
+              </a:solidFill>
+            </a:endParaRPr>
+          </a:p>
+          <a:p>
+            <a:r>
+              <a:rPr lang="en-US" sz="900" b="1" dirty="0" err="1"/>
+              <a:t>kubectl</a:t>
+            </a:r>
+            <a:r>
+              <a:rPr lang="en-US" sz="900" b="1" dirty="0"/>
+              <a:t> logs deployment/NAME_DEPLOYMENT</a:t>
+            </a:r>
+          </a:p>
+        </p:txBody>
+      </p:sp>
+      <p:sp>
+        <p:nvSpPr>
+          <p:cNvPr id="4" name="CuadroTexto 3">
+            <a:extLst>
+              <a:ext uri="{FF2B5EF4-FFF2-40B4-BE49-F238E27FC236}">
+                <a16:creationId xmlns:a16="http://schemas.microsoft.com/office/drawing/2014/main" id="{15280B02-8B60-C0FD-6926-45F52E3BCE4B}"/>
+              </a:ext>
+            </a:extLst>
+          </p:cNvPr>
+          <p:cNvSpPr txBox="1"/>
+          <p:nvPr/>
+        </p:nvSpPr>
+        <p:spPr>
+          <a:xfrm>
+            <a:off x="8907627" y="936962"/>
+            <a:ext cx="2601835" cy="4154984"/>
+          </a:xfrm>
+          <a:prstGeom prst="rect">
+            <a:avLst/>
+          </a:prstGeom>
+          <a:noFill/>
+        </p:spPr>
+        <p:txBody>
+          <a:bodyPr wrap="square" rtlCol="0">
+            <a:spAutoFit/>
+          </a:bodyPr>
+          <a:lstStyle/>
+          <a:p>
+            <a:r>
+              <a:rPr lang="en-US" sz="1200" b="1" dirty="0">
+                <a:solidFill>
+                  <a:srgbClr val="895EBE"/>
+                </a:solidFill>
+              </a:rPr>
+              <a:t>REPLICASETS</a:t>
+            </a:r>
+          </a:p>
+          <a:p>
+            <a:endParaRPr lang="en-US" sz="900" b="1" dirty="0">
               <a:solidFill>
                 <a:srgbClr val="895EBE"/>
               </a:solidFill>
@@ -6201,7 +7395,7 @@
           </a:p>
           <a:p>
             <a:r>
-              <a:rPr lang="en-US" sz="1200" i="1" dirty="0">
+              <a:rPr lang="en-US" sz="900" i="1" dirty="0">
                 <a:solidFill>
                   <a:schemeClr val="accent3"/>
                 </a:solidFill>
@@ -6209,46 +7403,67 @@
               <a:t># </a:t>
             </a:r>
             <a:r>
-              <a:rPr lang="es-MX" sz="1200" i="1" dirty="0">
-                <a:solidFill>
-                  <a:schemeClr val="accent3"/>
-                </a:solidFill>
-              </a:rPr>
-              <a:t>Muestra información detallada sobre un </a:t>
-            </a:r>
-            <a:r>
-              <a:rPr lang="es-MX" sz="1200" i="1" dirty="0" err="1">
-                <a:solidFill>
-                  <a:schemeClr val="accent3"/>
-                </a:solidFill>
-              </a:rPr>
-              <a:t>deployment</a:t>
-            </a:r>
-            <a:r>
-              <a:rPr lang="es-MX" sz="1200" i="1" dirty="0">
-                <a:solidFill>
-                  <a:schemeClr val="accent3"/>
-                </a:solidFill>
-              </a:rPr>
-              <a:t> en especifico</a:t>
-            </a:r>
-          </a:p>
-          <a:p>
-            <a:r>
-              <a:rPr lang="en-US" sz="1200" b="1" dirty="0" err="1"/>
+              <a:rPr lang="es-MX" sz="900" i="1" dirty="0">
+                <a:solidFill>
+                  <a:schemeClr val="accent3"/>
+                </a:solidFill>
+              </a:rPr>
+              <a:t>Lista todos los </a:t>
+            </a:r>
+            <a:r>
+              <a:rPr lang="es-MX" sz="900" i="1" dirty="0" err="1">
+                <a:solidFill>
+                  <a:schemeClr val="accent3"/>
+                </a:solidFill>
+              </a:rPr>
+              <a:t>ReplicaSets</a:t>
+            </a:r>
+            <a:r>
+              <a:rPr lang="es-MX" sz="900" i="1" dirty="0">
+                <a:solidFill>
+                  <a:schemeClr val="accent3"/>
+                </a:solidFill>
+              </a:rPr>
+              <a:t> en el </a:t>
+            </a:r>
+            <a:r>
+              <a:rPr lang="es-MX" sz="900" i="1" dirty="0" err="1">
+                <a:solidFill>
+                  <a:schemeClr val="accent3"/>
+                </a:solidFill>
+              </a:rPr>
+              <a:t>namespace</a:t>
+            </a:r>
+            <a:r>
+              <a:rPr lang="es-MX" sz="900" i="1" dirty="0">
+                <a:solidFill>
+                  <a:schemeClr val="accent3"/>
+                </a:solidFill>
+              </a:rPr>
+              <a:t> actual</a:t>
+            </a:r>
+          </a:p>
+          <a:p>
+            <a:r>
+              <a:rPr lang="en-US" sz="900" b="1" dirty="0" err="1"/>
               <a:t>kubectl</a:t>
             </a:r>
             <a:r>
-              <a:rPr lang="en-US" sz="1200" b="1" dirty="0"/>
-              <a:t> describe deployment NAME_DEPLOYMENT</a:t>
-            </a:r>
-          </a:p>
-          <a:p>
-            <a:endParaRPr lang="en-US" sz="1200" b="1" dirty="0"/>
-          </a:p>
-          <a:p>
-            <a:r>
-              <a:rPr lang="en-US" sz="1200" i="1" dirty="0">
+              <a:rPr lang="en-US" sz="900" b="1" dirty="0"/>
+              <a:t> get </a:t>
+            </a:r>
+            <a:r>
+              <a:rPr lang="en-US" sz="900" b="1" dirty="0" err="1"/>
+              <a:t>replicasets</a:t>
+            </a:r>
+            <a:endParaRPr lang="en-US" sz="900" b="1" dirty="0"/>
+          </a:p>
+          <a:p>
+            <a:endParaRPr lang="en-US" sz="900" b="1" dirty="0"/>
+          </a:p>
+          <a:p>
+            <a:r>
+              <a:rPr lang="en-US" sz="900" i="1" dirty="0">
                 <a:solidFill>
                   <a:schemeClr val="accent3"/>
                 </a:solidFill>
@@ -6256,69 +7471,54 @@
               <a:t># </a:t>
             </a:r>
             <a:r>
-              <a:rPr lang="es-MX" sz="1200" i="1" dirty="0">
-                <a:solidFill>
-                  <a:schemeClr val="accent3"/>
-                </a:solidFill>
-              </a:rPr>
-              <a:t>Editar un </a:t>
-            </a:r>
-            <a:r>
-              <a:rPr lang="es-MX" sz="1200" i="1" dirty="0" err="1">
-                <a:solidFill>
-                  <a:schemeClr val="accent3"/>
-                </a:solidFill>
-              </a:rPr>
-              <a:t>deployment</a:t>
-            </a:r>
-            <a:r>
-              <a:rPr lang="es-MX" sz="1200" i="1" dirty="0">
-                <a:solidFill>
-                  <a:schemeClr val="accent3"/>
-                </a:solidFill>
-              </a:rPr>
-              <a:t> en especificado</a:t>
-            </a:r>
-          </a:p>
-          <a:p>
-            <a:r>
-              <a:rPr lang="en-US" sz="1200" b="1" dirty="0" err="1"/>
+              <a:rPr lang="es-MX" sz="900" i="1" dirty="0">
+                <a:solidFill>
+                  <a:schemeClr val="accent3"/>
+                </a:solidFill>
+              </a:rPr>
+              <a:t>Versión abreviada de </a:t>
+            </a:r>
+            <a:r>
+              <a:rPr lang="es-MX" sz="900" i="1" dirty="0" err="1">
+                <a:solidFill>
+                  <a:schemeClr val="accent3"/>
+                </a:solidFill>
+              </a:rPr>
               <a:t>kubectl</a:t>
             </a:r>
             <a:r>
-              <a:rPr lang="en-US" sz="1200" b="1" dirty="0"/>
-              <a:t> edit deployment NAME_DEPLOYMENT</a:t>
-            </a:r>
-          </a:p>
-          <a:p>
-            <a:endParaRPr lang="en-US" sz="1200" b="1" dirty="0"/>
-          </a:p>
-          <a:p>
-            <a:r>
-              <a:rPr lang="es-PE" sz="1200" i="1" dirty="0">
-                <a:solidFill>
-                  <a:schemeClr val="accent3"/>
-                </a:solidFill>
-              </a:rPr>
-              <a:t># </a:t>
-            </a:r>
-            <a:r>
-              <a:rPr lang="es-MX" sz="1200" i="1" dirty="0">
-                <a:solidFill>
-                  <a:schemeClr val="accent3"/>
-                </a:solidFill>
-              </a:rPr>
-              <a:t>Crear un nuevo </a:t>
-            </a:r>
-            <a:r>
-              <a:rPr lang="es-MX" sz="1200" i="1" dirty="0" err="1">
-                <a:solidFill>
-                  <a:schemeClr val="accent3"/>
-                </a:solidFill>
-              </a:rPr>
-              <a:t>deployment</a:t>
-            </a:r>
-            <a:endParaRPr lang="es-MX" sz="1200" i="1" dirty="0">
+              <a:rPr lang="es-MX" sz="900" i="1" dirty="0">
+                <a:solidFill>
+                  <a:schemeClr val="accent3"/>
+                </a:solidFill>
+              </a:rPr>
+              <a:t> </a:t>
+            </a:r>
+            <a:r>
+              <a:rPr lang="es-MX" sz="900" i="1" dirty="0" err="1">
+                <a:solidFill>
+                  <a:schemeClr val="accent3"/>
+                </a:solidFill>
+              </a:rPr>
+              <a:t>get</a:t>
+            </a:r>
+            <a:r>
+              <a:rPr lang="es-MX" sz="900" i="1" dirty="0">
+                <a:solidFill>
+                  <a:schemeClr val="accent3"/>
+                </a:solidFill>
+              </a:rPr>
+              <a:t> </a:t>
+            </a:r>
+            <a:r>
+              <a:rPr lang="es-MX" sz="900" i="1" dirty="0" err="1">
+                <a:solidFill>
+                  <a:schemeClr val="accent3"/>
+                </a:solidFill>
+              </a:rPr>
+              <a:t>replicasets</a:t>
+            </a:r>
+            <a:endParaRPr lang="es-MX" sz="900" i="1" dirty="0">
               <a:solidFill>
                 <a:schemeClr val="accent3"/>
               </a:solidFill>
@@ -6326,20 +7526,25 @@
           </a:p>
           <a:p>
             <a:r>
-              <a:rPr lang="en-US" sz="1200" b="1" dirty="0" err="1"/>
+              <a:rPr lang="en-US" sz="900" b="1" dirty="0" err="1"/>
               <a:t>kubectl</a:t>
             </a:r>
             <a:r>
-              <a:rPr lang="en-US" sz="1200" b="1" dirty="0"/>
-              <a:t> create deployment NAME_DEPLOYMENT</a:t>
-            </a:r>
-          </a:p>
-          <a:p>
-            <a:endParaRPr lang="en-US" sz="1200" b="1" dirty="0"/>
-          </a:p>
-          <a:p>
-            <a:r>
-              <a:rPr lang="es-PE" sz="1200" i="1" dirty="0">
+              <a:rPr lang="en-US" sz="900" b="1" dirty="0"/>
+              <a:t> get </a:t>
+            </a:r>
+            <a:r>
+              <a:rPr lang="en-US" sz="900" b="1" dirty="0" err="1"/>
+              <a:t>rs</a:t>
+            </a:r>
+            <a:endParaRPr lang="en-US" sz="900" b="1" dirty="0"/>
+          </a:p>
+          <a:p>
+            <a:endParaRPr lang="en-US" sz="900" b="1" dirty="0"/>
+          </a:p>
+          <a:p>
+            <a:r>
+              <a:rPr lang="es-PE" sz="900" i="1" dirty="0">
                 <a:solidFill>
                   <a:schemeClr val="accent3"/>
                 </a:solidFill>
@@ -6347,38 +7552,305 @@
               <a:t># </a:t>
             </a:r>
             <a:r>
-              <a:rPr lang="es-MX" sz="1200" i="1" dirty="0">
-                <a:solidFill>
-                  <a:schemeClr val="accent3"/>
-                </a:solidFill>
-              </a:rPr>
-              <a:t>Eliminar </a:t>
-            </a:r>
-            <a:r>
-              <a:rPr lang="es-MX" sz="1200" i="1" dirty="0" err="1">
-                <a:solidFill>
-                  <a:schemeClr val="accent3"/>
-                </a:solidFill>
-              </a:rPr>
-              <a:t>deployment</a:t>
-            </a:r>
-            <a:r>
-              <a:rPr lang="es-MX" sz="1200" i="1" dirty="0">
-                <a:solidFill>
-                  <a:schemeClr val="accent3"/>
-                </a:solidFill>
-              </a:rPr>
-              <a:t> en especifico</a:t>
-            </a:r>
-          </a:p>
-          <a:p>
-            <a:r>
-              <a:rPr lang="en-US" sz="1200" b="1" dirty="0" err="1"/>
+              <a:rPr lang="es-MX" sz="900" i="1" dirty="0">
+                <a:solidFill>
+                  <a:schemeClr val="accent3"/>
+                </a:solidFill>
+              </a:rPr>
+              <a:t>Muestra detalles completos del </a:t>
+            </a:r>
+            <a:r>
+              <a:rPr lang="es-MX" sz="900" i="1" dirty="0" err="1">
+                <a:solidFill>
+                  <a:schemeClr val="accent3"/>
+                </a:solidFill>
+              </a:rPr>
+              <a:t>ReplicaSet</a:t>
+            </a:r>
+            <a:endParaRPr lang="es-MX" sz="900" i="1" dirty="0">
+              <a:solidFill>
+                <a:schemeClr val="accent3"/>
+              </a:solidFill>
+            </a:endParaRPr>
+          </a:p>
+          <a:p>
+            <a:r>
+              <a:rPr lang="en-US" sz="900" b="1" dirty="0" err="1"/>
               <a:t>kubectl</a:t>
             </a:r>
             <a:r>
-              <a:rPr lang="en-US" sz="1200" b="1" dirty="0"/>
-              <a:t> delete deployment NAME_DEPLOYMENT </a:t>
+              <a:rPr lang="en-US" sz="900" b="1" dirty="0"/>
+              <a:t> describe </a:t>
+            </a:r>
+            <a:r>
+              <a:rPr lang="en-US" sz="900" b="1" dirty="0" err="1"/>
+              <a:t>replicaset</a:t>
+            </a:r>
+            <a:r>
+              <a:rPr lang="en-US" sz="900" b="1" dirty="0"/>
+              <a:t> NAME_REPLICASET</a:t>
+            </a:r>
+          </a:p>
+          <a:p>
+            <a:endParaRPr lang="en-US" sz="900" b="1" dirty="0"/>
+          </a:p>
+          <a:p>
+            <a:r>
+              <a:rPr lang="es-PE" sz="900" i="1" dirty="0">
+                <a:solidFill>
+                  <a:schemeClr val="accent3"/>
+                </a:solidFill>
+              </a:rPr>
+              <a:t># </a:t>
+            </a:r>
+            <a:r>
+              <a:rPr lang="es-MX" sz="900" i="1" dirty="0">
+                <a:solidFill>
+                  <a:schemeClr val="accent3"/>
+                </a:solidFill>
+              </a:rPr>
+              <a:t>Elimina un </a:t>
+            </a:r>
+            <a:r>
+              <a:rPr lang="es-MX" sz="900" i="1" dirty="0" err="1">
+                <a:solidFill>
+                  <a:schemeClr val="accent3"/>
+                </a:solidFill>
+              </a:rPr>
+              <a:t>replicaset</a:t>
+            </a:r>
+            <a:r>
+              <a:rPr lang="es-MX" sz="900" i="1" dirty="0">
+                <a:solidFill>
+                  <a:schemeClr val="accent3"/>
+                </a:solidFill>
+              </a:rPr>
+              <a:t> en específico</a:t>
+            </a:r>
+          </a:p>
+          <a:p>
+            <a:r>
+              <a:rPr lang="pl-PL" sz="900" b="1" dirty="0"/>
+              <a:t>kubectl delete replicaset NAME_REPLICASET</a:t>
+            </a:r>
+            <a:endParaRPr lang="es-MX" sz="900" b="1" dirty="0"/>
+          </a:p>
+          <a:p>
+            <a:endParaRPr lang="en-US" sz="900" b="1" dirty="0"/>
+          </a:p>
+          <a:p>
+            <a:r>
+              <a:rPr lang="en-US" sz="900" i="1" dirty="0">
+                <a:solidFill>
+                  <a:schemeClr val="accent3"/>
+                </a:solidFill>
+              </a:rPr>
+              <a:t># </a:t>
+            </a:r>
+            <a:r>
+              <a:rPr lang="es-MX" sz="900" i="1" dirty="0">
+                <a:solidFill>
+                  <a:schemeClr val="accent3"/>
+                </a:solidFill>
+              </a:rPr>
+              <a:t>Modifica la cantidad de réplicas deseadas del </a:t>
+            </a:r>
+            <a:r>
+              <a:rPr lang="es-MX" sz="900" i="1" dirty="0" err="1">
+                <a:solidFill>
+                  <a:schemeClr val="accent3"/>
+                </a:solidFill>
+              </a:rPr>
+              <a:t>ReplicaSet</a:t>
+            </a:r>
+            <a:endParaRPr lang="es-MX" sz="900" i="1" dirty="0">
+              <a:solidFill>
+                <a:schemeClr val="accent3"/>
+              </a:solidFill>
+            </a:endParaRPr>
+          </a:p>
+          <a:p>
+            <a:r>
+              <a:rPr lang="en-US" sz="900" b="1" dirty="0" err="1"/>
+              <a:t>kubectl</a:t>
+            </a:r>
+            <a:r>
+              <a:rPr lang="en-US" sz="900" b="1" dirty="0"/>
+              <a:t> scale </a:t>
+            </a:r>
+            <a:r>
+              <a:rPr lang="en-US" sz="900" b="1" dirty="0" err="1"/>
+              <a:t>replicaset</a:t>
+            </a:r>
+            <a:r>
+              <a:rPr lang="en-US" sz="900" b="1" dirty="0"/>
+              <a:t> NAME_REPLICASET --replicas=NUMERO</a:t>
+            </a:r>
+          </a:p>
+          <a:p>
+            <a:endParaRPr lang="en-US" sz="900" b="1" dirty="0"/>
+          </a:p>
+          <a:p>
+            <a:r>
+              <a:rPr lang="es-PE" sz="900" i="1" dirty="0">
+                <a:solidFill>
+                  <a:schemeClr val="accent3"/>
+                </a:solidFill>
+              </a:rPr>
+              <a:t># </a:t>
+            </a:r>
+            <a:r>
+              <a:rPr lang="es-MX" sz="900" i="1" dirty="0">
+                <a:solidFill>
+                  <a:schemeClr val="accent3"/>
+                </a:solidFill>
+              </a:rPr>
+              <a:t>Muestra información extendida de todos los </a:t>
+            </a:r>
+            <a:r>
+              <a:rPr lang="es-MX" sz="900" i="1" dirty="0" err="1">
+                <a:solidFill>
+                  <a:schemeClr val="accent3"/>
+                </a:solidFill>
+              </a:rPr>
+              <a:t>ReplicaSets</a:t>
+            </a:r>
+            <a:endParaRPr lang="es-MX" sz="900" i="1" dirty="0">
+              <a:solidFill>
+                <a:schemeClr val="accent3"/>
+              </a:solidFill>
+            </a:endParaRPr>
+          </a:p>
+          <a:p>
+            <a:r>
+              <a:rPr lang="pl-PL" sz="900" b="1" dirty="0"/>
+              <a:t>kubectl get replicasets -o wide</a:t>
+            </a:r>
+            <a:endParaRPr lang="es-MX" sz="900" b="1" dirty="0"/>
+          </a:p>
+          <a:p>
+            <a:endParaRPr lang="en-US" sz="900" b="1" dirty="0"/>
+          </a:p>
+          <a:p>
+            <a:r>
+              <a:rPr lang="es-PE" sz="900" i="1" dirty="0">
+                <a:solidFill>
+                  <a:schemeClr val="accent3"/>
+                </a:solidFill>
+              </a:rPr>
+              <a:t># </a:t>
+            </a:r>
+            <a:r>
+              <a:rPr lang="es-MX" sz="900" i="1" dirty="0">
+                <a:solidFill>
+                  <a:schemeClr val="accent3"/>
+                </a:solidFill>
+              </a:rPr>
+              <a:t>Muestra logs de los </a:t>
+            </a:r>
+            <a:r>
+              <a:rPr lang="es-MX" sz="900" i="1" dirty="0" err="1">
+                <a:solidFill>
+                  <a:schemeClr val="accent3"/>
+                </a:solidFill>
+              </a:rPr>
+              <a:t>pods</a:t>
+            </a:r>
+            <a:r>
+              <a:rPr lang="es-MX" sz="900" i="1" dirty="0">
+                <a:solidFill>
+                  <a:schemeClr val="accent3"/>
+                </a:solidFill>
+              </a:rPr>
+              <a:t> del </a:t>
+            </a:r>
+            <a:r>
+              <a:rPr lang="es-MX" sz="900" i="1" dirty="0" err="1">
+                <a:solidFill>
+                  <a:schemeClr val="accent3"/>
+                </a:solidFill>
+              </a:rPr>
+              <a:t>ReplicaSet</a:t>
+            </a:r>
+            <a:endParaRPr lang="es-MX" sz="900" i="1" dirty="0">
+              <a:solidFill>
+                <a:schemeClr val="accent3"/>
+              </a:solidFill>
+            </a:endParaRPr>
+          </a:p>
+          <a:p>
+            <a:r>
+              <a:rPr lang="pl-PL" sz="900" b="1" dirty="0"/>
+              <a:t>kubectl logs replicaset/NAME_REPLICASE	</a:t>
+            </a:r>
+            <a:endParaRPr lang="en-US" sz="900" b="1" dirty="0"/>
+          </a:p>
+          <a:p>
+            <a:r>
+              <a:rPr lang="es-PE" sz="900" i="1" dirty="0">
+                <a:solidFill>
+                  <a:schemeClr val="accent3"/>
+                </a:solidFill>
+              </a:rPr>
+              <a:t># </a:t>
+            </a:r>
+            <a:r>
+              <a:rPr lang="es-MX" sz="900" i="1" dirty="0">
+                <a:solidFill>
+                  <a:schemeClr val="accent3"/>
+                </a:solidFill>
+              </a:rPr>
+              <a:t>Elimina todos los </a:t>
+            </a:r>
+            <a:r>
+              <a:rPr lang="es-MX" sz="900" i="1" dirty="0" err="1">
+                <a:solidFill>
+                  <a:schemeClr val="accent3"/>
+                </a:solidFill>
+              </a:rPr>
+              <a:t>ReplicaSets</a:t>
+            </a:r>
+            <a:r>
+              <a:rPr lang="es-MX" sz="900" i="1" dirty="0">
+                <a:solidFill>
+                  <a:schemeClr val="accent3"/>
+                </a:solidFill>
+              </a:rPr>
+              <a:t> en el </a:t>
+            </a:r>
+            <a:r>
+              <a:rPr lang="es-MX" sz="900" i="1" dirty="0" err="1">
+                <a:solidFill>
+                  <a:schemeClr val="accent3"/>
+                </a:solidFill>
+              </a:rPr>
+              <a:t>namespace</a:t>
+            </a:r>
+            <a:r>
+              <a:rPr lang="es-MX" sz="900" i="1" dirty="0">
+                <a:solidFill>
+                  <a:schemeClr val="accent3"/>
+                </a:solidFill>
+              </a:rPr>
+              <a:t> actual</a:t>
+            </a:r>
+          </a:p>
+          <a:p>
+            <a:r>
+              <a:rPr lang="en-US" sz="900" b="1" dirty="0" err="1"/>
+              <a:t>kubectl</a:t>
+            </a:r>
+            <a:r>
+              <a:rPr lang="en-US" sz="900" b="1" dirty="0"/>
+              <a:t> delete </a:t>
+            </a:r>
+            <a:r>
+              <a:rPr lang="en-US" sz="900" b="1" dirty="0" err="1"/>
+              <a:t>replicaset</a:t>
+            </a:r>
+            <a:r>
+              <a:rPr lang="en-US" sz="900" b="1" dirty="0"/>
+              <a:t> --all</a:t>
             </a:r>
           </a:p>
         </p:txBody>
@@ -6397,2933 +7869,6 @@
 </file>
 
 <file path=ppt/slides/slide4.xml><?xml version="1.0" encoding="utf-8"?>
-<p:sld xmlns:a="http://schemas.openxmlformats.org/drawingml/2006/main" xmlns:r="http://schemas.openxmlformats.org/officeDocument/2006/relationships" xmlns:p="http://schemas.openxmlformats.org/presentationml/2006/main">
-  <p:cSld>
-    <p:spTree>
-      <p:nvGrpSpPr>
-        <p:cNvPr id="1" name="">
-          <a:extLst>
-            <a:ext uri="{FF2B5EF4-FFF2-40B4-BE49-F238E27FC236}">
-              <a16:creationId xmlns:a16="http://schemas.microsoft.com/office/drawing/2014/main" id="{16E10346-66E9-564A-82A0-25BC5522FF09}"/>
-            </a:ext>
-          </a:extLst>
-        </p:cNvPr>
-        <p:cNvGrpSpPr/>
-        <p:nvPr/>
-      </p:nvGrpSpPr>
-      <p:grpSpPr>
-        <a:xfrm>
-          <a:off x="0" y="0"/>
-          <a:ext cx="0" cy="0"/>
-          <a:chOff x="0" y="0"/>
-          <a:chExt cx="0" cy="0"/>
-        </a:xfrm>
-      </p:grpSpPr>
-      <p:sp>
-        <p:nvSpPr>
-          <p:cNvPr id="3" name="CuadroTexto 2">
-            <a:extLst>
-              <a:ext uri="{FF2B5EF4-FFF2-40B4-BE49-F238E27FC236}">
-                <a16:creationId xmlns:a16="http://schemas.microsoft.com/office/drawing/2014/main" id="{0B11363A-8FE2-A570-ECBE-1DA6682BD593}"/>
-              </a:ext>
-            </a:extLst>
-          </p:cNvPr>
-          <p:cNvSpPr txBox="1"/>
-          <p:nvPr/>
-        </p:nvSpPr>
-        <p:spPr>
-          <a:xfrm>
-            <a:off x="97149" y="936962"/>
-            <a:ext cx="2601834" cy="1985159"/>
-          </a:xfrm>
-          <a:prstGeom prst="rect">
-            <a:avLst/>
-          </a:prstGeom>
-          <a:noFill/>
-        </p:spPr>
-        <p:txBody>
-          <a:bodyPr wrap="square" rtlCol="0">
-            <a:spAutoFit/>
-          </a:bodyPr>
-          <a:lstStyle/>
-          <a:p>
-            <a:r>
-              <a:rPr lang="es-PE" sz="1200" b="1" dirty="0" err="1">
-                <a:solidFill>
-                  <a:srgbClr val="895EBE"/>
-                </a:solidFill>
-              </a:rPr>
-              <a:t>What</a:t>
-            </a:r>
-            <a:r>
-              <a:rPr lang="es-PE" sz="1200" b="1" dirty="0">
-                <a:solidFill>
-                  <a:srgbClr val="895EBE"/>
-                </a:solidFill>
-              </a:rPr>
-              <a:t> </a:t>
-            </a:r>
-            <a:r>
-              <a:rPr lang="es-PE" sz="1200" b="1" dirty="0" err="1">
-                <a:solidFill>
-                  <a:srgbClr val="895EBE"/>
-                </a:solidFill>
-              </a:rPr>
-              <a:t>is</a:t>
-            </a:r>
-            <a:r>
-              <a:rPr lang="es-PE" sz="1200" b="1" dirty="0">
-                <a:solidFill>
-                  <a:srgbClr val="895EBE"/>
-                </a:solidFill>
-              </a:rPr>
-              <a:t> </a:t>
-            </a:r>
-            <a:r>
-              <a:rPr lang="es-PE" sz="1200" b="1" dirty="0" err="1">
-                <a:solidFill>
-                  <a:srgbClr val="895EBE"/>
-                </a:solidFill>
-              </a:rPr>
-              <a:t>Kubernetes</a:t>
-            </a:r>
-            <a:r>
-              <a:rPr lang="es-PE" sz="1200" b="1" dirty="0">
-                <a:solidFill>
-                  <a:srgbClr val="895EBE"/>
-                </a:solidFill>
-              </a:rPr>
-              <a:t> </a:t>
-            </a:r>
-            <a:r>
-              <a:rPr lang="es-PE" sz="1200" b="1" dirty="0" err="1">
-                <a:solidFill>
-                  <a:srgbClr val="895EBE"/>
-                </a:solidFill>
-              </a:rPr>
-              <a:t>Kapsule</a:t>
-            </a:r>
-            <a:r>
-              <a:rPr lang="es-PE" sz="1200" b="1" dirty="0">
-                <a:solidFill>
-                  <a:srgbClr val="895EBE"/>
-                </a:solidFill>
-              </a:rPr>
-              <a:t> and </a:t>
-            </a:r>
-            <a:r>
-              <a:rPr lang="es-PE" sz="1200" b="1" dirty="0" err="1">
-                <a:solidFill>
-                  <a:srgbClr val="895EBE"/>
-                </a:solidFill>
-              </a:rPr>
-              <a:t>Kubernetes</a:t>
-            </a:r>
-            <a:r>
-              <a:rPr lang="es-PE" sz="1200" b="1" dirty="0">
-                <a:solidFill>
-                  <a:srgbClr val="895EBE"/>
-                </a:solidFill>
-              </a:rPr>
-              <a:t> </a:t>
-            </a:r>
-            <a:r>
-              <a:rPr lang="es-PE" sz="1200" b="1" dirty="0" err="1">
-                <a:solidFill>
-                  <a:srgbClr val="895EBE"/>
-                </a:solidFill>
-              </a:rPr>
-              <a:t>Kosmos</a:t>
-            </a:r>
-            <a:r>
-              <a:rPr lang="es-PE" sz="1200" b="1" dirty="0">
-                <a:solidFill>
-                  <a:srgbClr val="895EBE"/>
-                </a:solidFill>
-              </a:rPr>
-              <a:t>?</a:t>
-            </a:r>
-          </a:p>
-          <a:p>
-            <a:r>
-              <a:rPr lang="en-US" sz="900" dirty="0"/>
-              <a:t>Kubernetes is an open-source platform that enables developers to manage their containerized applications. </a:t>
-            </a:r>
-            <a:r>
-              <a:rPr lang="en-US" sz="900" dirty="0" err="1"/>
-              <a:t>Kapsule</a:t>
-            </a:r>
-            <a:r>
-              <a:rPr lang="en-US" sz="900" dirty="0"/>
-              <a:t> and </a:t>
-            </a:r>
-            <a:r>
-              <a:rPr lang="en-US" sz="900" dirty="0" err="1"/>
-              <a:t>Kosmos</a:t>
-            </a:r>
-            <a:r>
-              <a:rPr lang="en-US" sz="900" dirty="0"/>
-              <a:t> both provide a managed environment for creating, configuring, and running clusters of pre-configured machines.</a:t>
-            </a:r>
-            <a:br>
-              <a:rPr lang="en-US" sz="900" dirty="0"/>
-            </a:br>
-            <a:r>
-              <a:rPr lang="en-US" sz="900" dirty="0" err="1"/>
-              <a:t>Kapsule</a:t>
-            </a:r>
-            <a:r>
-              <a:rPr lang="en-US" sz="900" dirty="0"/>
-              <a:t> clusters are composed solely of </a:t>
-            </a:r>
-            <a:r>
-              <a:rPr lang="en-US" sz="900" dirty="0" err="1"/>
-              <a:t>Scaleway</a:t>
-            </a:r>
-            <a:r>
-              <a:rPr lang="en-US" sz="900" dirty="0"/>
-              <a:t> Instances whereas </a:t>
-            </a:r>
-            <a:r>
-              <a:rPr lang="en-US" sz="900" dirty="0" err="1"/>
-              <a:t>Kosmos</a:t>
-            </a:r>
-            <a:r>
-              <a:rPr lang="en-US" sz="900" dirty="0"/>
-              <a:t> is a managed Multi-Cloud Kubernetes Engine that allows you to connect Instances and virtual or dedicated servers from any cloud provider to a single managed Control-Plane.</a:t>
-            </a:r>
-            <a:r>
-              <a:rPr lang="en-US" sz="900" b="1" dirty="0">
-                <a:solidFill>
-                  <a:schemeClr val="bg1">
-                    <a:lumMod val="65000"/>
-                  </a:schemeClr>
-                </a:solidFill>
-              </a:rPr>
-              <a:t> </a:t>
-            </a:r>
-            <a:endParaRPr lang="en-US" sz="900" b="1" dirty="0"/>
-          </a:p>
-        </p:txBody>
-      </p:sp>
-      <p:sp>
-        <p:nvSpPr>
-          <p:cNvPr id="4" name="CuadroTexto 3">
-            <a:extLst>
-              <a:ext uri="{FF2B5EF4-FFF2-40B4-BE49-F238E27FC236}">
-                <a16:creationId xmlns:a16="http://schemas.microsoft.com/office/drawing/2014/main" id="{19AF84A0-3D4C-2FF8-989B-C0F7CF0464CA}"/>
-              </a:ext>
-            </a:extLst>
-          </p:cNvPr>
-          <p:cNvSpPr txBox="1"/>
-          <p:nvPr/>
-        </p:nvSpPr>
-        <p:spPr>
-          <a:xfrm>
-            <a:off x="5696262" y="1202918"/>
-            <a:ext cx="2921959" cy="2862322"/>
-          </a:xfrm>
-          <a:prstGeom prst="rect">
-            <a:avLst/>
-          </a:prstGeom>
-          <a:noFill/>
-          <a:ln>
-            <a:noFill/>
-          </a:ln>
-        </p:spPr>
-        <p:txBody>
-          <a:bodyPr wrap="square" rtlCol="0">
-            <a:spAutoFit/>
-          </a:bodyPr>
-          <a:lstStyle/>
-          <a:p>
-            <a:r>
-              <a:rPr lang="es-PE" sz="1200" b="1" dirty="0">
-                <a:solidFill>
-                  <a:srgbClr val="895EBE"/>
-                </a:solidFill>
-              </a:rPr>
-              <a:t>NODES</a:t>
-            </a:r>
-            <a:endParaRPr lang="en-US" sz="1200" b="1" dirty="0">
-              <a:solidFill>
-                <a:srgbClr val="895EBE"/>
-              </a:solidFill>
-            </a:endParaRPr>
-          </a:p>
-          <a:p>
-            <a:r>
-              <a:rPr lang="es-PE" sz="1200" i="1" dirty="0">
-                <a:solidFill>
-                  <a:schemeClr val="accent3"/>
-                </a:solidFill>
-              </a:rPr>
-              <a:t># Display </a:t>
-            </a:r>
-            <a:r>
-              <a:rPr lang="es-PE" sz="1200" i="1" dirty="0" err="1">
-                <a:solidFill>
-                  <a:schemeClr val="accent3"/>
-                </a:solidFill>
-              </a:rPr>
-              <a:t>all</a:t>
-            </a:r>
-            <a:r>
-              <a:rPr lang="es-PE" sz="1200" i="1" dirty="0">
-                <a:solidFill>
-                  <a:schemeClr val="accent3"/>
-                </a:solidFill>
-              </a:rPr>
-              <a:t> </a:t>
-            </a:r>
-            <a:r>
-              <a:rPr lang="es-PE" sz="1200" i="1" dirty="0" err="1">
-                <a:solidFill>
-                  <a:schemeClr val="accent3"/>
-                </a:solidFill>
-              </a:rPr>
-              <a:t>node</a:t>
-            </a:r>
-            <a:r>
-              <a:rPr lang="es-PE" sz="1200" i="1" dirty="0">
-                <a:solidFill>
-                  <a:schemeClr val="accent3"/>
-                </a:solidFill>
-              </a:rPr>
-              <a:t> </a:t>
-            </a:r>
-            <a:r>
-              <a:rPr lang="es-PE" sz="1200" i="1" dirty="0" err="1">
-                <a:solidFill>
-                  <a:schemeClr val="accent3"/>
-                </a:solidFill>
-              </a:rPr>
-              <a:t>information</a:t>
-            </a:r>
-            <a:r>
-              <a:rPr lang="es-PE" sz="1200" i="1" dirty="0">
-                <a:solidFill>
-                  <a:schemeClr val="accent3"/>
-                </a:solidFill>
-              </a:rPr>
-              <a:t> </a:t>
-            </a:r>
-          </a:p>
-          <a:p>
-            <a:r>
-              <a:rPr lang="en-US" sz="1200" b="1" dirty="0" err="1"/>
-              <a:t>kubectl</a:t>
-            </a:r>
-            <a:r>
-              <a:rPr lang="en-US" sz="1200" b="1" dirty="0"/>
-              <a:t> get no</a:t>
-            </a:r>
-          </a:p>
-          <a:p>
-            <a:endParaRPr lang="en-US" sz="1200" b="1" dirty="0"/>
-          </a:p>
-          <a:p>
-            <a:r>
-              <a:rPr lang="en-US" sz="1200" i="1" dirty="0">
-                <a:solidFill>
-                  <a:schemeClr val="accent3"/>
-                </a:solidFill>
-              </a:rPr>
-              <a:t># Show more information about all </a:t>
-            </a:r>
-          </a:p>
-          <a:p>
-            <a:r>
-              <a:rPr lang="en-US" sz="1200" b="1" dirty="0" err="1"/>
-              <a:t>kubectl</a:t>
-            </a:r>
-            <a:r>
-              <a:rPr lang="en-US" sz="1200" b="1" dirty="0"/>
-              <a:t> get no -o wide</a:t>
-            </a:r>
-          </a:p>
-          <a:p>
-            <a:endParaRPr lang="en-US" sz="1200" b="1" dirty="0"/>
-          </a:p>
-          <a:p>
-            <a:r>
-              <a:rPr lang="en-US" sz="1200" i="1" dirty="0">
-                <a:solidFill>
-                  <a:schemeClr val="accent3"/>
-                </a:solidFill>
-              </a:rPr>
-              <a:t># Display node details with verbose output </a:t>
-            </a:r>
-          </a:p>
-          <a:p>
-            <a:r>
-              <a:rPr lang="en-US" sz="1200" b="1" dirty="0" err="1"/>
-              <a:t>kubectl</a:t>
-            </a:r>
-            <a:r>
-              <a:rPr lang="en-US" sz="1200" b="1" dirty="0"/>
-              <a:t> describe no</a:t>
-            </a:r>
-          </a:p>
-          <a:p>
-            <a:endParaRPr lang="en-US" sz="1200" b="1" dirty="0"/>
-          </a:p>
-          <a:p>
-            <a:r>
-              <a:rPr lang="en-US" sz="1200" i="1" dirty="0">
-                <a:solidFill>
-                  <a:schemeClr val="accent3"/>
-                </a:solidFill>
-              </a:rPr>
-              <a:t># Filter the node with the specified label</a:t>
-            </a:r>
-            <a:r>
-              <a:rPr lang="en-US" sz="1200" dirty="0"/>
-              <a:t> </a:t>
-            </a:r>
-          </a:p>
-          <a:p>
-            <a:r>
-              <a:rPr lang="en-US" sz="1200" b="1" dirty="0" err="1"/>
-              <a:t>kubectl</a:t>
-            </a:r>
-            <a:r>
-              <a:rPr lang="en-US" sz="1200" b="1" dirty="0"/>
-              <a:t> get node --selector=[</a:t>
-            </a:r>
-            <a:r>
-              <a:rPr lang="en-US" sz="1200" b="1" dirty="0" err="1"/>
-              <a:t>label_name</a:t>
-            </a:r>
-            <a:r>
-              <a:rPr lang="en-US" sz="1200" b="1" dirty="0"/>
-              <a:t>]</a:t>
-            </a:r>
-          </a:p>
-          <a:p>
-            <a:endParaRPr lang="en-US" sz="1200" b="1" dirty="0"/>
-          </a:p>
-          <a:p>
-            <a:r>
-              <a:rPr lang="en-US" sz="1200" i="1" dirty="0">
-                <a:solidFill>
-                  <a:schemeClr val="accent3"/>
-                </a:solidFill>
-              </a:rPr>
-              <a:t># Display node (CPU/memory) usage </a:t>
-            </a:r>
-          </a:p>
-          <a:p>
-            <a:r>
-              <a:rPr lang="en-US" sz="1200" b="1" dirty="0" err="1"/>
-              <a:t>kubectl</a:t>
-            </a:r>
-            <a:r>
-              <a:rPr lang="en-US" sz="1200" b="1" dirty="0"/>
-              <a:t> top node [</a:t>
-            </a:r>
-            <a:r>
-              <a:rPr lang="en-US" sz="1200" b="1" dirty="0" err="1"/>
-              <a:t>node_name</a:t>
-            </a:r>
-            <a:r>
-              <a:rPr lang="en-US" sz="1200" b="1" dirty="0"/>
-              <a:t>]</a:t>
-            </a:r>
-          </a:p>
-        </p:txBody>
-      </p:sp>
-      <p:sp>
-        <p:nvSpPr>
-          <p:cNvPr id="5" name="Rectángulo 4">
-            <a:extLst>
-              <a:ext uri="{FF2B5EF4-FFF2-40B4-BE49-F238E27FC236}">
-                <a16:creationId xmlns:a16="http://schemas.microsoft.com/office/drawing/2014/main" id="{90381D9F-09A5-4F68-CF8C-998781A1B9ED}"/>
-              </a:ext>
-            </a:extLst>
-          </p:cNvPr>
-          <p:cNvSpPr/>
-          <p:nvPr/>
-        </p:nvSpPr>
-        <p:spPr>
-          <a:xfrm>
-            <a:off x="496050" y="124879"/>
-            <a:ext cx="5080237" cy="584775"/>
-          </a:xfrm>
-          <a:prstGeom prst="rect">
-            <a:avLst/>
-          </a:prstGeom>
-        </p:spPr>
-        <p:txBody>
-          <a:bodyPr wrap="none">
-            <a:spAutoFit/>
-          </a:bodyPr>
-          <a:lstStyle/>
-          <a:p>
-            <a:r>
-              <a:rPr lang="es-ES" sz="3200" dirty="0" err="1">
-                <a:solidFill>
-                  <a:srgbClr val="0065FF"/>
-                </a:solidFill>
-                <a:latin typeface="Arial" panose="020B0604020202020204" pitchFamily="34" charset="0"/>
-                <a:cs typeface="Arial" panose="020B0604020202020204" pitchFamily="34" charset="0"/>
-              </a:rPr>
-              <a:t>Cheatsheet</a:t>
-            </a:r>
-            <a:r>
-              <a:rPr lang="es-ES" sz="3200" dirty="0">
-                <a:solidFill>
-                  <a:srgbClr val="0065FF"/>
-                </a:solidFill>
-                <a:latin typeface="Arial" panose="020B0604020202020204" pitchFamily="34" charset="0"/>
-                <a:cs typeface="Arial" panose="020B0604020202020204" pitchFamily="34" charset="0"/>
-              </a:rPr>
-              <a:t> </a:t>
-            </a:r>
-            <a:r>
-              <a:rPr lang="es-ES" sz="3200" dirty="0" err="1">
-                <a:solidFill>
-                  <a:srgbClr val="0065FF"/>
-                </a:solidFill>
-                <a:latin typeface="Arial" panose="020B0604020202020204" pitchFamily="34" charset="0"/>
-                <a:cs typeface="Arial" panose="020B0604020202020204" pitchFamily="34" charset="0"/>
-              </a:rPr>
-              <a:t>for</a:t>
-            </a:r>
-            <a:r>
-              <a:rPr lang="es-ES" sz="3200" dirty="0">
-                <a:solidFill>
-                  <a:srgbClr val="0065FF"/>
-                </a:solidFill>
-                <a:latin typeface="Arial" panose="020B0604020202020204" pitchFamily="34" charset="0"/>
-                <a:cs typeface="Arial" panose="020B0604020202020204" pitchFamily="34" charset="0"/>
-              </a:rPr>
-              <a:t> </a:t>
-            </a:r>
-            <a:r>
-              <a:rPr lang="es-ES" sz="3200" dirty="0" err="1">
-                <a:solidFill>
-                  <a:srgbClr val="0065FF"/>
-                </a:solidFill>
-                <a:latin typeface="Arial" panose="020B0604020202020204" pitchFamily="34" charset="0"/>
-                <a:cs typeface="Arial" panose="020B0604020202020204" pitchFamily="34" charset="0"/>
-              </a:rPr>
-              <a:t>Kubernetes</a:t>
-            </a:r>
-            <a:endParaRPr lang="es-PE" sz="3000" dirty="0">
-              <a:solidFill>
-                <a:srgbClr val="0065FF"/>
-              </a:solidFill>
-              <a:latin typeface="Arial" panose="020B0604020202020204" pitchFamily="34" charset="0"/>
-              <a:cs typeface="Arial" panose="020B0604020202020204" pitchFamily="34" charset="0"/>
-            </a:endParaRPr>
-          </a:p>
-        </p:txBody>
-      </p:sp>
-      <p:sp>
-        <p:nvSpPr>
-          <p:cNvPr id="9" name="CuadroTexto 8">
-            <a:extLst>
-              <a:ext uri="{FF2B5EF4-FFF2-40B4-BE49-F238E27FC236}">
-                <a16:creationId xmlns:a16="http://schemas.microsoft.com/office/drawing/2014/main" id="{64082BE4-087B-E055-790C-91AB69536FF5}"/>
-              </a:ext>
-            </a:extLst>
-          </p:cNvPr>
-          <p:cNvSpPr txBox="1"/>
-          <p:nvPr/>
-        </p:nvSpPr>
-        <p:spPr>
-          <a:xfrm>
-            <a:off x="6261424" y="847351"/>
-            <a:ext cx="2743251" cy="338554"/>
-          </a:xfrm>
-          <a:prstGeom prst="rect">
-            <a:avLst/>
-          </a:prstGeom>
-          <a:noFill/>
-        </p:spPr>
-        <p:txBody>
-          <a:bodyPr wrap="none" rtlCol="0">
-            <a:spAutoFit/>
-          </a:bodyPr>
-          <a:lstStyle/>
-          <a:p>
-            <a:r>
-              <a:rPr lang="es-PE" sz="1600" b="1" dirty="0" err="1">
-                <a:solidFill>
-                  <a:srgbClr val="895EBE"/>
-                </a:solidFill>
-              </a:rPr>
-              <a:t>Viewing</a:t>
-            </a:r>
-            <a:r>
-              <a:rPr lang="es-PE" sz="1600" b="1" dirty="0">
-                <a:solidFill>
-                  <a:srgbClr val="895EBE"/>
-                </a:solidFill>
-              </a:rPr>
-              <a:t> and </a:t>
-            </a:r>
-            <a:r>
-              <a:rPr lang="es-PE" sz="1600" b="1" dirty="0" err="1">
-                <a:solidFill>
-                  <a:srgbClr val="895EBE"/>
-                </a:solidFill>
-              </a:rPr>
-              <a:t>finding</a:t>
-            </a:r>
-            <a:r>
-              <a:rPr lang="es-PE" sz="1600" b="1" dirty="0">
-                <a:solidFill>
-                  <a:srgbClr val="895EBE"/>
-                </a:solidFill>
-              </a:rPr>
-              <a:t> </a:t>
-            </a:r>
-            <a:r>
-              <a:rPr lang="es-PE" sz="1600" b="1" dirty="0" err="1">
-                <a:solidFill>
-                  <a:srgbClr val="895EBE"/>
-                </a:solidFill>
-              </a:rPr>
-              <a:t>resources</a:t>
-            </a:r>
-            <a:endParaRPr lang="es-PE" sz="1600" b="1" dirty="0">
-              <a:solidFill>
-                <a:srgbClr val="895EBE"/>
-              </a:solidFill>
-            </a:endParaRPr>
-          </a:p>
-        </p:txBody>
-      </p:sp>
-      <p:sp>
-        <p:nvSpPr>
-          <p:cNvPr id="10" name="CuadroTexto 9">
-            <a:extLst>
-              <a:ext uri="{FF2B5EF4-FFF2-40B4-BE49-F238E27FC236}">
-                <a16:creationId xmlns:a16="http://schemas.microsoft.com/office/drawing/2014/main" id="{A893F044-2049-DD40-9894-63FAF4693941}"/>
-              </a:ext>
-            </a:extLst>
-          </p:cNvPr>
-          <p:cNvSpPr txBox="1"/>
-          <p:nvPr/>
-        </p:nvSpPr>
-        <p:spPr>
-          <a:xfrm>
-            <a:off x="2698983" y="936962"/>
-            <a:ext cx="2601835" cy="3970318"/>
-          </a:xfrm>
-          <a:prstGeom prst="rect">
-            <a:avLst/>
-          </a:prstGeom>
-          <a:noFill/>
-        </p:spPr>
-        <p:txBody>
-          <a:bodyPr wrap="square" rtlCol="0">
-            <a:spAutoFit/>
-          </a:bodyPr>
-          <a:lstStyle/>
-          <a:p>
-            <a:r>
-              <a:rPr lang="en-US" sz="1200" b="1" dirty="0">
-                <a:solidFill>
-                  <a:srgbClr val="895EBE"/>
-                </a:solidFill>
-              </a:rPr>
-              <a:t>Creating resources</a:t>
-            </a:r>
-          </a:p>
-          <a:p>
-            <a:r>
-              <a:rPr lang="en-US" sz="1200" i="1" dirty="0">
-                <a:solidFill>
-                  <a:schemeClr val="accent3"/>
-                </a:solidFill>
-              </a:rPr>
-              <a:t># Create resource(s) from file</a:t>
-            </a:r>
-            <a:endParaRPr lang="en-US" sz="1200" dirty="0">
-              <a:solidFill>
-                <a:schemeClr val="accent3"/>
-              </a:solidFill>
-            </a:endParaRPr>
-          </a:p>
-          <a:p>
-            <a:r>
-              <a:rPr lang="en-US" sz="1200" b="1" dirty="0" err="1"/>
-              <a:t>kubectl</a:t>
-            </a:r>
-            <a:r>
-              <a:rPr lang="en-US" sz="1200" b="1" dirty="0"/>
-              <a:t> apply -f [manifest].</a:t>
-            </a:r>
-            <a:r>
-              <a:rPr lang="en-US" sz="1200" b="1" dirty="0" err="1"/>
-              <a:t>yaml</a:t>
-            </a:r>
-            <a:endParaRPr lang="en-US" sz="1200" b="1" dirty="0"/>
-          </a:p>
-          <a:p>
-            <a:endParaRPr lang="en-US" sz="1200" b="1" dirty="0"/>
-          </a:p>
-          <a:p>
-            <a:r>
-              <a:rPr lang="en-US" sz="1200" b="1" dirty="0">
-                <a:solidFill>
-                  <a:srgbClr val="895EBE"/>
-                </a:solidFill>
-              </a:rPr>
-              <a:t>Updating resources</a:t>
-            </a:r>
-          </a:p>
-          <a:p>
-            <a:r>
-              <a:rPr lang="en-US" sz="1200" i="1" dirty="0">
-                <a:solidFill>
-                  <a:schemeClr val="accent3"/>
-                </a:solidFill>
-              </a:rPr>
-              <a:t># Apply a taint that has a key-value of taint=test with a </a:t>
-            </a:r>
-            <a:r>
-              <a:rPr lang="en-US" sz="1200" i="1" dirty="0" err="1">
-                <a:solidFill>
-                  <a:schemeClr val="accent3"/>
-                </a:solidFill>
-              </a:rPr>
-              <a:t>NoSchedule</a:t>
-            </a:r>
-            <a:r>
-              <a:rPr lang="en-US" sz="1200" i="1" dirty="0">
-                <a:solidFill>
-                  <a:schemeClr val="accent3"/>
-                </a:solidFill>
-              </a:rPr>
-              <a:t> effect</a:t>
-            </a:r>
-          </a:p>
-          <a:p>
-            <a:r>
-              <a:rPr lang="en-US" sz="1200" b="1" dirty="0" err="1"/>
-              <a:t>kubectl</a:t>
-            </a:r>
-            <a:r>
-              <a:rPr lang="en-US" sz="1200" b="1" dirty="0"/>
-              <a:t> taint nodes [node-name] taint=</a:t>
-            </a:r>
-            <a:r>
-              <a:rPr lang="en-US" sz="1200" b="1" dirty="0" err="1"/>
-              <a:t>test:NoSchedule</a:t>
-            </a:r>
-            <a:endParaRPr lang="en-US" sz="1200" b="1" dirty="0"/>
-          </a:p>
-          <a:p>
-            <a:endParaRPr lang="en-US" sz="1200" b="1" dirty="0"/>
-          </a:p>
-          <a:p>
-            <a:r>
-              <a:rPr lang="es-PE" sz="1200" i="1" dirty="0">
-                <a:solidFill>
-                  <a:schemeClr val="accent3"/>
-                </a:solidFill>
-              </a:rPr>
-              <a:t># Mark </a:t>
-            </a:r>
-            <a:r>
-              <a:rPr lang="es-PE" sz="1200" i="1" dirty="0" err="1">
-                <a:solidFill>
-                  <a:schemeClr val="accent3"/>
-                </a:solidFill>
-              </a:rPr>
-              <a:t>node</a:t>
-            </a:r>
-            <a:r>
-              <a:rPr lang="es-PE" sz="1200" i="1" dirty="0">
-                <a:solidFill>
-                  <a:schemeClr val="accent3"/>
-                </a:solidFill>
-              </a:rPr>
-              <a:t> as </a:t>
-            </a:r>
-            <a:r>
-              <a:rPr lang="es-PE" sz="1200" i="1" dirty="0" err="1">
-                <a:solidFill>
-                  <a:schemeClr val="accent3"/>
-                </a:solidFill>
-              </a:rPr>
-              <a:t>unschedulable</a:t>
-            </a:r>
-            <a:endParaRPr lang="en-US" sz="1200" i="1" dirty="0">
-              <a:solidFill>
-                <a:schemeClr val="accent3"/>
-              </a:solidFill>
-            </a:endParaRPr>
-          </a:p>
-          <a:p>
-            <a:r>
-              <a:rPr lang="en-US" sz="1200" b="1" dirty="0" err="1"/>
-              <a:t>kubectl</a:t>
-            </a:r>
-            <a:r>
-              <a:rPr lang="en-US" sz="1200" b="1" dirty="0"/>
-              <a:t> cordon [node-name]</a:t>
-            </a:r>
-          </a:p>
-          <a:p>
-            <a:endParaRPr lang="en-US" sz="1200" b="1" dirty="0"/>
-          </a:p>
-          <a:p>
-            <a:r>
-              <a:rPr lang="es-PE" sz="1200" i="1" dirty="0">
-                <a:solidFill>
-                  <a:schemeClr val="accent3"/>
-                </a:solidFill>
-              </a:rPr>
-              <a:t># Mark </a:t>
-            </a:r>
-            <a:r>
-              <a:rPr lang="es-PE" sz="1200" i="1" dirty="0" err="1">
-                <a:solidFill>
-                  <a:schemeClr val="accent3"/>
-                </a:solidFill>
-              </a:rPr>
-              <a:t>node</a:t>
-            </a:r>
-            <a:r>
-              <a:rPr lang="es-PE" sz="1200" i="1" dirty="0">
-                <a:solidFill>
-                  <a:schemeClr val="accent3"/>
-                </a:solidFill>
-              </a:rPr>
-              <a:t> as </a:t>
-            </a:r>
-            <a:r>
-              <a:rPr lang="es-PE" sz="1200" i="1" dirty="0" err="1">
-                <a:solidFill>
-                  <a:schemeClr val="accent3"/>
-                </a:solidFill>
-              </a:rPr>
-              <a:t>schedulable</a:t>
-            </a:r>
-            <a:endParaRPr lang="es-PE" sz="1200" i="1" dirty="0">
-              <a:solidFill>
-                <a:schemeClr val="accent3"/>
-              </a:solidFill>
-            </a:endParaRPr>
-          </a:p>
-          <a:p>
-            <a:r>
-              <a:rPr lang="en-US" sz="1200" b="1" dirty="0" err="1"/>
-              <a:t>kubectl</a:t>
-            </a:r>
-            <a:r>
-              <a:rPr lang="en-US" sz="1200" b="1" dirty="0"/>
-              <a:t> </a:t>
-            </a:r>
-            <a:r>
-              <a:rPr lang="en-US" sz="1200" b="1" dirty="0" err="1"/>
-              <a:t>uncordon</a:t>
-            </a:r>
-            <a:r>
-              <a:rPr lang="en-US" sz="1200" b="1" dirty="0"/>
-              <a:t> [node-name]</a:t>
-            </a:r>
-          </a:p>
-          <a:p>
-            <a:endParaRPr lang="en-US" sz="1200" b="1" dirty="0"/>
-          </a:p>
-          <a:p>
-            <a:r>
-              <a:rPr lang="en-US" sz="1200" i="1" dirty="0">
-                <a:solidFill>
-                  <a:schemeClr val="accent3"/>
-                </a:solidFill>
-              </a:rPr>
-              <a:t># Drain node in preparation for maintenance</a:t>
-            </a:r>
-          </a:p>
-          <a:p>
-            <a:r>
-              <a:rPr lang="en-US" sz="1200" b="1" dirty="0" err="1"/>
-              <a:t>kubectl</a:t>
-            </a:r>
-            <a:r>
-              <a:rPr lang="en-US" sz="1200" b="1" dirty="0"/>
-              <a:t> drain [node-name]</a:t>
-            </a:r>
-          </a:p>
-          <a:p>
-            <a:endParaRPr lang="en-US" sz="1200" b="1" dirty="0"/>
-          </a:p>
-          <a:p>
-            <a:endParaRPr lang="es-PE" sz="1200" b="1" dirty="0"/>
-          </a:p>
-        </p:txBody>
-      </p:sp>
-      <p:sp>
-        <p:nvSpPr>
-          <p:cNvPr id="11" name="CuadroTexto 10">
-            <a:extLst>
-              <a:ext uri="{FF2B5EF4-FFF2-40B4-BE49-F238E27FC236}">
-                <a16:creationId xmlns:a16="http://schemas.microsoft.com/office/drawing/2014/main" id="{991BB6A7-9DB1-28AF-2152-F9B173AC9D47}"/>
-              </a:ext>
-            </a:extLst>
-          </p:cNvPr>
-          <p:cNvSpPr txBox="1"/>
-          <p:nvPr/>
-        </p:nvSpPr>
-        <p:spPr>
-          <a:xfrm>
-            <a:off x="8618221" y="1202918"/>
-            <a:ext cx="2921959" cy="3046988"/>
-          </a:xfrm>
-          <a:prstGeom prst="rect">
-            <a:avLst/>
-          </a:prstGeom>
-          <a:noFill/>
-          <a:ln>
-            <a:noFill/>
-          </a:ln>
-        </p:spPr>
-        <p:txBody>
-          <a:bodyPr wrap="square" rtlCol="0">
-            <a:spAutoFit/>
-          </a:bodyPr>
-          <a:lstStyle/>
-          <a:p>
-            <a:r>
-              <a:rPr lang="es-PE" sz="1200" b="1" dirty="0">
-                <a:solidFill>
-                  <a:srgbClr val="895EBE"/>
-                </a:solidFill>
-              </a:rPr>
-              <a:t>PODS</a:t>
-            </a:r>
-            <a:endParaRPr lang="en-US" sz="1200" b="1" dirty="0">
-              <a:solidFill>
-                <a:srgbClr val="895EBE"/>
-              </a:solidFill>
-            </a:endParaRPr>
-          </a:p>
-          <a:p>
-            <a:r>
-              <a:rPr lang="en-US" sz="1200" i="1" dirty="0">
-                <a:solidFill>
-                  <a:schemeClr val="accent3"/>
-                </a:solidFill>
-              </a:rPr>
-              <a:t>#Display all container group information</a:t>
-            </a:r>
-          </a:p>
-          <a:p>
-            <a:r>
-              <a:rPr lang="en-US" sz="1200" b="1" dirty="0" err="1"/>
-              <a:t>kubectl</a:t>
-            </a:r>
-            <a:r>
-              <a:rPr lang="en-US" sz="1200" b="1" dirty="0"/>
-              <a:t> get po</a:t>
-            </a:r>
-          </a:p>
-          <a:p>
-            <a:endParaRPr lang="en-US" sz="1200" b="1" dirty="0"/>
-          </a:p>
-          <a:p>
-            <a:r>
-              <a:rPr lang="en-US" sz="1200" i="1" dirty="0">
-                <a:solidFill>
-                  <a:schemeClr val="accent3"/>
-                </a:solidFill>
-              </a:rPr>
-              <a:t># Show more information about all pods</a:t>
-            </a:r>
-          </a:p>
-          <a:p>
-            <a:r>
-              <a:rPr lang="en-US" sz="1200" b="1" dirty="0" err="1"/>
-              <a:t>kubectl</a:t>
-            </a:r>
-            <a:r>
-              <a:rPr lang="en-US" sz="1200" b="1" dirty="0"/>
-              <a:t> get po -o wide</a:t>
-            </a:r>
-          </a:p>
-          <a:p>
-            <a:endParaRPr lang="en-US" sz="1200" i="1" dirty="0">
-              <a:solidFill>
-                <a:schemeClr val="accent3"/>
-              </a:solidFill>
-            </a:endParaRPr>
-          </a:p>
-          <a:p>
-            <a:r>
-              <a:rPr lang="en-US" sz="1200" i="1" dirty="0">
-                <a:solidFill>
-                  <a:schemeClr val="accent3"/>
-                </a:solidFill>
-              </a:rPr>
-              <a:t># Display pod details with verbose output</a:t>
-            </a:r>
-          </a:p>
-          <a:p>
-            <a:r>
-              <a:rPr lang="en-US" sz="1200" b="1" dirty="0" err="1"/>
-              <a:t>kubectl</a:t>
-            </a:r>
-            <a:r>
-              <a:rPr lang="en-US" sz="1200" b="1" dirty="0"/>
-              <a:t> describe po</a:t>
-            </a:r>
-          </a:p>
-          <a:p>
-            <a:endParaRPr lang="en-US" sz="1200" b="1" dirty="0"/>
-          </a:p>
-          <a:p>
-            <a:r>
-              <a:rPr lang="en-US" sz="1200" i="1" dirty="0">
-                <a:solidFill>
-                  <a:schemeClr val="accent3"/>
-                </a:solidFill>
-              </a:rPr>
-              <a:t># View the labels of the container group</a:t>
-            </a:r>
-          </a:p>
-          <a:p>
-            <a:r>
-              <a:rPr lang="en-US" sz="1200" b="1" dirty="0" err="1"/>
-              <a:t>kubectl</a:t>
-            </a:r>
-            <a:r>
-              <a:rPr lang="en-US" sz="1200" b="1" dirty="0"/>
-              <a:t> get po --show-labels</a:t>
-            </a:r>
-          </a:p>
-          <a:p>
-            <a:endParaRPr lang="en-US" sz="1200" b="1" dirty="0"/>
-          </a:p>
-          <a:p>
-            <a:r>
-              <a:rPr lang="en-US" sz="1200" i="1" dirty="0">
-                <a:solidFill>
-                  <a:schemeClr val="accent3"/>
-                </a:solidFill>
-              </a:rPr>
-              <a:t># Display pod usage (CPU/memory)</a:t>
-            </a:r>
-          </a:p>
-          <a:p>
-            <a:r>
-              <a:rPr lang="en-US" sz="1200" b="1" dirty="0" err="1"/>
-              <a:t>kubectl</a:t>
-            </a:r>
-            <a:r>
-              <a:rPr lang="en-US" sz="1200" b="1" dirty="0"/>
-              <a:t> top pod [</a:t>
-            </a:r>
-            <a:r>
-              <a:rPr lang="en-US" sz="1200" b="1" dirty="0" err="1"/>
-              <a:t>pod_name</a:t>
-            </a:r>
-            <a:r>
-              <a:rPr lang="en-US" sz="1200" b="1" dirty="0"/>
-              <a:t>]</a:t>
-            </a:r>
-          </a:p>
-          <a:p>
-            <a:endParaRPr lang="en-US" sz="1200" b="1" dirty="0"/>
-          </a:p>
-        </p:txBody>
-      </p:sp>
-      <p:sp>
-        <p:nvSpPr>
-          <p:cNvPr id="14" name="CuadroTexto 13">
-            <a:extLst>
-              <a:ext uri="{FF2B5EF4-FFF2-40B4-BE49-F238E27FC236}">
-                <a16:creationId xmlns:a16="http://schemas.microsoft.com/office/drawing/2014/main" id="{7333F70E-6485-6754-6758-C5F8522B5E3D}"/>
-              </a:ext>
-            </a:extLst>
-          </p:cNvPr>
-          <p:cNvSpPr txBox="1"/>
-          <p:nvPr/>
-        </p:nvSpPr>
-        <p:spPr>
-          <a:xfrm>
-            <a:off x="8631296" y="4270087"/>
-            <a:ext cx="2921959" cy="1384995"/>
-          </a:xfrm>
-          <a:prstGeom prst="rect">
-            <a:avLst/>
-          </a:prstGeom>
-          <a:noFill/>
-          <a:ln>
-            <a:noFill/>
-          </a:ln>
-        </p:spPr>
-        <p:txBody>
-          <a:bodyPr wrap="square" rtlCol="0">
-            <a:spAutoFit/>
-          </a:bodyPr>
-          <a:lstStyle/>
-          <a:p>
-            <a:r>
-              <a:rPr lang="es-PE" sz="1200" b="1" dirty="0">
-                <a:solidFill>
-                  <a:srgbClr val="895EBE"/>
-                </a:solidFill>
-              </a:rPr>
-              <a:t>NAMESPACE</a:t>
-            </a:r>
-            <a:endParaRPr lang="en-US" sz="1200" b="1" dirty="0">
-              <a:solidFill>
-                <a:srgbClr val="895EBE"/>
-              </a:solidFill>
-            </a:endParaRPr>
-          </a:p>
-          <a:p>
-            <a:r>
-              <a:rPr lang="es-PE" sz="1200" i="1" dirty="0">
-                <a:solidFill>
-                  <a:schemeClr val="accent3"/>
-                </a:solidFill>
-              </a:rPr>
-              <a:t># Display </a:t>
-            </a:r>
-            <a:r>
-              <a:rPr lang="es-PE" sz="1200" i="1" dirty="0" err="1">
-                <a:solidFill>
-                  <a:schemeClr val="accent3"/>
-                </a:solidFill>
-              </a:rPr>
-              <a:t>all</a:t>
-            </a:r>
-            <a:r>
-              <a:rPr lang="es-PE" sz="1200" i="1" dirty="0">
-                <a:solidFill>
-                  <a:schemeClr val="accent3"/>
-                </a:solidFill>
-              </a:rPr>
-              <a:t> </a:t>
-            </a:r>
-            <a:r>
-              <a:rPr lang="es-PE" sz="1200" i="1" dirty="0" err="1">
-                <a:solidFill>
-                  <a:schemeClr val="accent3"/>
-                </a:solidFill>
-              </a:rPr>
-              <a:t>namespace</a:t>
-            </a:r>
-            <a:r>
-              <a:rPr lang="es-PE" sz="1200" i="1" dirty="0">
-                <a:solidFill>
-                  <a:schemeClr val="accent3"/>
-                </a:solidFill>
-              </a:rPr>
-              <a:t> </a:t>
-            </a:r>
-            <a:r>
-              <a:rPr lang="es-PE" sz="1200" i="1" dirty="0" err="1">
-                <a:solidFill>
-                  <a:schemeClr val="accent3"/>
-                </a:solidFill>
-              </a:rPr>
-              <a:t>information</a:t>
-            </a:r>
-            <a:endParaRPr lang="es-PE" sz="1200" i="1" dirty="0">
-              <a:solidFill>
-                <a:schemeClr val="accent3"/>
-              </a:solidFill>
-            </a:endParaRPr>
-          </a:p>
-          <a:p>
-            <a:r>
-              <a:rPr lang="en-US" sz="1200" b="1" dirty="0" err="1"/>
-              <a:t>kubectl</a:t>
-            </a:r>
-            <a:r>
-              <a:rPr lang="en-US" sz="1200" b="1" dirty="0"/>
-              <a:t> get ns</a:t>
-            </a:r>
-          </a:p>
-          <a:p>
-            <a:endParaRPr lang="en-US" sz="1200" b="1" dirty="0"/>
-          </a:p>
-          <a:p>
-            <a:r>
-              <a:rPr lang="es-PE" sz="1200" i="1" dirty="0">
-                <a:solidFill>
-                  <a:schemeClr val="accent3"/>
-                </a:solidFill>
-              </a:rPr>
-              <a:t># Display </a:t>
-            </a:r>
-            <a:r>
-              <a:rPr lang="es-PE" sz="1200" i="1" dirty="0" err="1">
-                <a:solidFill>
-                  <a:schemeClr val="accent3"/>
-                </a:solidFill>
-              </a:rPr>
-              <a:t>namespace</a:t>
-            </a:r>
-            <a:r>
-              <a:rPr lang="es-PE" sz="1200" i="1" dirty="0">
-                <a:solidFill>
-                  <a:schemeClr val="accent3"/>
-                </a:solidFill>
-              </a:rPr>
-              <a:t> </a:t>
-            </a:r>
-            <a:r>
-              <a:rPr lang="es-PE" sz="1200" i="1" dirty="0" err="1">
-                <a:solidFill>
-                  <a:schemeClr val="accent3"/>
-                </a:solidFill>
-              </a:rPr>
-              <a:t>details</a:t>
-            </a:r>
-            <a:endParaRPr lang="es-PE" sz="1200" i="1" dirty="0">
-              <a:solidFill>
-                <a:schemeClr val="accent3"/>
-              </a:solidFill>
-            </a:endParaRPr>
-          </a:p>
-          <a:p>
-            <a:r>
-              <a:rPr lang="en-US" sz="1200" b="1" dirty="0" err="1"/>
-              <a:t>kubectl</a:t>
-            </a:r>
-            <a:r>
-              <a:rPr lang="en-US" sz="1200" b="1" dirty="0"/>
-              <a:t> describe ns</a:t>
-            </a:r>
-          </a:p>
-          <a:p>
-            <a:endParaRPr lang="en-US" sz="1200" b="1" dirty="0"/>
-          </a:p>
-        </p:txBody>
-      </p:sp>
-    </p:spTree>
-    <p:extLst>
-      <p:ext uri="{BB962C8B-B14F-4D97-AF65-F5344CB8AC3E}">
-        <p14:creationId xmlns:p14="http://schemas.microsoft.com/office/powerpoint/2010/main" val="813560566"/>
-      </p:ext>
-    </p:extLst>
-  </p:cSld>
-  <p:clrMapOvr>
-    <a:masterClrMapping/>
-  </p:clrMapOvr>
-</p:sld>
-</file>
-
-<file path=ppt/slides/slide5.xml><?xml version="1.0" encoding="utf-8"?>
-<p:sld xmlns:a="http://schemas.openxmlformats.org/drawingml/2006/main" xmlns:r="http://schemas.openxmlformats.org/officeDocument/2006/relationships" xmlns:p="http://schemas.openxmlformats.org/presentationml/2006/main">
-  <p:cSld>
-    <p:spTree>
-      <p:nvGrpSpPr>
-        <p:cNvPr id="1" name=""/>
-        <p:cNvGrpSpPr/>
-        <p:nvPr/>
-      </p:nvGrpSpPr>
-      <p:grpSpPr>
-        <a:xfrm>
-          <a:off x="0" y="0"/>
-          <a:ext cx="0" cy="0"/>
-          <a:chOff x="0" y="0"/>
-          <a:chExt cx="0" cy="0"/>
-        </a:xfrm>
-      </p:grpSpPr>
-      <p:sp>
-        <p:nvSpPr>
-          <p:cNvPr id="4" name="CuadroTexto 3">
-            <a:extLst>
-              <a:ext uri="{FF2B5EF4-FFF2-40B4-BE49-F238E27FC236}">
-                <a16:creationId xmlns:a16="http://schemas.microsoft.com/office/drawing/2014/main" id="{09BB247A-A3E3-455F-BB95-870A55B01F5D}"/>
-              </a:ext>
-            </a:extLst>
-          </p:cNvPr>
-          <p:cNvSpPr txBox="1"/>
-          <p:nvPr/>
-        </p:nvSpPr>
-        <p:spPr>
-          <a:xfrm>
-            <a:off x="3093544" y="3539638"/>
-            <a:ext cx="2921959" cy="2308324"/>
-          </a:xfrm>
-          <a:prstGeom prst="rect">
-            <a:avLst/>
-          </a:prstGeom>
-          <a:noFill/>
-          <a:ln>
-            <a:noFill/>
-          </a:ln>
-        </p:spPr>
-        <p:txBody>
-          <a:bodyPr wrap="square" rtlCol="0">
-            <a:spAutoFit/>
-          </a:bodyPr>
-          <a:lstStyle/>
-          <a:p>
-            <a:r>
-              <a:rPr lang="es-PE" sz="1200" b="1" dirty="0">
-                <a:solidFill>
-                  <a:srgbClr val="895EBE"/>
-                </a:solidFill>
-              </a:rPr>
-              <a:t>EVENTOS</a:t>
-            </a:r>
-          </a:p>
-          <a:p>
-            <a:r>
-              <a:rPr lang="es-PE" sz="1200" i="1" dirty="0">
-                <a:solidFill>
-                  <a:schemeClr val="accent3"/>
-                </a:solidFill>
-              </a:rPr>
-              <a:t># Mostrar toda la información de los eventos</a:t>
-            </a:r>
-          </a:p>
-          <a:p>
-            <a:r>
-              <a:rPr lang="es-PE" sz="1200" b="1" dirty="0" err="1"/>
-              <a:t>kubectl</a:t>
-            </a:r>
-            <a:r>
-              <a:rPr lang="es-PE" sz="1200" b="1" dirty="0"/>
-              <a:t> </a:t>
-            </a:r>
-            <a:r>
-              <a:rPr lang="es-PE" sz="1200" b="1" dirty="0" err="1"/>
-              <a:t>get</a:t>
-            </a:r>
-            <a:r>
-              <a:rPr lang="es-PE" sz="1200" b="1" dirty="0"/>
-              <a:t> </a:t>
-            </a:r>
-            <a:r>
-              <a:rPr lang="es-PE" sz="1200" b="1" dirty="0" err="1"/>
-              <a:t>events</a:t>
-            </a:r>
-            <a:endParaRPr lang="es-PE" sz="1200" b="1" dirty="0"/>
-          </a:p>
-          <a:p>
-            <a:endParaRPr lang="es-PE" sz="1200" b="1" dirty="0"/>
-          </a:p>
-          <a:p>
-            <a:r>
-              <a:rPr lang="es-PE" sz="1200" i="1" dirty="0">
-                <a:solidFill>
-                  <a:schemeClr val="accent3"/>
-                </a:solidFill>
-              </a:rPr>
-              <a:t># Mostrar información de eventos dentro del espacio de nombres </a:t>
-            </a:r>
-            <a:r>
-              <a:rPr lang="es-PE" sz="1200" i="1" dirty="0" err="1">
-                <a:solidFill>
-                  <a:schemeClr val="accent3"/>
-                </a:solidFill>
-              </a:rPr>
-              <a:t>kube-system</a:t>
-            </a:r>
-            <a:endParaRPr lang="es-PE" sz="1200" i="1" dirty="0">
-              <a:solidFill>
-                <a:schemeClr val="accent3"/>
-              </a:solidFill>
-            </a:endParaRPr>
-          </a:p>
-          <a:p>
-            <a:r>
-              <a:rPr lang="es-PE" sz="1200" b="1" dirty="0" err="1"/>
-              <a:t>kubectl</a:t>
-            </a:r>
-            <a:r>
-              <a:rPr lang="es-PE" sz="1200" b="1" dirty="0"/>
-              <a:t> </a:t>
-            </a:r>
-            <a:r>
-              <a:rPr lang="es-PE" sz="1200" b="1" dirty="0" err="1"/>
-              <a:t>get</a:t>
-            </a:r>
-            <a:r>
-              <a:rPr lang="es-PE" sz="1200" b="1" dirty="0"/>
-              <a:t> </a:t>
-            </a:r>
-            <a:r>
-              <a:rPr lang="es-PE" sz="1200" b="1" dirty="0" err="1"/>
-              <a:t>events</a:t>
-            </a:r>
-            <a:r>
-              <a:rPr lang="es-PE" sz="1200" b="1" dirty="0"/>
-              <a:t> -n </a:t>
-            </a:r>
-            <a:r>
-              <a:rPr lang="es-PE" sz="1200" b="1" dirty="0" err="1"/>
-              <a:t>kube-system</a:t>
-            </a:r>
-            <a:endParaRPr lang="es-PE" sz="1200" b="1" dirty="0"/>
-          </a:p>
-          <a:p>
-            <a:endParaRPr lang="es-PE" sz="1200" b="1" dirty="0"/>
-          </a:p>
-          <a:p>
-            <a:r>
-              <a:rPr lang="es-PE" sz="1200" i="1" dirty="0">
-                <a:solidFill>
-                  <a:schemeClr val="accent3"/>
-                </a:solidFill>
-              </a:rPr>
-              <a:t># Enumera los eventos de recursos específicos o de todo el clúster</a:t>
-            </a:r>
-          </a:p>
-          <a:p>
-            <a:r>
-              <a:rPr lang="es-PE" sz="1200" b="1" dirty="0" err="1"/>
-              <a:t>kubectl</a:t>
-            </a:r>
-            <a:r>
-              <a:rPr lang="es-PE" sz="1200" b="1" dirty="0"/>
-              <a:t> </a:t>
-            </a:r>
-            <a:r>
-              <a:rPr lang="es-PE" sz="1200" b="1" dirty="0" err="1"/>
-              <a:t>get</a:t>
-            </a:r>
-            <a:r>
-              <a:rPr lang="es-PE" sz="1200" b="1" dirty="0"/>
-              <a:t> </a:t>
-            </a:r>
-            <a:r>
-              <a:rPr lang="es-PE" sz="1200" b="1" dirty="0" err="1"/>
-              <a:t>events</a:t>
-            </a:r>
-            <a:r>
-              <a:rPr lang="es-PE" sz="1200" b="1" dirty="0"/>
-              <a:t> -w</a:t>
-            </a:r>
-            <a:endParaRPr lang="en-US" sz="1200" b="1" dirty="0"/>
-          </a:p>
-        </p:txBody>
-      </p:sp>
-      <p:sp>
-        <p:nvSpPr>
-          <p:cNvPr id="5" name="Rectángulo 4">
-            <a:extLst>
-              <a:ext uri="{FF2B5EF4-FFF2-40B4-BE49-F238E27FC236}">
-                <a16:creationId xmlns:a16="http://schemas.microsoft.com/office/drawing/2014/main" id="{D99E79F5-C2DF-4A29-831C-196B2983ED6C}"/>
-              </a:ext>
-            </a:extLst>
-          </p:cNvPr>
-          <p:cNvSpPr/>
-          <p:nvPr/>
-        </p:nvSpPr>
-        <p:spPr>
-          <a:xfrm>
-            <a:off x="496050" y="124879"/>
-            <a:ext cx="5080237" cy="584775"/>
-          </a:xfrm>
-          <a:prstGeom prst="rect">
-            <a:avLst/>
-          </a:prstGeom>
-        </p:spPr>
-        <p:txBody>
-          <a:bodyPr wrap="none">
-            <a:spAutoFit/>
-          </a:bodyPr>
-          <a:lstStyle/>
-          <a:p>
-            <a:r>
-              <a:rPr lang="es-ES" sz="3200" dirty="0" err="1">
-                <a:solidFill>
-                  <a:srgbClr val="0065FF"/>
-                </a:solidFill>
-                <a:latin typeface="Arial" panose="020B0604020202020204" pitchFamily="34" charset="0"/>
-                <a:cs typeface="Arial" panose="020B0604020202020204" pitchFamily="34" charset="0"/>
-              </a:rPr>
-              <a:t>Cheatsheet</a:t>
-            </a:r>
-            <a:r>
-              <a:rPr lang="es-ES" sz="3200" dirty="0">
-                <a:solidFill>
-                  <a:srgbClr val="0065FF"/>
-                </a:solidFill>
-                <a:latin typeface="Arial" panose="020B0604020202020204" pitchFamily="34" charset="0"/>
-                <a:cs typeface="Arial" panose="020B0604020202020204" pitchFamily="34" charset="0"/>
-              </a:rPr>
-              <a:t> </a:t>
-            </a:r>
-            <a:r>
-              <a:rPr lang="es-ES" sz="3200" dirty="0" err="1">
-                <a:solidFill>
-                  <a:srgbClr val="0065FF"/>
-                </a:solidFill>
-                <a:latin typeface="Arial" panose="020B0604020202020204" pitchFamily="34" charset="0"/>
-                <a:cs typeface="Arial" panose="020B0604020202020204" pitchFamily="34" charset="0"/>
-              </a:rPr>
-              <a:t>for</a:t>
-            </a:r>
-            <a:r>
-              <a:rPr lang="es-ES" sz="3200" dirty="0">
-                <a:solidFill>
-                  <a:srgbClr val="0065FF"/>
-                </a:solidFill>
-                <a:latin typeface="Arial" panose="020B0604020202020204" pitchFamily="34" charset="0"/>
-                <a:cs typeface="Arial" panose="020B0604020202020204" pitchFamily="34" charset="0"/>
-              </a:rPr>
-              <a:t> </a:t>
-            </a:r>
-            <a:r>
-              <a:rPr lang="es-ES" sz="3200" dirty="0" err="1">
-                <a:solidFill>
-                  <a:srgbClr val="0065FF"/>
-                </a:solidFill>
-                <a:latin typeface="Arial" panose="020B0604020202020204" pitchFamily="34" charset="0"/>
-                <a:cs typeface="Arial" panose="020B0604020202020204" pitchFamily="34" charset="0"/>
-              </a:rPr>
-              <a:t>Kubernetes</a:t>
-            </a:r>
-            <a:endParaRPr lang="es-PE" sz="3000" dirty="0">
-              <a:solidFill>
-                <a:srgbClr val="0065FF"/>
-              </a:solidFill>
-              <a:latin typeface="Arial" panose="020B0604020202020204" pitchFamily="34" charset="0"/>
-              <a:cs typeface="Arial" panose="020B0604020202020204" pitchFamily="34" charset="0"/>
-            </a:endParaRPr>
-          </a:p>
-        </p:txBody>
-      </p:sp>
-      <p:sp>
-        <p:nvSpPr>
-          <p:cNvPr id="11" name="CuadroTexto 10">
-            <a:extLst>
-              <a:ext uri="{FF2B5EF4-FFF2-40B4-BE49-F238E27FC236}">
-                <a16:creationId xmlns:a16="http://schemas.microsoft.com/office/drawing/2014/main" id="{AD522A0C-6BA9-450E-A776-B2D2C62189EA}"/>
-              </a:ext>
-            </a:extLst>
-          </p:cNvPr>
-          <p:cNvSpPr txBox="1"/>
-          <p:nvPr/>
-        </p:nvSpPr>
-        <p:spPr>
-          <a:xfrm>
-            <a:off x="8966547" y="2586127"/>
-            <a:ext cx="2921959" cy="2123658"/>
-          </a:xfrm>
-          <a:prstGeom prst="rect">
-            <a:avLst/>
-          </a:prstGeom>
-          <a:noFill/>
-          <a:ln>
-            <a:noFill/>
-          </a:ln>
-        </p:spPr>
-        <p:txBody>
-          <a:bodyPr wrap="square" rtlCol="0">
-            <a:spAutoFit/>
-          </a:bodyPr>
-          <a:lstStyle/>
-          <a:p>
-            <a:r>
-              <a:rPr lang="es-ES" sz="1200" b="1" dirty="0">
-                <a:solidFill>
-                  <a:srgbClr val="895EBE"/>
-                </a:solidFill>
-              </a:rPr>
-              <a:t>JUEGOS DE RÉPLICAS</a:t>
-            </a:r>
-          </a:p>
-          <a:p>
-            <a:r>
-              <a:rPr lang="es-ES" sz="1200" i="1" dirty="0">
-                <a:solidFill>
-                  <a:schemeClr val="accent3"/>
-                </a:solidFill>
-              </a:rPr>
-              <a:t># Mostrar toda la información de los conjuntos de réplicas</a:t>
-            </a:r>
-          </a:p>
-          <a:p>
-            <a:r>
-              <a:rPr lang="es-ES" sz="1200" b="1" dirty="0" err="1"/>
-              <a:t>kubectl</a:t>
-            </a:r>
-            <a:r>
-              <a:rPr lang="es-ES" sz="1200" b="1" dirty="0"/>
-              <a:t> </a:t>
-            </a:r>
-            <a:r>
-              <a:rPr lang="es-ES" sz="1200" b="1" dirty="0" err="1"/>
-              <a:t>get</a:t>
-            </a:r>
-            <a:r>
-              <a:rPr lang="es-ES" sz="1200" b="1" dirty="0"/>
-              <a:t> </a:t>
-            </a:r>
-            <a:r>
-              <a:rPr lang="es-ES" sz="1200" b="1" dirty="0" err="1"/>
-              <a:t>rs</a:t>
-            </a:r>
-            <a:endParaRPr lang="es-ES" sz="1200" b="1" dirty="0"/>
-          </a:p>
-          <a:p>
-            <a:endParaRPr lang="es-ES" sz="1200" b="1" dirty="0"/>
-          </a:p>
-          <a:p>
-            <a:r>
-              <a:rPr lang="es-ES" sz="1200" i="1" dirty="0">
-                <a:solidFill>
-                  <a:schemeClr val="accent3"/>
-                </a:solidFill>
-              </a:rPr>
-              <a:t># Mostrar detalles de conjuntos de réplicas</a:t>
-            </a:r>
-          </a:p>
-          <a:p>
-            <a:r>
-              <a:rPr lang="es-ES" sz="1200" b="1" dirty="0" err="1"/>
-              <a:t>kubectl</a:t>
-            </a:r>
-            <a:r>
-              <a:rPr lang="es-ES" sz="1200" b="1" dirty="0"/>
-              <a:t> describe </a:t>
-            </a:r>
-            <a:r>
-              <a:rPr lang="es-ES" sz="1200" b="1" dirty="0" err="1"/>
-              <a:t>rs</a:t>
-            </a:r>
-            <a:endParaRPr lang="es-ES" sz="1200" b="1" dirty="0"/>
-          </a:p>
-          <a:p>
-            <a:endParaRPr lang="es-ES" sz="1200" b="1" dirty="0"/>
-          </a:p>
-          <a:p>
-            <a:r>
-              <a:rPr lang="es-ES" sz="1200" i="1" dirty="0">
-                <a:solidFill>
-                  <a:schemeClr val="accent3"/>
-                </a:solidFill>
-              </a:rPr>
-              <a:t># Mostrar más información sobre los conjuntos de réplicas</a:t>
-            </a:r>
-          </a:p>
-          <a:p>
-            <a:r>
-              <a:rPr lang="es-ES" sz="1200" b="1" dirty="0" err="1"/>
-              <a:t>kubectl</a:t>
-            </a:r>
-            <a:r>
-              <a:rPr lang="es-ES" sz="1200" b="1" dirty="0"/>
-              <a:t> </a:t>
-            </a:r>
-            <a:r>
-              <a:rPr lang="es-ES" sz="1200" b="1" dirty="0" err="1"/>
-              <a:t>get</a:t>
-            </a:r>
-            <a:r>
-              <a:rPr lang="es-ES" sz="1200" b="1" dirty="0"/>
-              <a:t> </a:t>
-            </a:r>
-            <a:r>
-              <a:rPr lang="es-ES" sz="1200" b="1" dirty="0" err="1"/>
-              <a:t>rs</a:t>
-            </a:r>
-            <a:r>
-              <a:rPr lang="es-ES" sz="1200" b="1" dirty="0"/>
-              <a:t> -o </a:t>
-            </a:r>
-            <a:r>
-              <a:rPr lang="es-ES" sz="1200" b="1" dirty="0" err="1"/>
-              <a:t>wide</a:t>
-            </a:r>
-            <a:endParaRPr lang="en-US" sz="1200" b="1" dirty="0"/>
-          </a:p>
-        </p:txBody>
-      </p:sp>
-      <p:sp>
-        <p:nvSpPr>
-          <p:cNvPr id="14" name="CuadroTexto 13">
-            <a:extLst>
-              <a:ext uri="{FF2B5EF4-FFF2-40B4-BE49-F238E27FC236}">
-                <a16:creationId xmlns:a16="http://schemas.microsoft.com/office/drawing/2014/main" id="{1BCCB04D-FD18-4D9D-80DB-BC9945DEA8C1}"/>
-              </a:ext>
-            </a:extLst>
-          </p:cNvPr>
-          <p:cNvSpPr txBox="1"/>
-          <p:nvPr/>
-        </p:nvSpPr>
-        <p:spPr>
-          <a:xfrm>
-            <a:off x="8966547" y="1306205"/>
-            <a:ext cx="2921959" cy="830997"/>
-          </a:xfrm>
-          <a:prstGeom prst="rect">
-            <a:avLst/>
-          </a:prstGeom>
-          <a:noFill/>
-          <a:ln>
-            <a:noFill/>
-          </a:ln>
-        </p:spPr>
-        <p:txBody>
-          <a:bodyPr wrap="square" rtlCol="0">
-            <a:spAutoFit/>
-          </a:bodyPr>
-          <a:lstStyle/>
-          <a:p>
-            <a:r>
-              <a:rPr lang="es-ES" sz="1200" b="1" dirty="0">
-                <a:solidFill>
-                  <a:srgbClr val="895EBE"/>
-                </a:solidFill>
-              </a:rPr>
-              <a:t>CUENTA DE SERVICIO</a:t>
-            </a:r>
-          </a:p>
-          <a:p>
-            <a:r>
-              <a:rPr lang="es-ES" sz="1200" i="1" dirty="0">
-                <a:solidFill>
-                  <a:schemeClr val="accent3"/>
-                </a:solidFill>
-              </a:rPr>
-              <a:t># Mostrar toda la información de la cuenta de servicio</a:t>
-            </a:r>
-          </a:p>
-          <a:p>
-            <a:r>
-              <a:rPr lang="es-ES" sz="1200" b="1" dirty="0" err="1"/>
-              <a:t>kubectl</a:t>
-            </a:r>
-            <a:r>
-              <a:rPr lang="es-ES" sz="1200" b="1" dirty="0"/>
-              <a:t> </a:t>
-            </a:r>
-            <a:r>
-              <a:rPr lang="es-ES" sz="1200" b="1" dirty="0" err="1"/>
-              <a:t>get</a:t>
-            </a:r>
-            <a:r>
-              <a:rPr lang="es-ES" sz="1200" b="1" dirty="0"/>
-              <a:t> </a:t>
-            </a:r>
-            <a:r>
-              <a:rPr lang="es-ES" sz="1200" b="1" dirty="0" err="1"/>
-              <a:t>sa</a:t>
-            </a:r>
-            <a:endParaRPr lang="en-US" sz="1200" b="1" dirty="0"/>
-          </a:p>
-        </p:txBody>
-      </p:sp>
-      <p:sp>
-        <p:nvSpPr>
-          <p:cNvPr id="12" name="CuadroTexto 11">
-            <a:extLst>
-              <a:ext uri="{FF2B5EF4-FFF2-40B4-BE49-F238E27FC236}">
-                <a16:creationId xmlns:a16="http://schemas.microsoft.com/office/drawing/2014/main" id="{80321A58-F55B-4E99-8F3D-7ACB2A0FC5FA}"/>
-              </a:ext>
-            </a:extLst>
-          </p:cNvPr>
-          <p:cNvSpPr txBox="1"/>
-          <p:nvPr/>
-        </p:nvSpPr>
-        <p:spPr>
-          <a:xfrm>
-            <a:off x="181573" y="1202918"/>
-            <a:ext cx="2774988" cy="1938992"/>
-          </a:xfrm>
-          <a:prstGeom prst="rect">
-            <a:avLst/>
-          </a:prstGeom>
-          <a:noFill/>
-          <a:ln>
-            <a:noFill/>
-          </a:ln>
-        </p:spPr>
-        <p:txBody>
-          <a:bodyPr wrap="square" rtlCol="0">
-            <a:spAutoFit/>
-          </a:bodyPr>
-          <a:lstStyle/>
-          <a:p>
-            <a:r>
-              <a:rPr lang="en-US" sz="1200" b="1" dirty="0">
-                <a:solidFill>
-                  <a:srgbClr val="895EBE"/>
-                </a:solidFill>
-              </a:rPr>
-              <a:t>DEPLOYMENTS</a:t>
-            </a:r>
-          </a:p>
-          <a:p>
-            <a:r>
-              <a:rPr lang="en-US" sz="1200" i="1" dirty="0">
-                <a:solidFill>
-                  <a:schemeClr val="accent3"/>
-                </a:solidFill>
-              </a:rPr>
-              <a:t># Display all deployments information</a:t>
-            </a:r>
-          </a:p>
-          <a:p>
-            <a:r>
-              <a:rPr lang="en-US" sz="1200" b="1" dirty="0" err="1"/>
-              <a:t>kubectl</a:t>
-            </a:r>
-            <a:r>
-              <a:rPr lang="en-US" sz="1200" b="1" dirty="0"/>
-              <a:t> get deploy</a:t>
-            </a:r>
-          </a:p>
-          <a:p>
-            <a:endParaRPr lang="en-US" sz="1200" dirty="0">
-              <a:solidFill>
-                <a:srgbClr val="CC00CC"/>
-              </a:solidFill>
-            </a:endParaRPr>
-          </a:p>
-          <a:p>
-            <a:r>
-              <a:rPr lang="en-US" sz="1200" i="1" dirty="0">
-                <a:solidFill>
-                  <a:schemeClr val="accent3"/>
-                </a:solidFill>
-              </a:rPr>
-              <a:t># Display deployments details</a:t>
-            </a:r>
-            <a:endParaRPr lang="en-US" sz="1200" dirty="0">
-              <a:solidFill>
-                <a:srgbClr val="CC00CC"/>
-              </a:solidFill>
-            </a:endParaRPr>
-          </a:p>
-          <a:p>
-            <a:r>
-              <a:rPr lang="en-US" sz="1200" b="1" dirty="0" err="1"/>
-              <a:t>kubectl</a:t>
-            </a:r>
-            <a:r>
-              <a:rPr lang="en-US" sz="1200" b="1" dirty="0"/>
-              <a:t> describe deploy</a:t>
-            </a:r>
-          </a:p>
-          <a:p>
-            <a:endParaRPr lang="en-US" sz="1200" b="1" dirty="0"/>
-          </a:p>
-          <a:p>
-            <a:r>
-              <a:rPr lang="en-US" sz="1200" i="1" dirty="0">
-                <a:solidFill>
-                  <a:schemeClr val="accent3"/>
-                </a:solidFill>
-              </a:rPr>
-              <a:t># Show more information about all deployments</a:t>
-            </a:r>
-          </a:p>
-          <a:p>
-            <a:r>
-              <a:rPr lang="en-US" sz="1200" b="1" dirty="0" err="1"/>
-              <a:t>kubectl</a:t>
-            </a:r>
-            <a:r>
-              <a:rPr lang="en-US" sz="1200" b="1" dirty="0"/>
-              <a:t> get deploy -o wide</a:t>
-            </a:r>
-          </a:p>
-        </p:txBody>
-      </p:sp>
-      <p:sp>
-        <p:nvSpPr>
-          <p:cNvPr id="13" name="CuadroTexto 12">
-            <a:extLst>
-              <a:ext uri="{FF2B5EF4-FFF2-40B4-BE49-F238E27FC236}">
-                <a16:creationId xmlns:a16="http://schemas.microsoft.com/office/drawing/2014/main" id="{705A0AEA-0DAF-48F1-9836-012C14A35073}"/>
-              </a:ext>
-            </a:extLst>
-          </p:cNvPr>
-          <p:cNvSpPr txBox="1"/>
-          <p:nvPr/>
-        </p:nvSpPr>
-        <p:spPr>
-          <a:xfrm>
-            <a:off x="176579" y="3326576"/>
-            <a:ext cx="2774988" cy="2492990"/>
-          </a:xfrm>
-          <a:prstGeom prst="rect">
-            <a:avLst/>
-          </a:prstGeom>
-          <a:noFill/>
-          <a:ln>
-            <a:noFill/>
-          </a:ln>
-        </p:spPr>
-        <p:txBody>
-          <a:bodyPr wrap="square" rtlCol="0">
-            <a:spAutoFit/>
-          </a:bodyPr>
-          <a:lstStyle/>
-          <a:p>
-            <a:r>
-              <a:rPr lang="es-PE" sz="1200" b="1" dirty="0">
-                <a:solidFill>
-                  <a:srgbClr val="895EBE"/>
-                </a:solidFill>
-              </a:rPr>
-              <a:t>SERVICES</a:t>
-            </a:r>
-          </a:p>
-          <a:p>
-            <a:r>
-              <a:rPr lang="es-PE" sz="1200" i="1" dirty="0">
-                <a:solidFill>
-                  <a:schemeClr val="accent3"/>
-                </a:solidFill>
-              </a:rPr>
-              <a:t># Display </a:t>
-            </a:r>
-            <a:r>
-              <a:rPr lang="es-PE" sz="1200" i="1" dirty="0" err="1">
-                <a:solidFill>
-                  <a:schemeClr val="accent3"/>
-                </a:solidFill>
-              </a:rPr>
-              <a:t>all</a:t>
-            </a:r>
-            <a:r>
-              <a:rPr lang="es-PE" sz="1200" i="1" dirty="0">
-                <a:solidFill>
-                  <a:schemeClr val="accent3"/>
-                </a:solidFill>
-              </a:rPr>
-              <a:t> </a:t>
-            </a:r>
-            <a:r>
-              <a:rPr lang="es-PE" sz="1200" i="1" dirty="0" err="1">
-                <a:solidFill>
-                  <a:schemeClr val="accent3"/>
-                </a:solidFill>
-              </a:rPr>
-              <a:t>services</a:t>
-            </a:r>
-            <a:r>
-              <a:rPr lang="es-PE" sz="1200" i="1" dirty="0">
-                <a:solidFill>
-                  <a:schemeClr val="accent3"/>
-                </a:solidFill>
-              </a:rPr>
-              <a:t> </a:t>
-            </a:r>
-            <a:r>
-              <a:rPr lang="es-PE" sz="1200" i="1" dirty="0" err="1">
-                <a:solidFill>
-                  <a:schemeClr val="accent3"/>
-                </a:solidFill>
-              </a:rPr>
-              <a:t>information</a:t>
-            </a:r>
-            <a:endParaRPr lang="es-PE" sz="1200" i="1" dirty="0">
-              <a:solidFill>
-                <a:schemeClr val="accent3"/>
-              </a:solidFill>
-            </a:endParaRPr>
-          </a:p>
-          <a:p>
-            <a:r>
-              <a:rPr lang="es-PE" sz="1200" b="1" dirty="0" err="1"/>
-              <a:t>kubectl</a:t>
-            </a:r>
-            <a:r>
-              <a:rPr lang="es-PE" sz="1200" b="1" dirty="0"/>
-              <a:t> </a:t>
-            </a:r>
-            <a:r>
-              <a:rPr lang="es-PE" sz="1200" b="1" dirty="0" err="1"/>
-              <a:t>get</a:t>
-            </a:r>
-            <a:r>
-              <a:rPr lang="es-PE" sz="1200" b="1" dirty="0"/>
-              <a:t> </a:t>
-            </a:r>
-            <a:r>
-              <a:rPr lang="es-PE" sz="1200" b="1" dirty="0" err="1"/>
-              <a:t>svc</a:t>
-            </a:r>
-            <a:endParaRPr lang="es-PE" sz="1200" b="1" dirty="0"/>
-          </a:p>
-          <a:p>
-            <a:endParaRPr lang="es-PE" sz="1200" dirty="0">
-              <a:solidFill>
-                <a:srgbClr val="CC00CC"/>
-              </a:solidFill>
-            </a:endParaRPr>
-          </a:p>
-          <a:p>
-            <a:r>
-              <a:rPr lang="es-PE" sz="1200" i="1" dirty="0">
-                <a:solidFill>
-                  <a:schemeClr val="accent3"/>
-                </a:solidFill>
-              </a:rPr>
-              <a:t># Display </a:t>
-            </a:r>
-            <a:r>
-              <a:rPr lang="es-PE" sz="1200" i="1" dirty="0" err="1">
-                <a:solidFill>
-                  <a:schemeClr val="accent3"/>
-                </a:solidFill>
-              </a:rPr>
-              <a:t>services</a:t>
-            </a:r>
-            <a:r>
-              <a:rPr lang="es-PE" sz="1200" i="1" dirty="0">
-                <a:solidFill>
-                  <a:schemeClr val="accent3"/>
-                </a:solidFill>
-              </a:rPr>
-              <a:t> </a:t>
-            </a:r>
-            <a:r>
-              <a:rPr lang="es-PE" sz="1200" i="1" dirty="0" err="1">
-                <a:solidFill>
-                  <a:schemeClr val="accent3"/>
-                </a:solidFill>
-              </a:rPr>
-              <a:t>details</a:t>
-            </a:r>
-            <a:endParaRPr lang="es-PE" sz="1200" i="1" dirty="0">
-              <a:solidFill>
-                <a:schemeClr val="accent3"/>
-              </a:solidFill>
-            </a:endParaRPr>
-          </a:p>
-          <a:p>
-            <a:r>
-              <a:rPr lang="es-PE" sz="1200" b="1" dirty="0" err="1"/>
-              <a:t>kubectl</a:t>
-            </a:r>
-            <a:r>
-              <a:rPr lang="es-PE" sz="1200" b="1" dirty="0"/>
-              <a:t> describe </a:t>
-            </a:r>
-            <a:r>
-              <a:rPr lang="es-PE" sz="1200" b="1" dirty="0" err="1"/>
-              <a:t>svc</a:t>
-            </a:r>
-            <a:endParaRPr lang="es-PE" sz="1200" b="1" dirty="0"/>
-          </a:p>
-          <a:p>
-            <a:endParaRPr lang="es-PE" sz="1200" dirty="0">
-              <a:solidFill>
-                <a:srgbClr val="CC00CC"/>
-              </a:solidFill>
-            </a:endParaRPr>
-          </a:p>
-          <a:p>
-            <a:r>
-              <a:rPr lang="es-PE" sz="1200" i="1" dirty="0">
-                <a:solidFill>
-                  <a:schemeClr val="accent3"/>
-                </a:solidFill>
-              </a:rPr>
-              <a:t># Show more </a:t>
-            </a:r>
-            <a:r>
-              <a:rPr lang="es-PE" sz="1200" i="1" dirty="0" err="1">
-                <a:solidFill>
-                  <a:schemeClr val="accent3"/>
-                </a:solidFill>
-              </a:rPr>
-              <a:t>information</a:t>
-            </a:r>
-            <a:r>
-              <a:rPr lang="es-PE" sz="1200" i="1" dirty="0">
-                <a:solidFill>
-                  <a:schemeClr val="accent3"/>
-                </a:solidFill>
-              </a:rPr>
-              <a:t> </a:t>
-            </a:r>
-            <a:r>
-              <a:rPr lang="es-PE" sz="1200" i="1" dirty="0" err="1">
-                <a:solidFill>
-                  <a:schemeClr val="accent3"/>
-                </a:solidFill>
-              </a:rPr>
-              <a:t>about</a:t>
-            </a:r>
-            <a:r>
-              <a:rPr lang="es-PE" sz="1200" i="1" dirty="0">
-                <a:solidFill>
-                  <a:schemeClr val="accent3"/>
-                </a:solidFill>
-              </a:rPr>
-              <a:t> </a:t>
-            </a:r>
-            <a:r>
-              <a:rPr lang="es-PE" sz="1200" i="1" dirty="0" err="1">
-                <a:solidFill>
-                  <a:schemeClr val="accent3"/>
-                </a:solidFill>
-              </a:rPr>
-              <a:t>all</a:t>
-            </a:r>
-            <a:endParaRPr lang="es-PE" sz="1200" i="1" dirty="0">
-              <a:solidFill>
-                <a:schemeClr val="accent3"/>
-              </a:solidFill>
-            </a:endParaRPr>
-          </a:p>
-          <a:p>
-            <a:r>
-              <a:rPr lang="es-PE" sz="1200" i="1" dirty="0">
-                <a:solidFill>
-                  <a:schemeClr val="accent3"/>
-                </a:solidFill>
-              </a:rPr>
-              <a:t> </a:t>
-            </a:r>
-            <a:r>
-              <a:rPr lang="es-PE" sz="1200" i="1" dirty="0" err="1">
-                <a:solidFill>
-                  <a:schemeClr val="accent3"/>
-                </a:solidFill>
-              </a:rPr>
-              <a:t>services</a:t>
-            </a:r>
-            <a:endParaRPr lang="es-PE" sz="1200" i="1" dirty="0">
-              <a:solidFill>
-                <a:schemeClr val="accent3"/>
-              </a:solidFill>
-            </a:endParaRPr>
-          </a:p>
-          <a:p>
-            <a:r>
-              <a:rPr lang="es-PE" sz="1200" b="1" dirty="0" err="1"/>
-              <a:t>kubectl</a:t>
-            </a:r>
-            <a:r>
-              <a:rPr lang="es-PE" sz="1200" b="1" dirty="0"/>
-              <a:t> </a:t>
-            </a:r>
-            <a:r>
-              <a:rPr lang="es-PE" sz="1200" b="1" dirty="0" err="1"/>
-              <a:t>get</a:t>
-            </a:r>
-            <a:r>
-              <a:rPr lang="es-PE" sz="1200" b="1" dirty="0"/>
-              <a:t> </a:t>
-            </a:r>
-            <a:r>
-              <a:rPr lang="es-PE" sz="1200" b="1" dirty="0" err="1"/>
-              <a:t>svc</a:t>
-            </a:r>
-            <a:r>
-              <a:rPr lang="es-PE" sz="1200" b="1" dirty="0"/>
-              <a:t> -o </a:t>
-            </a:r>
-            <a:r>
-              <a:rPr lang="es-PE" sz="1200" b="1" dirty="0" err="1"/>
-              <a:t>wide</a:t>
-            </a:r>
-            <a:endParaRPr lang="es-PE" sz="1200" b="1" dirty="0"/>
-          </a:p>
-          <a:p>
-            <a:endParaRPr lang="es-PE" sz="1200" dirty="0">
-              <a:solidFill>
-                <a:srgbClr val="CC00CC"/>
-              </a:solidFill>
-            </a:endParaRPr>
-          </a:p>
-          <a:p>
-            <a:r>
-              <a:rPr lang="es-PE" sz="1200" i="1" dirty="0">
-                <a:solidFill>
-                  <a:schemeClr val="accent3"/>
-                </a:solidFill>
-              </a:rPr>
-              <a:t># Display a </a:t>
-            </a:r>
-            <a:r>
-              <a:rPr lang="es-PE" sz="1200" i="1" dirty="0" err="1">
-                <a:solidFill>
-                  <a:schemeClr val="accent3"/>
-                </a:solidFill>
-              </a:rPr>
-              <a:t>pod's</a:t>
-            </a:r>
-            <a:r>
-              <a:rPr lang="es-PE" sz="1200" i="1" dirty="0">
-                <a:solidFill>
-                  <a:schemeClr val="accent3"/>
-                </a:solidFill>
-              </a:rPr>
-              <a:t> </a:t>
-            </a:r>
-            <a:r>
-              <a:rPr lang="es-PE" sz="1200" i="1" dirty="0" err="1">
-                <a:solidFill>
-                  <a:schemeClr val="accent3"/>
-                </a:solidFill>
-              </a:rPr>
-              <a:t>label</a:t>
-            </a:r>
-            <a:endParaRPr lang="es-PE" sz="1200" i="1" dirty="0">
-              <a:solidFill>
-                <a:schemeClr val="accent3"/>
-              </a:solidFill>
-            </a:endParaRPr>
-          </a:p>
-          <a:p>
-            <a:r>
-              <a:rPr lang="es-PE" sz="1200" b="1" dirty="0" err="1"/>
-              <a:t>kubectl</a:t>
-            </a:r>
-            <a:r>
-              <a:rPr lang="es-PE" sz="1200" b="1" dirty="0"/>
-              <a:t> </a:t>
-            </a:r>
-            <a:r>
-              <a:rPr lang="es-PE" sz="1200" b="1" dirty="0" err="1"/>
-              <a:t>get</a:t>
-            </a:r>
-            <a:r>
-              <a:rPr lang="es-PE" sz="1200" b="1" dirty="0"/>
-              <a:t> </a:t>
-            </a:r>
-            <a:r>
-              <a:rPr lang="es-PE" sz="1200" b="1" dirty="0" err="1"/>
-              <a:t>svc</a:t>
-            </a:r>
-            <a:r>
-              <a:rPr lang="es-PE" sz="1200" b="1" dirty="0"/>
-              <a:t> --show-</a:t>
-            </a:r>
-            <a:r>
-              <a:rPr lang="es-PE" sz="1200" b="1" dirty="0" err="1"/>
-              <a:t>labels</a:t>
-            </a:r>
-            <a:endParaRPr lang="es-PE" sz="1200" b="1" dirty="0"/>
-          </a:p>
-        </p:txBody>
-      </p:sp>
-      <p:sp>
-        <p:nvSpPr>
-          <p:cNvPr id="15" name="CuadroTexto 14">
-            <a:extLst>
-              <a:ext uri="{FF2B5EF4-FFF2-40B4-BE49-F238E27FC236}">
-                <a16:creationId xmlns:a16="http://schemas.microsoft.com/office/drawing/2014/main" id="{24904491-A5C4-4875-A88C-9B7F2E3F18EA}"/>
-              </a:ext>
-            </a:extLst>
-          </p:cNvPr>
-          <p:cNvSpPr txBox="1"/>
-          <p:nvPr/>
-        </p:nvSpPr>
-        <p:spPr>
-          <a:xfrm>
-            <a:off x="3080860" y="1217116"/>
-            <a:ext cx="2921959" cy="2308324"/>
-          </a:xfrm>
-          <a:prstGeom prst="rect">
-            <a:avLst/>
-          </a:prstGeom>
-          <a:noFill/>
-          <a:ln>
-            <a:noFill/>
-          </a:ln>
-        </p:spPr>
-        <p:txBody>
-          <a:bodyPr wrap="square" rtlCol="0">
-            <a:spAutoFit/>
-          </a:bodyPr>
-          <a:lstStyle/>
-          <a:p>
-            <a:r>
-              <a:rPr lang="es-PE" sz="1200" b="1" dirty="0">
-                <a:solidFill>
-                  <a:srgbClr val="895EBE"/>
-                </a:solidFill>
-              </a:rPr>
-              <a:t>DAEMON</a:t>
-            </a:r>
-            <a:r>
-              <a:rPr lang="es-PE" sz="1200" dirty="0">
-                <a:solidFill>
-                  <a:srgbClr val="CC00CC"/>
-                </a:solidFill>
-              </a:rPr>
-              <a:t> </a:t>
-            </a:r>
-            <a:r>
-              <a:rPr lang="es-PE" sz="1200" b="1" dirty="0">
-                <a:solidFill>
-                  <a:srgbClr val="895EBE"/>
-                </a:solidFill>
-              </a:rPr>
-              <a:t>SETS</a:t>
-            </a:r>
-          </a:p>
-          <a:p>
-            <a:r>
-              <a:rPr lang="es-PE" sz="1200" i="1" dirty="0">
-                <a:solidFill>
-                  <a:schemeClr val="accent3"/>
-                </a:solidFill>
-              </a:rPr>
-              <a:t># Display </a:t>
-            </a:r>
-            <a:r>
-              <a:rPr lang="es-PE" sz="1200" i="1" dirty="0" err="1">
-                <a:solidFill>
-                  <a:schemeClr val="accent3"/>
-                </a:solidFill>
-              </a:rPr>
-              <a:t>all</a:t>
-            </a:r>
-            <a:r>
-              <a:rPr lang="es-PE" sz="1200" i="1" dirty="0">
-                <a:solidFill>
-                  <a:schemeClr val="accent3"/>
-                </a:solidFill>
-              </a:rPr>
-              <a:t> </a:t>
-            </a:r>
-            <a:r>
-              <a:rPr lang="es-PE" sz="1200" i="1" dirty="0" err="1">
-                <a:solidFill>
-                  <a:schemeClr val="accent3"/>
-                </a:solidFill>
-              </a:rPr>
-              <a:t>daemon</a:t>
-            </a:r>
-            <a:r>
-              <a:rPr lang="es-PE" sz="1200" i="1" dirty="0">
-                <a:solidFill>
-                  <a:schemeClr val="accent3"/>
-                </a:solidFill>
-              </a:rPr>
-              <a:t> sets </a:t>
-            </a:r>
-            <a:r>
-              <a:rPr lang="es-PE" sz="1200" i="1" dirty="0" err="1">
-                <a:solidFill>
-                  <a:schemeClr val="accent3"/>
-                </a:solidFill>
-              </a:rPr>
-              <a:t>information</a:t>
-            </a:r>
-            <a:endParaRPr lang="es-PE" sz="1200" i="1" dirty="0">
-              <a:solidFill>
-                <a:schemeClr val="accent3"/>
-              </a:solidFill>
-            </a:endParaRPr>
-          </a:p>
-          <a:p>
-            <a:r>
-              <a:rPr lang="es-PE" sz="1200" b="1" dirty="0" err="1"/>
-              <a:t>kubectl</a:t>
-            </a:r>
-            <a:r>
-              <a:rPr lang="es-PE" sz="1200" b="1" dirty="0"/>
-              <a:t> </a:t>
-            </a:r>
-            <a:r>
-              <a:rPr lang="es-PE" sz="1200" b="1" dirty="0" err="1"/>
-              <a:t>get</a:t>
-            </a:r>
-            <a:r>
-              <a:rPr lang="es-PE" sz="1200" b="1" dirty="0"/>
-              <a:t> </a:t>
-            </a:r>
-            <a:r>
-              <a:rPr lang="es-PE" sz="1200" b="1" dirty="0" err="1"/>
-              <a:t>ds</a:t>
-            </a:r>
-            <a:endParaRPr lang="es-PE" sz="1200" b="1" dirty="0"/>
-          </a:p>
-          <a:p>
-            <a:endParaRPr lang="es-PE" sz="1200" dirty="0">
-              <a:solidFill>
-                <a:srgbClr val="CC00CC"/>
-              </a:solidFill>
-            </a:endParaRPr>
-          </a:p>
-          <a:p>
-            <a:r>
-              <a:rPr lang="es-PE" sz="1200" i="1" dirty="0">
-                <a:solidFill>
-                  <a:schemeClr val="accent3"/>
-                </a:solidFill>
-              </a:rPr>
-              <a:t># Display </a:t>
-            </a:r>
-            <a:r>
-              <a:rPr lang="es-PE" sz="1200" i="1" dirty="0" err="1">
-                <a:solidFill>
-                  <a:schemeClr val="accent3"/>
-                </a:solidFill>
-              </a:rPr>
-              <a:t>the</a:t>
-            </a:r>
-            <a:r>
-              <a:rPr lang="es-PE" sz="1200" i="1" dirty="0">
-                <a:solidFill>
-                  <a:schemeClr val="accent3"/>
-                </a:solidFill>
-              </a:rPr>
-              <a:t> </a:t>
-            </a:r>
-            <a:r>
-              <a:rPr lang="es-PE" sz="1200" i="1" dirty="0" err="1">
-                <a:solidFill>
-                  <a:schemeClr val="accent3"/>
-                </a:solidFill>
-              </a:rPr>
-              <a:t>detailed</a:t>
-            </a:r>
-            <a:r>
-              <a:rPr lang="es-PE" sz="1200" i="1" dirty="0">
-                <a:solidFill>
-                  <a:schemeClr val="accent3"/>
-                </a:solidFill>
-              </a:rPr>
-              <a:t> </a:t>
-            </a:r>
-            <a:r>
-              <a:rPr lang="es-PE" sz="1200" i="1" dirty="0" err="1">
-                <a:solidFill>
-                  <a:schemeClr val="accent3"/>
-                </a:solidFill>
-              </a:rPr>
-              <a:t>state</a:t>
-            </a:r>
-            <a:r>
-              <a:rPr lang="es-PE" sz="1200" i="1" dirty="0">
-                <a:solidFill>
-                  <a:schemeClr val="accent3"/>
-                </a:solidFill>
-              </a:rPr>
-              <a:t> </a:t>
-            </a:r>
-            <a:r>
-              <a:rPr lang="es-PE" sz="1200" i="1" dirty="0" err="1">
-                <a:solidFill>
-                  <a:schemeClr val="accent3"/>
-                </a:solidFill>
-              </a:rPr>
-              <a:t>of</a:t>
-            </a:r>
-            <a:r>
-              <a:rPr lang="es-PE" sz="1200" i="1" dirty="0">
-                <a:solidFill>
-                  <a:schemeClr val="accent3"/>
-                </a:solidFill>
-              </a:rPr>
-              <a:t> </a:t>
-            </a:r>
-            <a:r>
-              <a:rPr lang="es-PE" sz="1200" i="1" dirty="0" err="1">
-                <a:solidFill>
-                  <a:schemeClr val="accent3"/>
-                </a:solidFill>
-              </a:rPr>
-              <a:t>daemonsets</a:t>
-            </a:r>
-            <a:r>
-              <a:rPr lang="es-PE" sz="1200" i="1" dirty="0">
-                <a:solidFill>
-                  <a:schemeClr val="accent3"/>
-                </a:solidFill>
-              </a:rPr>
-              <a:t> </a:t>
-            </a:r>
-            <a:r>
-              <a:rPr lang="es-PE" sz="1200" i="1" dirty="0" err="1">
-                <a:solidFill>
-                  <a:schemeClr val="accent3"/>
-                </a:solidFill>
-              </a:rPr>
-              <a:t>within</a:t>
-            </a:r>
-            <a:r>
-              <a:rPr lang="es-PE" sz="1200" i="1" dirty="0">
-                <a:solidFill>
-                  <a:schemeClr val="accent3"/>
-                </a:solidFill>
-              </a:rPr>
-              <a:t> </a:t>
-            </a:r>
-            <a:r>
-              <a:rPr lang="es-PE" sz="1200" i="1" dirty="0" err="1">
-                <a:solidFill>
-                  <a:schemeClr val="accent3"/>
-                </a:solidFill>
-              </a:rPr>
-              <a:t>all</a:t>
-            </a:r>
-            <a:r>
-              <a:rPr lang="es-PE" sz="1200" i="1" dirty="0">
-                <a:solidFill>
-                  <a:schemeClr val="accent3"/>
-                </a:solidFill>
-              </a:rPr>
-              <a:t> </a:t>
-            </a:r>
-            <a:r>
-              <a:rPr lang="es-PE" sz="1200" i="1" dirty="0" err="1">
-                <a:solidFill>
-                  <a:schemeClr val="accent3"/>
-                </a:solidFill>
-              </a:rPr>
-              <a:t>namespaces</a:t>
-            </a:r>
-            <a:endParaRPr lang="es-PE" sz="1200" i="1" dirty="0">
-              <a:solidFill>
-                <a:schemeClr val="accent3"/>
-              </a:solidFill>
-            </a:endParaRPr>
-          </a:p>
-          <a:p>
-            <a:r>
-              <a:rPr lang="es-PE" sz="1200" b="1" dirty="0" err="1"/>
-              <a:t>kubectl</a:t>
-            </a:r>
-            <a:r>
-              <a:rPr lang="es-PE" sz="1200" b="1" dirty="0"/>
-              <a:t> describe </a:t>
-            </a:r>
-            <a:r>
-              <a:rPr lang="es-PE" sz="1200" b="1" dirty="0" err="1"/>
-              <a:t>ds</a:t>
-            </a:r>
-            <a:r>
-              <a:rPr lang="es-PE" sz="1200" b="1" dirty="0"/>
-              <a:t> --</a:t>
-            </a:r>
-            <a:r>
-              <a:rPr lang="es-PE" sz="1200" b="1" dirty="0" err="1"/>
-              <a:t>all-namespaces</a:t>
-            </a:r>
-            <a:endParaRPr lang="es-PE" sz="1200" b="1" dirty="0"/>
-          </a:p>
-          <a:p>
-            <a:endParaRPr lang="es-PE" sz="1200" dirty="0">
-              <a:solidFill>
-                <a:srgbClr val="CC00CC"/>
-              </a:solidFill>
-            </a:endParaRPr>
-          </a:p>
-          <a:p>
-            <a:r>
-              <a:rPr lang="es-PE" sz="1200" i="1" dirty="0">
-                <a:solidFill>
-                  <a:schemeClr val="accent3"/>
-                </a:solidFill>
-              </a:rPr>
-              <a:t># Display </a:t>
-            </a:r>
-            <a:r>
-              <a:rPr lang="es-PE" sz="1200" i="1" dirty="0" err="1">
-                <a:solidFill>
-                  <a:schemeClr val="accent3"/>
-                </a:solidFill>
-              </a:rPr>
-              <a:t>the</a:t>
-            </a:r>
-            <a:r>
-              <a:rPr lang="es-PE" sz="1200" i="1" dirty="0">
-                <a:solidFill>
-                  <a:schemeClr val="accent3"/>
-                </a:solidFill>
-              </a:rPr>
-              <a:t> </a:t>
-            </a:r>
-            <a:r>
-              <a:rPr lang="es-PE" sz="1200" i="1" dirty="0" err="1">
-                <a:solidFill>
-                  <a:schemeClr val="accent3"/>
-                </a:solidFill>
-              </a:rPr>
-              <a:t>detailed</a:t>
-            </a:r>
-            <a:r>
-              <a:rPr lang="es-PE" sz="1200" i="1" dirty="0">
-                <a:solidFill>
-                  <a:schemeClr val="accent3"/>
-                </a:solidFill>
-              </a:rPr>
-              <a:t> </a:t>
-            </a:r>
-            <a:r>
-              <a:rPr lang="es-PE" sz="1200" i="1" dirty="0" err="1">
-                <a:solidFill>
-                  <a:schemeClr val="accent3"/>
-                </a:solidFill>
-              </a:rPr>
-              <a:t>state</a:t>
-            </a:r>
-            <a:r>
-              <a:rPr lang="es-PE" sz="1200" i="1" dirty="0">
-                <a:solidFill>
-                  <a:schemeClr val="accent3"/>
-                </a:solidFill>
-              </a:rPr>
-              <a:t> </a:t>
-            </a:r>
-            <a:r>
-              <a:rPr lang="es-PE" sz="1200" i="1" dirty="0" err="1">
-                <a:solidFill>
-                  <a:schemeClr val="accent3"/>
-                </a:solidFill>
-              </a:rPr>
-              <a:t>of</a:t>
-            </a:r>
-            <a:r>
-              <a:rPr lang="es-PE" sz="1200" i="1" dirty="0">
-                <a:solidFill>
-                  <a:schemeClr val="accent3"/>
-                </a:solidFill>
-              </a:rPr>
-              <a:t> </a:t>
-            </a:r>
-            <a:r>
-              <a:rPr lang="es-PE" sz="1200" i="1" dirty="0" err="1">
-                <a:solidFill>
-                  <a:schemeClr val="accent3"/>
-                </a:solidFill>
-              </a:rPr>
-              <a:t>daemonsets</a:t>
-            </a:r>
-            <a:r>
-              <a:rPr lang="es-PE" sz="1200" i="1" dirty="0">
-                <a:solidFill>
-                  <a:schemeClr val="accent3"/>
-                </a:solidFill>
-              </a:rPr>
-              <a:t> </a:t>
-            </a:r>
-            <a:r>
-              <a:rPr lang="es-PE" sz="1200" i="1" dirty="0" err="1">
-                <a:solidFill>
-                  <a:schemeClr val="accent3"/>
-                </a:solidFill>
-              </a:rPr>
-              <a:t>within</a:t>
-            </a:r>
-            <a:r>
-              <a:rPr lang="es-PE" sz="1200" i="1" dirty="0">
-                <a:solidFill>
-                  <a:schemeClr val="accent3"/>
-                </a:solidFill>
-              </a:rPr>
-              <a:t> a </a:t>
-            </a:r>
-            <a:r>
-              <a:rPr lang="es-PE" sz="1200" i="1" dirty="0" err="1">
-                <a:solidFill>
-                  <a:schemeClr val="accent3"/>
-                </a:solidFill>
-              </a:rPr>
-              <a:t>namespace</a:t>
-            </a:r>
-            <a:endParaRPr lang="es-PE" sz="1200" i="1" dirty="0">
-              <a:solidFill>
-                <a:schemeClr val="accent3"/>
-              </a:solidFill>
-            </a:endParaRPr>
-          </a:p>
-          <a:p>
-            <a:r>
-              <a:rPr lang="es-PE" sz="1200" b="1" dirty="0" err="1"/>
-              <a:t>kubectl</a:t>
-            </a:r>
-            <a:r>
-              <a:rPr lang="es-PE" sz="1200" b="1" dirty="0"/>
-              <a:t> describe </a:t>
-            </a:r>
-            <a:r>
-              <a:rPr lang="es-PE" sz="1200" b="1" dirty="0" err="1"/>
-              <a:t>ds</a:t>
-            </a:r>
-            <a:r>
-              <a:rPr lang="es-PE" sz="1200" b="1" dirty="0"/>
-              <a:t> [</a:t>
-            </a:r>
-            <a:r>
-              <a:rPr lang="es-PE" sz="1200" b="1" dirty="0" err="1"/>
-              <a:t>daemonset_name</a:t>
-            </a:r>
-            <a:r>
-              <a:rPr lang="es-PE" sz="1200" b="1" dirty="0"/>
-              <a:t>] -n [</a:t>
-            </a:r>
-            <a:r>
-              <a:rPr lang="es-PE" sz="1200" b="1" dirty="0" err="1"/>
-              <a:t>namespace_name</a:t>
-            </a:r>
-            <a:r>
-              <a:rPr lang="es-PE" sz="1200" b="1" dirty="0"/>
-              <a:t>]</a:t>
-            </a:r>
-          </a:p>
-        </p:txBody>
-      </p:sp>
-      <p:sp>
-        <p:nvSpPr>
-          <p:cNvPr id="16" name="CuadroTexto 15">
-            <a:extLst>
-              <a:ext uri="{FF2B5EF4-FFF2-40B4-BE49-F238E27FC236}">
-                <a16:creationId xmlns:a16="http://schemas.microsoft.com/office/drawing/2014/main" id="{86E23FBD-D62F-4613-865F-011A58C98BEE}"/>
-              </a:ext>
-            </a:extLst>
-          </p:cNvPr>
-          <p:cNvSpPr txBox="1"/>
-          <p:nvPr/>
-        </p:nvSpPr>
-        <p:spPr>
-          <a:xfrm>
-            <a:off x="6015503" y="1202918"/>
-            <a:ext cx="2921959" cy="3600986"/>
-          </a:xfrm>
-          <a:prstGeom prst="rect">
-            <a:avLst/>
-          </a:prstGeom>
-          <a:noFill/>
-          <a:ln>
-            <a:noFill/>
-          </a:ln>
-        </p:spPr>
-        <p:txBody>
-          <a:bodyPr wrap="square" rtlCol="0">
-            <a:spAutoFit/>
-          </a:bodyPr>
-          <a:lstStyle/>
-          <a:p>
-            <a:r>
-              <a:rPr lang="es-ES" sz="1200" b="1" dirty="0">
-                <a:solidFill>
-                  <a:srgbClr val="895EBE"/>
-                </a:solidFill>
-              </a:rPr>
-              <a:t>REGISTROS</a:t>
-            </a:r>
-          </a:p>
-          <a:p>
-            <a:r>
-              <a:rPr lang="es-ES" sz="1200" i="1" dirty="0">
-                <a:solidFill>
-                  <a:schemeClr val="accent3"/>
-                </a:solidFill>
-              </a:rPr>
-              <a:t># Mostrar toda la información de registros de un </a:t>
-            </a:r>
-            <a:r>
-              <a:rPr lang="es-ES" sz="1200" i="1" dirty="0" err="1">
-                <a:solidFill>
-                  <a:schemeClr val="accent3"/>
-                </a:solidFill>
-              </a:rPr>
-              <a:t>pod</a:t>
-            </a:r>
-            <a:r>
-              <a:rPr lang="es-ES" sz="1200" i="1" dirty="0">
-                <a:solidFill>
-                  <a:schemeClr val="accent3"/>
-                </a:solidFill>
-              </a:rPr>
-              <a:t> específico</a:t>
-            </a:r>
-          </a:p>
-          <a:p>
-            <a:r>
-              <a:rPr lang="es-ES" sz="1200" b="1" dirty="0" err="1"/>
-              <a:t>kubectl</a:t>
-            </a:r>
-            <a:r>
-              <a:rPr lang="es-ES" sz="1200" b="1" dirty="0"/>
-              <a:t> logs [</a:t>
-            </a:r>
-            <a:r>
-              <a:rPr lang="es-ES" sz="1200" b="1" dirty="0" err="1"/>
-              <a:t>pod_name</a:t>
-            </a:r>
-            <a:r>
-              <a:rPr lang="es-ES" sz="1200" b="1" dirty="0"/>
-              <a:t>]</a:t>
-            </a:r>
-          </a:p>
-          <a:p>
-            <a:endParaRPr lang="es-ES" sz="1200" b="1" dirty="0"/>
-          </a:p>
-          <a:p>
-            <a:r>
-              <a:rPr lang="es-ES" sz="1200" i="1" dirty="0">
-                <a:solidFill>
-                  <a:schemeClr val="accent3"/>
-                </a:solidFill>
-              </a:rPr>
-              <a:t># Mostrar toda la información de registros de un </a:t>
-            </a:r>
-            <a:r>
-              <a:rPr lang="es-ES" sz="1200" i="1" dirty="0" err="1">
-                <a:solidFill>
-                  <a:schemeClr val="accent3"/>
-                </a:solidFill>
-              </a:rPr>
-              <a:t>pod</a:t>
-            </a:r>
-            <a:r>
-              <a:rPr lang="es-ES" sz="1200" i="1" dirty="0">
-                <a:solidFill>
-                  <a:schemeClr val="accent3"/>
-                </a:solidFill>
-              </a:rPr>
-              <a:t> específico durante la última hora</a:t>
-            </a:r>
-          </a:p>
-          <a:p>
-            <a:r>
-              <a:rPr lang="es-ES" sz="1200" b="1" dirty="0" err="1"/>
-              <a:t>kubectl</a:t>
-            </a:r>
-            <a:r>
-              <a:rPr lang="es-ES" sz="1200" b="1" dirty="0"/>
-              <a:t> logs --</a:t>
-            </a:r>
-            <a:r>
-              <a:rPr lang="es-ES" sz="1200" b="1" dirty="0" err="1"/>
-              <a:t>since</a:t>
-            </a:r>
-            <a:r>
-              <a:rPr lang="es-ES" sz="1200" b="1" dirty="0"/>
-              <a:t>=1h [</a:t>
-            </a:r>
-            <a:r>
-              <a:rPr lang="es-ES" sz="1200" b="1" dirty="0" err="1"/>
-              <a:t>pod_name</a:t>
-            </a:r>
-            <a:r>
-              <a:rPr lang="es-ES" sz="1200" b="1" dirty="0"/>
-              <a:t>]</a:t>
-            </a:r>
-          </a:p>
-          <a:p>
-            <a:endParaRPr lang="es-ES" sz="1200" b="1" dirty="0"/>
-          </a:p>
-          <a:p>
-            <a:r>
-              <a:rPr lang="es-ES" sz="1200" i="1" dirty="0">
-                <a:solidFill>
-                  <a:schemeClr val="accent3"/>
-                </a:solidFill>
-              </a:rPr>
-              <a:t># Mostrar toda la información de registros de un </a:t>
-            </a:r>
-            <a:r>
-              <a:rPr lang="es-ES" sz="1200" i="1" dirty="0" err="1">
-                <a:solidFill>
-                  <a:schemeClr val="accent3"/>
-                </a:solidFill>
-              </a:rPr>
-              <a:t>pod</a:t>
-            </a:r>
-            <a:r>
-              <a:rPr lang="es-ES" sz="1200" i="1" dirty="0">
-                <a:solidFill>
-                  <a:schemeClr val="accent3"/>
-                </a:solidFill>
-              </a:rPr>
-              <a:t> específico en un contenedor específico</a:t>
-            </a:r>
-          </a:p>
-          <a:p>
-            <a:r>
-              <a:rPr lang="es-ES" sz="1200" b="1" dirty="0" err="1"/>
-              <a:t>kubectl</a:t>
-            </a:r>
-            <a:r>
-              <a:rPr lang="es-ES" sz="1200" b="1" dirty="0"/>
-              <a:t> logs -f -c [</a:t>
-            </a:r>
-            <a:r>
-              <a:rPr lang="es-ES" sz="1200" b="1" dirty="0" err="1"/>
-              <a:t>container_name</a:t>
-            </a:r>
-            <a:r>
-              <a:rPr lang="es-ES" sz="1200" b="1" dirty="0"/>
-              <a:t>] [</a:t>
-            </a:r>
-            <a:r>
-              <a:rPr lang="es-ES" sz="1200" b="1" dirty="0" err="1"/>
-              <a:t>pod_name</a:t>
-            </a:r>
-            <a:r>
-              <a:rPr lang="es-ES" sz="1200" b="1" dirty="0"/>
-              <a:t>]</a:t>
-            </a:r>
-          </a:p>
-          <a:p>
-            <a:endParaRPr lang="es-ES" sz="1200" b="1" dirty="0"/>
-          </a:p>
-          <a:p>
-            <a:r>
-              <a:rPr lang="es-ES" sz="1200" i="1" dirty="0">
-                <a:solidFill>
-                  <a:schemeClr val="accent3"/>
-                </a:solidFill>
-              </a:rPr>
-              <a:t># Transferir toda la información de registros de un </a:t>
-            </a:r>
-            <a:r>
-              <a:rPr lang="es-ES" sz="1200" i="1" dirty="0" err="1">
-                <a:solidFill>
-                  <a:schemeClr val="accent3"/>
-                </a:solidFill>
-              </a:rPr>
-              <a:t>pod</a:t>
-            </a:r>
-            <a:r>
-              <a:rPr lang="es-ES" sz="1200" i="1" dirty="0">
-                <a:solidFill>
-                  <a:schemeClr val="accent3"/>
-                </a:solidFill>
-              </a:rPr>
-              <a:t> específico en el archivo pod.log</a:t>
-            </a:r>
-          </a:p>
-          <a:p>
-            <a:r>
-              <a:rPr lang="es-ES" sz="1200" b="1" dirty="0" err="1"/>
-              <a:t>kubectl</a:t>
-            </a:r>
-            <a:r>
-              <a:rPr lang="es-ES" sz="1200" b="1" dirty="0"/>
-              <a:t> logs [</a:t>
-            </a:r>
-            <a:r>
-              <a:rPr lang="es-ES" sz="1200" b="1" dirty="0" err="1"/>
-              <a:t>pod_name</a:t>
-            </a:r>
-            <a:r>
-              <a:rPr lang="es-ES" sz="1200" b="1" dirty="0"/>
-              <a:t>] &gt; pod.log</a:t>
-            </a:r>
-          </a:p>
-          <a:p>
-            <a:endParaRPr lang="es-ES" sz="1200" b="1" dirty="0"/>
-          </a:p>
-        </p:txBody>
-      </p:sp>
-    </p:spTree>
-    <p:extLst>
-      <p:ext uri="{BB962C8B-B14F-4D97-AF65-F5344CB8AC3E}">
-        <p14:creationId xmlns:p14="http://schemas.microsoft.com/office/powerpoint/2010/main" val="1120799352"/>
-      </p:ext>
-    </p:extLst>
-  </p:cSld>
-  <p:clrMapOvr>
-    <a:masterClrMapping/>
-  </p:clrMapOvr>
-</p:sld>
-</file>
-
-<file path=ppt/slides/slide6.xml><?xml version="1.0" encoding="utf-8"?>
 <p:sld xmlns:a="http://schemas.openxmlformats.org/drawingml/2006/main" xmlns:r="http://schemas.openxmlformats.org/officeDocument/2006/relationships" xmlns:p="http://schemas.openxmlformats.org/presentationml/2006/main">
   <p:cSld>
     <p:spTree>
@@ -10397,7 +8942,7 @@
 </p:sld>
 </file>
 
-<file path=ppt/slides/slide7.xml><?xml version="1.0" encoding="utf-8"?>
+<file path=ppt/slides/slide5.xml><?xml version="1.0" encoding="utf-8"?>
 <p:sld xmlns:a="http://schemas.openxmlformats.org/drawingml/2006/main" xmlns:r="http://schemas.openxmlformats.org/officeDocument/2006/relationships" xmlns:p="http://schemas.openxmlformats.org/presentationml/2006/main">
   <p:cSld>
     <p:spTree>

--- a/01. Kubernet Sheet Personalizado/01.02. Evidencias/S01.-Kubernetes Cheat Sheet v1.pptx
+++ b/01. Kubernet Sheet Personalizado/01.02. Evidencias/S01.-Kubernetes Cheat Sheet v1.pptx
@@ -11,7 +11,7 @@
     <p:sldId id="300" r:id="rId2"/>
     <p:sldId id="305" r:id="rId3"/>
     <p:sldId id="307" r:id="rId4"/>
-    <p:sldId id="304" r:id="rId5"/>
+    <p:sldId id="308" r:id="rId5"/>
     <p:sldId id="269" r:id="rId6"/>
   </p:sldIdLst>
   <p:sldSz cx="12192000" cy="6858000"/>
@@ -201,7 +201,7 @@
           <a:p>
             <a:fld id="{57AC5772-74E7-4D43-B691-9D9FB840DB27}" type="datetimeFigureOut">
               <a:rPr lang="es-PE" smtClean="0"/>
-              <a:t>28/05/2025</a:t>
+              <a:t>29/05/2025</a:t>
             </a:fld>
             <a:endParaRPr lang="es-PE"/>
           </a:p>
@@ -684,7 +684,7 @@
           <a:p>
             <a:fld id="{B2120083-014B-44DE-BC4D-74D8506D26D9}" type="datetimeFigureOut">
               <a:rPr lang="es-PE" smtClean="0"/>
-              <a:t>28/05/2025</a:t>
+              <a:t>29/05/2025</a:t>
             </a:fld>
             <a:endParaRPr lang="es-PE"/>
           </a:p>
@@ -884,7 +884,7 @@
           <a:p>
             <a:fld id="{B2120083-014B-44DE-BC4D-74D8506D26D9}" type="datetimeFigureOut">
               <a:rPr lang="es-PE" smtClean="0"/>
-              <a:t>28/05/2025</a:t>
+              <a:t>29/05/2025</a:t>
             </a:fld>
             <a:endParaRPr lang="es-PE"/>
           </a:p>
@@ -1064,7 +1064,7 @@
           <a:p>
             <a:fld id="{B2120083-014B-44DE-BC4D-74D8506D26D9}" type="datetimeFigureOut">
               <a:rPr lang="es-PE" smtClean="0"/>
-              <a:t>28/05/2025</a:t>
+              <a:t>29/05/2025</a:t>
             </a:fld>
             <a:endParaRPr lang="es-PE"/>
           </a:p>
@@ -1340,7 +1340,7 @@
           <a:p>
             <a:fld id="{B2120083-014B-44DE-BC4D-74D8506D26D9}" type="datetimeFigureOut">
               <a:rPr lang="es-PE" smtClean="0"/>
-              <a:t>28/05/2025</a:t>
+              <a:t>29/05/2025</a:t>
             </a:fld>
             <a:endParaRPr lang="es-PE"/>
           </a:p>
@@ -1572,7 +1572,7 @@
           <a:p>
             <a:fld id="{B2120083-014B-44DE-BC4D-74D8506D26D9}" type="datetimeFigureOut">
               <a:rPr lang="es-PE" smtClean="0"/>
-              <a:t>28/05/2025</a:t>
+              <a:t>29/05/2025</a:t>
             </a:fld>
             <a:endParaRPr lang="es-PE"/>
           </a:p>
@@ -1939,7 +1939,7 @@
           <a:p>
             <a:fld id="{B2120083-014B-44DE-BC4D-74D8506D26D9}" type="datetimeFigureOut">
               <a:rPr lang="es-PE" smtClean="0"/>
-              <a:t>28/05/2025</a:t>
+              <a:t>29/05/2025</a:t>
             </a:fld>
             <a:endParaRPr lang="es-PE"/>
           </a:p>
@@ -2057,7 +2057,7 @@
           <a:p>
             <a:fld id="{B2120083-014B-44DE-BC4D-74D8506D26D9}" type="datetimeFigureOut">
               <a:rPr lang="es-PE" smtClean="0"/>
-              <a:t>28/05/2025</a:t>
+              <a:t>29/05/2025</a:t>
             </a:fld>
             <a:endParaRPr lang="es-PE"/>
           </a:p>
@@ -2152,7 +2152,7 @@
           <a:p>
             <a:fld id="{B2120083-014B-44DE-BC4D-74D8506D26D9}" type="datetimeFigureOut">
               <a:rPr lang="es-PE" smtClean="0"/>
-              <a:t>28/05/2025</a:t>
+              <a:t>29/05/2025</a:t>
             </a:fld>
             <a:endParaRPr lang="es-PE"/>
           </a:p>
@@ -2429,7 +2429,7 @@
           <a:p>
             <a:fld id="{B2120083-014B-44DE-BC4D-74D8506D26D9}" type="datetimeFigureOut">
               <a:rPr lang="es-PE" smtClean="0"/>
-              <a:t>28/05/2025</a:t>
+              <a:t>29/05/2025</a:t>
             </a:fld>
             <a:endParaRPr lang="es-PE"/>
           </a:p>
@@ -2682,7 +2682,7 @@
           <a:p>
             <a:fld id="{B2120083-014B-44DE-BC4D-74D8506D26D9}" type="datetimeFigureOut">
               <a:rPr lang="es-PE" smtClean="0"/>
-              <a:t>28/05/2025</a:t>
+              <a:t>29/05/2025</a:t>
             </a:fld>
             <a:endParaRPr lang="es-PE"/>
           </a:p>
@@ -2895,7 +2895,7 @@
           <a:p>
             <a:fld id="{B2120083-014B-44DE-BC4D-74D8506D26D9}" type="datetimeFigureOut">
               <a:rPr lang="es-PE" smtClean="0"/>
-              <a:t>28/05/2025</a:t>
+              <a:t>29/05/2025</a:t>
             </a:fld>
             <a:endParaRPr lang="es-PE"/>
           </a:p>
@@ -7873,7 +7873,13 @@
   <p:cSld>
     <p:spTree>
       <p:nvGrpSpPr>
-        <p:cNvPr id="1" name=""/>
+        <p:cNvPr id="1" name="">
+          <a:extLst>
+            <a:ext uri="{FF2B5EF4-FFF2-40B4-BE49-F238E27FC236}">
+              <a16:creationId xmlns:a16="http://schemas.microsoft.com/office/drawing/2014/main" id="{9AAB70DF-394E-D39B-A639-2880224E9BFC}"/>
+            </a:ext>
+          </a:extLst>
+        </p:cNvPr>
         <p:cNvGrpSpPr/>
         <p:nvPr/>
       </p:nvGrpSpPr>
@@ -7887,10 +7893,430 @@
       </p:grpSpPr>
       <p:sp>
         <p:nvSpPr>
+          <p:cNvPr id="3" name="CuadroTexto 2">
+            <a:extLst>
+              <a:ext uri="{FF2B5EF4-FFF2-40B4-BE49-F238E27FC236}">
+                <a16:creationId xmlns:a16="http://schemas.microsoft.com/office/drawing/2014/main" id="{7A552F26-2282-FC02-FF87-196E2B7763EC}"/>
+              </a:ext>
+            </a:extLst>
+          </p:cNvPr>
+          <p:cNvSpPr txBox="1"/>
+          <p:nvPr/>
+        </p:nvSpPr>
+        <p:spPr>
+          <a:xfrm>
+            <a:off x="97149" y="936962"/>
+            <a:ext cx="2601834" cy="3647152"/>
+          </a:xfrm>
+          <a:prstGeom prst="rect">
+            <a:avLst/>
+          </a:prstGeom>
+          <a:noFill/>
+        </p:spPr>
+        <p:txBody>
+          <a:bodyPr wrap="square" rtlCol="0">
+            <a:spAutoFit/>
+          </a:bodyPr>
+          <a:lstStyle/>
+          <a:p>
+            <a:r>
+              <a:rPr lang="es-PE" sz="1200" b="1" dirty="0">
+                <a:solidFill>
+                  <a:srgbClr val="895EBE"/>
+                </a:solidFill>
+              </a:rPr>
+              <a:t>VOLUMENS</a:t>
+            </a:r>
+          </a:p>
+          <a:p>
+            <a:endParaRPr lang="es-PE" sz="1200" b="1" dirty="0">
+              <a:solidFill>
+                <a:srgbClr val="895EBE"/>
+              </a:solidFill>
+            </a:endParaRPr>
+          </a:p>
+          <a:p>
+            <a:r>
+              <a:rPr lang="en-US" sz="900" i="1" dirty="0">
+                <a:solidFill>
+                  <a:schemeClr val="accent3"/>
+                </a:solidFill>
+              </a:rPr>
+              <a:t># </a:t>
+            </a:r>
+            <a:r>
+              <a:rPr lang="es-MX" sz="900" i="1" dirty="0">
+                <a:solidFill>
+                  <a:schemeClr val="accent3"/>
+                </a:solidFill>
+              </a:rPr>
+              <a:t>Muestra todos los volúmenes persistentes disponibles en el clúster</a:t>
+            </a:r>
+            <a:endParaRPr lang="en-US" sz="900" i="1" dirty="0">
+              <a:solidFill>
+                <a:schemeClr val="accent3"/>
+              </a:solidFill>
+            </a:endParaRPr>
+          </a:p>
+          <a:p>
+            <a:r>
+              <a:rPr lang="en-US" sz="900" b="1" dirty="0" err="1"/>
+              <a:t>kubectl</a:t>
+            </a:r>
+            <a:r>
+              <a:rPr lang="en-US" sz="900" b="1" dirty="0"/>
+              <a:t> get </a:t>
+            </a:r>
+            <a:r>
+              <a:rPr lang="en-US" sz="900" b="1" dirty="0" err="1"/>
+              <a:t>pv</a:t>
+            </a:r>
+            <a:endParaRPr lang="en-US" sz="900" b="1" dirty="0"/>
+          </a:p>
+          <a:p>
+            <a:endParaRPr lang="en-US" sz="900" b="1" dirty="0"/>
+          </a:p>
+          <a:p>
+            <a:r>
+              <a:rPr lang="en-US" sz="900" i="1" dirty="0">
+                <a:solidFill>
+                  <a:schemeClr val="accent3"/>
+                </a:solidFill>
+              </a:rPr>
+              <a:t># Ver </a:t>
+            </a:r>
+            <a:r>
+              <a:rPr lang="en-US" sz="900" i="1" dirty="0" err="1">
+                <a:solidFill>
+                  <a:schemeClr val="accent3"/>
+                </a:solidFill>
+              </a:rPr>
+              <a:t>detalles</a:t>
+            </a:r>
+            <a:r>
+              <a:rPr lang="en-US" sz="900" i="1" dirty="0">
+                <a:solidFill>
+                  <a:schemeClr val="accent3"/>
+                </a:solidFill>
+              </a:rPr>
+              <a:t> de un </a:t>
+            </a:r>
+            <a:r>
+              <a:rPr lang="en-US" sz="900" i="1" dirty="0" err="1">
+                <a:solidFill>
+                  <a:schemeClr val="accent3"/>
+                </a:solidFill>
+              </a:rPr>
+              <a:t>PersistentVolume</a:t>
+            </a:r>
+            <a:endParaRPr lang="en-US" sz="900" i="1" dirty="0">
+              <a:solidFill>
+                <a:schemeClr val="accent3"/>
+              </a:solidFill>
+            </a:endParaRPr>
+          </a:p>
+          <a:p>
+            <a:r>
+              <a:rPr lang="en-US" sz="900" b="1" dirty="0" err="1"/>
+              <a:t>kubectl</a:t>
+            </a:r>
+            <a:r>
+              <a:rPr lang="en-US" sz="900" b="1" dirty="0"/>
+              <a:t> describe </a:t>
+            </a:r>
+            <a:r>
+              <a:rPr lang="en-US" sz="900" b="1" dirty="0" err="1"/>
+              <a:t>pv</a:t>
+            </a:r>
+            <a:r>
+              <a:rPr lang="en-US" sz="900" b="1" dirty="0"/>
+              <a:t> NAME_PV</a:t>
+            </a:r>
+          </a:p>
+          <a:p>
+            <a:endParaRPr lang="en-US" sz="900" b="1" dirty="0"/>
+          </a:p>
+          <a:p>
+            <a:r>
+              <a:rPr lang="en-US" sz="900" i="1" dirty="0">
+                <a:solidFill>
+                  <a:schemeClr val="accent3"/>
+                </a:solidFill>
+              </a:rPr>
+              <a:t># </a:t>
+            </a:r>
+            <a:r>
+              <a:rPr lang="es-MX" sz="900" i="1" dirty="0">
+                <a:solidFill>
+                  <a:schemeClr val="accent3"/>
+                </a:solidFill>
+              </a:rPr>
+              <a:t>Elimina un </a:t>
+            </a:r>
+            <a:r>
+              <a:rPr lang="es-MX" sz="900" i="1" dirty="0" err="1">
+                <a:solidFill>
+                  <a:schemeClr val="accent3"/>
+                </a:solidFill>
+              </a:rPr>
+              <a:t>PersistentVolume</a:t>
+            </a:r>
+            <a:endParaRPr lang="es-MX" sz="900" i="1" dirty="0">
+              <a:solidFill>
+                <a:schemeClr val="accent3"/>
+              </a:solidFill>
+            </a:endParaRPr>
+          </a:p>
+          <a:p>
+            <a:r>
+              <a:rPr lang="en-US" sz="900" b="1" dirty="0" err="1"/>
+              <a:t>kubectl</a:t>
+            </a:r>
+            <a:r>
+              <a:rPr lang="en-US" sz="900" b="1" dirty="0"/>
+              <a:t> delete </a:t>
+            </a:r>
+            <a:r>
+              <a:rPr lang="en-US" sz="900" b="1" dirty="0" err="1"/>
+              <a:t>pv</a:t>
+            </a:r>
+            <a:r>
+              <a:rPr lang="en-US" sz="900" b="1" dirty="0"/>
+              <a:t> NAME_PV</a:t>
+            </a:r>
+          </a:p>
+          <a:p>
+            <a:endParaRPr lang="en-US" sz="900" b="1" dirty="0"/>
+          </a:p>
+          <a:p>
+            <a:r>
+              <a:rPr lang="en-US" sz="900" i="1" dirty="0">
+                <a:solidFill>
+                  <a:schemeClr val="accent3"/>
+                </a:solidFill>
+              </a:rPr>
+              <a:t># </a:t>
+            </a:r>
+            <a:r>
+              <a:rPr lang="es-MX" sz="900" i="1" dirty="0">
+                <a:solidFill>
+                  <a:schemeClr val="accent3"/>
+                </a:solidFill>
+              </a:rPr>
+              <a:t>Lista todas las solicitudes de almacenamiento persistente en el </a:t>
+            </a:r>
+            <a:r>
+              <a:rPr lang="es-MX" sz="900" i="1" dirty="0" err="1">
+                <a:solidFill>
+                  <a:schemeClr val="accent3"/>
+                </a:solidFill>
+              </a:rPr>
+              <a:t>namespace</a:t>
+            </a:r>
+            <a:r>
+              <a:rPr lang="es-MX" sz="900" i="1" dirty="0">
+                <a:solidFill>
+                  <a:schemeClr val="accent3"/>
+                </a:solidFill>
+              </a:rPr>
+              <a:t> actual</a:t>
+            </a:r>
+          </a:p>
+          <a:p>
+            <a:r>
+              <a:rPr lang="en-US" sz="900" b="1" dirty="0" err="1"/>
+              <a:t>kubectl</a:t>
+            </a:r>
+            <a:r>
+              <a:rPr lang="en-US" sz="900" b="1" dirty="0"/>
+              <a:t> get </a:t>
+            </a:r>
+            <a:r>
+              <a:rPr lang="en-US" sz="900" b="1" dirty="0" err="1"/>
+              <a:t>pvc</a:t>
+            </a:r>
+            <a:endParaRPr lang="en-US" sz="900" b="1" dirty="0"/>
+          </a:p>
+          <a:p>
+            <a:endParaRPr lang="en-US" sz="900" b="1" dirty="0"/>
+          </a:p>
+          <a:p>
+            <a:r>
+              <a:rPr lang="en-US" sz="900" i="1" dirty="0">
+                <a:solidFill>
+                  <a:schemeClr val="accent3"/>
+                </a:solidFill>
+              </a:rPr>
+              <a:t># </a:t>
+            </a:r>
+            <a:r>
+              <a:rPr lang="es-MX" sz="900" i="1" dirty="0">
+                <a:solidFill>
+                  <a:schemeClr val="accent3"/>
+                </a:solidFill>
+              </a:rPr>
+              <a:t>Lista los </a:t>
+            </a:r>
+            <a:r>
+              <a:rPr lang="es-MX" sz="900" i="1" dirty="0" err="1">
+                <a:solidFill>
+                  <a:schemeClr val="accent3"/>
+                </a:solidFill>
+              </a:rPr>
+              <a:t>PersistentVolumeClaim</a:t>
+            </a:r>
+            <a:r>
+              <a:rPr lang="es-MX" sz="900" i="1" dirty="0">
+                <a:solidFill>
+                  <a:schemeClr val="accent3"/>
+                </a:solidFill>
+              </a:rPr>
+              <a:t> de todos los </a:t>
+            </a:r>
+            <a:r>
+              <a:rPr lang="es-MX" sz="900" i="1" dirty="0" err="1">
+                <a:solidFill>
+                  <a:schemeClr val="accent3"/>
+                </a:solidFill>
+              </a:rPr>
+              <a:t>namespaces</a:t>
+            </a:r>
+            <a:endParaRPr lang="es-MX" sz="900" i="1" dirty="0">
+              <a:solidFill>
+                <a:schemeClr val="accent3"/>
+              </a:solidFill>
+            </a:endParaRPr>
+          </a:p>
+          <a:p>
+            <a:r>
+              <a:rPr lang="en-US" sz="900" b="1" dirty="0" err="1"/>
+              <a:t>kubectl</a:t>
+            </a:r>
+            <a:r>
+              <a:rPr lang="en-US" sz="900" b="1" dirty="0"/>
+              <a:t> get </a:t>
+            </a:r>
+            <a:r>
+              <a:rPr lang="en-US" sz="900" b="1" dirty="0" err="1"/>
+              <a:t>pvc</a:t>
+            </a:r>
+            <a:r>
+              <a:rPr lang="en-US" sz="900" b="1" dirty="0"/>
+              <a:t> --all-namespaces</a:t>
+            </a:r>
+          </a:p>
+          <a:p>
+            <a:endParaRPr lang="en-US" sz="900" b="1" dirty="0"/>
+          </a:p>
+          <a:p>
+            <a:r>
+              <a:rPr lang="en-US" sz="900" i="1" dirty="0">
+                <a:solidFill>
+                  <a:schemeClr val="accent3"/>
+                </a:solidFill>
+              </a:rPr>
+              <a:t># </a:t>
+            </a:r>
+            <a:r>
+              <a:rPr lang="es-MX" sz="900" i="1" dirty="0">
+                <a:solidFill>
+                  <a:schemeClr val="accent3"/>
+                </a:solidFill>
+              </a:rPr>
+              <a:t>Ver detalles de un </a:t>
+            </a:r>
+            <a:r>
+              <a:rPr lang="es-MX" sz="900" i="1" dirty="0" err="1">
+                <a:solidFill>
+                  <a:schemeClr val="accent3"/>
+                </a:solidFill>
+              </a:rPr>
+              <a:t>PersistentVolumeClaim</a:t>
+            </a:r>
+            <a:endParaRPr lang="es-MX" sz="900" i="1" dirty="0">
+              <a:solidFill>
+                <a:schemeClr val="accent3"/>
+              </a:solidFill>
+            </a:endParaRPr>
+          </a:p>
+          <a:p>
+            <a:r>
+              <a:rPr lang="en-US" sz="900" b="1" dirty="0" err="1"/>
+              <a:t>kubectl</a:t>
+            </a:r>
+            <a:r>
+              <a:rPr lang="en-US" sz="900" b="1" dirty="0"/>
+              <a:t> describe </a:t>
+            </a:r>
+            <a:r>
+              <a:rPr lang="en-US" sz="900" b="1" dirty="0" err="1"/>
+              <a:t>pvc</a:t>
+            </a:r>
+            <a:r>
+              <a:rPr lang="en-US" sz="900" b="1" dirty="0"/>
+              <a:t> NAME_PVC</a:t>
+            </a:r>
+          </a:p>
+          <a:p>
+            <a:endParaRPr lang="en-US" sz="900" b="1" dirty="0"/>
+          </a:p>
+          <a:p>
+            <a:r>
+              <a:rPr lang="en-US" sz="900" i="1" dirty="0">
+                <a:solidFill>
+                  <a:schemeClr val="accent3"/>
+                </a:solidFill>
+              </a:rPr>
+              <a:t># </a:t>
+            </a:r>
+            <a:r>
+              <a:rPr lang="es-MX" sz="900" i="1" dirty="0">
+                <a:solidFill>
+                  <a:schemeClr val="accent3"/>
+                </a:solidFill>
+              </a:rPr>
+              <a:t>Elimina un </a:t>
+            </a:r>
+            <a:r>
+              <a:rPr lang="es-MX" sz="900" i="1" dirty="0" err="1">
+                <a:solidFill>
+                  <a:schemeClr val="accent3"/>
+                </a:solidFill>
+              </a:rPr>
+              <a:t>PersistentVolumeClaim</a:t>
+            </a:r>
+            <a:endParaRPr lang="es-MX" sz="900" i="1" dirty="0">
+              <a:solidFill>
+                <a:schemeClr val="accent3"/>
+              </a:solidFill>
+            </a:endParaRPr>
+          </a:p>
+          <a:p>
+            <a:r>
+              <a:rPr lang="en-US" sz="900" b="1" dirty="0" err="1"/>
+              <a:t>kubectl</a:t>
+            </a:r>
+            <a:r>
+              <a:rPr lang="en-US" sz="900" b="1" dirty="0"/>
+              <a:t> delete </a:t>
+            </a:r>
+            <a:r>
+              <a:rPr lang="en-US" sz="900" b="1" dirty="0" err="1"/>
+              <a:t>pvc</a:t>
+            </a:r>
+            <a:r>
+              <a:rPr lang="en-US" sz="900" b="1" dirty="0"/>
+              <a:t> NAME_PVC</a:t>
+            </a:r>
+          </a:p>
+        </p:txBody>
+      </p:sp>
+      <p:sp>
+        <p:nvSpPr>
           <p:cNvPr id="5" name="Rectángulo 4">
             <a:extLst>
               <a:ext uri="{FF2B5EF4-FFF2-40B4-BE49-F238E27FC236}">
-                <a16:creationId xmlns:a16="http://schemas.microsoft.com/office/drawing/2014/main" id="{D99E79F5-C2DF-4A29-831C-196B2983ED6C}"/>
+                <a16:creationId xmlns:a16="http://schemas.microsoft.com/office/drawing/2014/main" id="{B232FF72-43CF-45FF-755B-039B9AD1811C}"/>
               </a:ext>
             </a:extLst>
           </p:cNvPr>
@@ -7974,10 +8400,10 @@
       </p:sp>
       <p:sp>
         <p:nvSpPr>
-          <p:cNvPr id="11" name="CuadroTexto 10">
+          <p:cNvPr id="10" name="CuadroTexto 9">
             <a:extLst>
               <a:ext uri="{FF2B5EF4-FFF2-40B4-BE49-F238E27FC236}">
-                <a16:creationId xmlns:a16="http://schemas.microsoft.com/office/drawing/2014/main" id="{AD522A0C-6BA9-450E-A776-B2D2C62189EA}"/>
+                <a16:creationId xmlns:a16="http://schemas.microsoft.com/office/drawing/2014/main" id="{66EBD9AC-D527-EABA-4E34-EEC0DE2E8D67}"/>
               </a:ext>
             </a:extLst>
           </p:cNvPr>
@@ -7986,16 +8412,13 @@
         </p:nvSpPr>
         <p:spPr>
           <a:xfrm>
-            <a:off x="8819472" y="1209496"/>
-            <a:ext cx="2921959" cy="3785652"/>
+            <a:off x="2698983" y="936962"/>
+            <a:ext cx="2601835" cy="4016484"/>
           </a:xfrm>
           <a:prstGeom prst="rect">
             <a:avLst/>
           </a:prstGeom>
           <a:noFill/>
-          <a:ln>
-            <a:noFill/>
-          </a:ln>
         </p:spPr>
         <p:txBody>
           <a:bodyPr wrap="square" rtlCol="0">
@@ -8004,32 +8427,131 @@
           <a:lstStyle/>
           <a:p>
             <a:r>
-              <a:rPr lang="es-ES" sz="1200" b="1" dirty="0">
+              <a:rPr lang="en-US" sz="1200" b="1" dirty="0">
                 <a:solidFill>
                   <a:srgbClr val="895EBE"/>
                 </a:solidFill>
               </a:rPr>
-              <a:t>RECURSOS MÚLTIPLES</a:t>
-            </a:r>
-          </a:p>
-          <a:p>
-            <a:r>
-              <a:rPr lang="es-ES" sz="1200" i="1" dirty="0">
-                <a:solidFill>
-                  <a:schemeClr val="accent3"/>
-                </a:solidFill>
-              </a:rPr>
-              <a:t># Mostrar toda la información de servicios y </a:t>
-            </a:r>
-            <a:r>
-              <a:rPr lang="es-ES" sz="1200" i="1" dirty="0" err="1">
-                <a:solidFill>
-                  <a:schemeClr val="accent3"/>
-                </a:solidFill>
-              </a:rPr>
-              <a:t>pods</a:t>
-            </a:r>
-            <a:endParaRPr lang="es-ES" sz="1200" i="1" dirty="0">
+              <a:t>GONFIGMAPS</a:t>
+            </a:r>
+          </a:p>
+          <a:p>
+            <a:endParaRPr lang="en-US" sz="900" b="1" dirty="0">
+              <a:solidFill>
+                <a:srgbClr val="895EBE"/>
+              </a:solidFill>
+            </a:endParaRPr>
+          </a:p>
+          <a:p>
+            <a:r>
+              <a:rPr lang="en-US" sz="900" i="1" dirty="0">
+                <a:solidFill>
+                  <a:schemeClr val="accent3"/>
+                </a:solidFill>
+              </a:rPr>
+              <a:t># </a:t>
+            </a:r>
+            <a:r>
+              <a:rPr lang="es-MX" sz="900" i="1" dirty="0">
+                <a:solidFill>
+                  <a:schemeClr val="accent3"/>
+                </a:solidFill>
+              </a:rPr>
+              <a:t>Listar todos los </a:t>
+            </a:r>
+            <a:r>
+              <a:rPr lang="es-MX" sz="900" i="1" dirty="0" err="1">
+                <a:solidFill>
+                  <a:schemeClr val="accent3"/>
+                </a:solidFill>
+              </a:rPr>
+              <a:t>ConfigMaps</a:t>
+            </a:r>
+            <a:r>
+              <a:rPr lang="es-MX" sz="900" i="1" dirty="0">
+                <a:solidFill>
+                  <a:schemeClr val="accent3"/>
+                </a:solidFill>
+              </a:rPr>
+              <a:t> en el </a:t>
+            </a:r>
+            <a:r>
+              <a:rPr lang="es-MX" sz="900" i="1" dirty="0" err="1">
+                <a:solidFill>
+                  <a:schemeClr val="accent3"/>
+                </a:solidFill>
+              </a:rPr>
+              <a:t>namespace</a:t>
+            </a:r>
+            <a:r>
+              <a:rPr lang="es-MX" sz="900" i="1" dirty="0">
+                <a:solidFill>
+                  <a:schemeClr val="accent3"/>
+                </a:solidFill>
+              </a:rPr>
+              <a:t> actual</a:t>
+            </a:r>
+          </a:p>
+          <a:p>
+            <a:r>
+              <a:rPr lang="en-US" sz="900" b="1" dirty="0" err="1"/>
+              <a:t>kubectl</a:t>
+            </a:r>
+            <a:r>
+              <a:rPr lang="en-US" sz="900" b="1" dirty="0"/>
+              <a:t> get </a:t>
+            </a:r>
+            <a:r>
+              <a:rPr lang="en-US" sz="900" b="1" dirty="0" err="1"/>
+              <a:t>configmaps</a:t>
+            </a:r>
+            <a:endParaRPr lang="en-US" sz="900" b="1" dirty="0"/>
+          </a:p>
+          <a:p>
+            <a:endParaRPr lang="en-US" sz="900" b="1" dirty="0"/>
+          </a:p>
+          <a:p>
+            <a:r>
+              <a:rPr lang="en-US" sz="900" i="1" dirty="0">
+                <a:solidFill>
+                  <a:schemeClr val="accent3"/>
+                </a:solidFill>
+              </a:rPr>
+              <a:t># </a:t>
+            </a:r>
+            <a:r>
+              <a:rPr lang="es-MX" sz="900" i="1" dirty="0">
+                <a:solidFill>
+                  <a:schemeClr val="accent3"/>
+                </a:solidFill>
+              </a:rPr>
+              <a:t>Listar todos los </a:t>
+            </a:r>
+            <a:r>
+              <a:rPr lang="es-MX" sz="900" i="1" dirty="0" err="1">
+                <a:solidFill>
+                  <a:schemeClr val="accent3"/>
+                </a:solidFill>
+              </a:rPr>
+              <a:t>ConfigMaps</a:t>
+            </a:r>
+            <a:r>
+              <a:rPr lang="es-MX" sz="900" i="1" dirty="0">
+                <a:solidFill>
+                  <a:schemeClr val="accent3"/>
+                </a:solidFill>
+              </a:rPr>
+              <a:t> de todos los </a:t>
+            </a:r>
+            <a:r>
+              <a:rPr lang="es-MX" sz="900" i="1" dirty="0" err="1">
+                <a:solidFill>
+                  <a:schemeClr val="accent3"/>
+                </a:solidFill>
+              </a:rPr>
+              <a:t>namespaces</a:t>
+            </a:r>
+            <a:endParaRPr lang="es-MX" sz="900" i="1" dirty="0">
               <a:solidFill>
                 <a:schemeClr val="accent3"/>
               </a:solidFill>
@@ -8037,194 +8559,298 @@
           </a:p>
           <a:p>
             <a:r>
-              <a:rPr lang="es-ES" sz="1200" b="1" dirty="0" err="1"/>
+              <a:rPr lang="en-US" sz="900" b="1" dirty="0" err="1"/>
               <a:t>kubectl</a:t>
             </a:r>
             <a:r>
-              <a:rPr lang="es-ES" sz="1200" b="1" dirty="0"/>
-              <a:t> </a:t>
-            </a:r>
-            <a:r>
-              <a:rPr lang="es-ES" sz="1200" b="1" dirty="0" err="1"/>
-              <a:t>get</a:t>
-            </a:r>
-            <a:r>
-              <a:rPr lang="es-ES" sz="1200" b="1" dirty="0"/>
-              <a:t> </a:t>
-            </a:r>
-            <a:r>
-              <a:rPr lang="es-ES" sz="1200" b="1" dirty="0" err="1"/>
-              <a:t>svc</a:t>
-            </a:r>
-            <a:r>
-              <a:rPr lang="es-ES" sz="1200" b="1" dirty="0"/>
-              <a:t>, </a:t>
-            </a:r>
-            <a:r>
-              <a:rPr lang="es-ES" sz="1200" b="1" dirty="0" err="1"/>
-              <a:t>po</a:t>
-            </a:r>
-            <a:endParaRPr lang="es-ES" sz="1200" b="1" dirty="0"/>
-          </a:p>
-          <a:p>
-            <a:endParaRPr lang="es-ES" sz="1200" b="1" dirty="0"/>
-          </a:p>
-          <a:p>
-            <a:r>
-              <a:rPr lang="es-ES" sz="1200" i="1" dirty="0">
-                <a:solidFill>
-                  <a:schemeClr val="accent3"/>
-                </a:solidFill>
-              </a:rPr>
-              <a:t># Mostrar toda la información de implementaciones y nodos</a:t>
-            </a:r>
-          </a:p>
-          <a:p>
-            <a:r>
-              <a:rPr lang="es-ES" sz="1200" b="1" dirty="0" err="1"/>
+              <a:rPr lang="en-US" sz="900" b="1" dirty="0"/>
+              <a:t> get </a:t>
+            </a:r>
+            <a:r>
+              <a:rPr lang="en-US" sz="900" b="1" dirty="0" err="1"/>
+              <a:t>configmaps</a:t>
+            </a:r>
+            <a:r>
+              <a:rPr lang="en-US" sz="900" b="1" dirty="0"/>
+              <a:t> --all-namespaces</a:t>
+            </a:r>
+          </a:p>
+          <a:p>
+            <a:endParaRPr lang="en-US" sz="900" b="1" dirty="0"/>
+          </a:p>
+          <a:p>
+            <a:r>
+              <a:rPr lang="es-PE" sz="900" i="1" dirty="0">
+                <a:solidFill>
+                  <a:schemeClr val="accent3"/>
+                </a:solidFill>
+              </a:rPr>
+              <a:t># </a:t>
+            </a:r>
+            <a:r>
+              <a:rPr lang="es-MX" sz="900" i="1" dirty="0">
+                <a:solidFill>
+                  <a:schemeClr val="accent3"/>
+                </a:solidFill>
+              </a:rPr>
+              <a:t>Ver detalles de un </a:t>
+            </a:r>
+            <a:r>
+              <a:rPr lang="es-MX" sz="900" i="1" dirty="0" err="1">
+                <a:solidFill>
+                  <a:schemeClr val="accent3"/>
+                </a:solidFill>
+              </a:rPr>
+              <a:t>ConfigMap</a:t>
+            </a:r>
+            <a:r>
+              <a:rPr lang="es-MX" sz="900" i="1" dirty="0">
+                <a:solidFill>
+                  <a:schemeClr val="accent3"/>
+                </a:solidFill>
+              </a:rPr>
+              <a:t> en específico</a:t>
+            </a:r>
+          </a:p>
+          <a:p>
+            <a:r>
+              <a:rPr lang="en-US" sz="900" b="1" dirty="0" err="1"/>
               <a:t>kubectl</a:t>
             </a:r>
             <a:r>
-              <a:rPr lang="es-ES" sz="1200" b="1" dirty="0"/>
-              <a:t> </a:t>
-            </a:r>
-            <a:r>
-              <a:rPr lang="es-ES" sz="1200" b="1" dirty="0" err="1"/>
-              <a:t>get</a:t>
-            </a:r>
-            <a:r>
-              <a:rPr lang="es-ES" sz="1200" b="1" dirty="0"/>
-              <a:t> </a:t>
-            </a:r>
-            <a:r>
-              <a:rPr lang="es-ES" sz="1200" b="1" dirty="0" err="1"/>
-              <a:t>deploy</a:t>
-            </a:r>
-            <a:r>
-              <a:rPr lang="es-ES" sz="1200" b="1" dirty="0"/>
-              <a:t>, no</a:t>
-            </a:r>
-          </a:p>
-          <a:p>
-            <a:endParaRPr lang="es-ES" sz="1200" b="1" dirty="0"/>
-          </a:p>
-          <a:p>
-            <a:r>
-              <a:rPr lang="es-ES" sz="1200" i="1" dirty="0">
-                <a:solidFill>
-                  <a:schemeClr val="accent3"/>
-                </a:solidFill>
-              </a:rPr>
-              <a:t># Muestra todos los </a:t>
-            </a:r>
-            <a:r>
-              <a:rPr lang="es-ES" sz="1200" i="1" dirty="0" err="1">
-                <a:solidFill>
-                  <a:schemeClr val="accent3"/>
-                </a:solidFill>
-              </a:rPr>
-              <a:t>pods</a:t>
-            </a:r>
-            <a:r>
-              <a:rPr lang="es-ES" sz="1200" i="1" dirty="0">
-                <a:solidFill>
-                  <a:schemeClr val="accent3"/>
-                </a:solidFill>
-              </a:rPr>
-              <a:t>, servicios, conjuntos con estado, etc. en un espacio de nombres. No todos los recursos se enumeran con este comando.</a:t>
-            </a:r>
-          </a:p>
-          <a:p>
-            <a:r>
-              <a:rPr lang="es-ES" sz="1200" b="1" dirty="0" err="1"/>
+              <a:rPr lang="en-US" sz="900" b="1" dirty="0"/>
+              <a:t> describe </a:t>
+            </a:r>
+            <a:r>
+              <a:rPr lang="en-US" sz="900" b="1" dirty="0" err="1"/>
+              <a:t>configmap</a:t>
+            </a:r>
+            <a:r>
+              <a:rPr lang="en-US" sz="900" b="1" dirty="0"/>
+              <a:t> NAME_CONFIGMAP</a:t>
+            </a:r>
+          </a:p>
+          <a:p>
+            <a:endParaRPr lang="en-US" sz="900" b="1" dirty="0"/>
+          </a:p>
+          <a:p>
+            <a:r>
+              <a:rPr lang="es-PE" sz="900" i="1" dirty="0">
+                <a:solidFill>
+                  <a:schemeClr val="accent3"/>
+                </a:solidFill>
+              </a:rPr>
+              <a:t># </a:t>
+            </a:r>
+            <a:r>
+              <a:rPr lang="es-MX" sz="900" i="1" dirty="0">
+                <a:solidFill>
+                  <a:schemeClr val="accent3"/>
+                </a:solidFill>
+              </a:rPr>
+              <a:t>Crear un </a:t>
+            </a:r>
+            <a:r>
+              <a:rPr lang="es-MX" sz="900" i="1" dirty="0" err="1">
+                <a:solidFill>
+                  <a:schemeClr val="accent3"/>
+                </a:solidFill>
+              </a:rPr>
+              <a:t>ConfigMap</a:t>
+            </a:r>
+            <a:r>
+              <a:rPr lang="es-MX" sz="900" i="1" dirty="0">
+                <a:solidFill>
+                  <a:schemeClr val="accent3"/>
+                </a:solidFill>
+              </a:rPr>
+              <a:t> desde un archivo</a:t>
+            </a:r>
+          </a:p>
+          <a:p>
+            <a:r>
+              <a:rPr lang="pl-PL" sz="900" b="1" dirty="0"/>
+              <a:t>kubectl create configmap NAME_CONFIGMAP --from-file=RUTA_ARCHIVO</a:t>
+            </a:r>
+            <a:endParaRPr lang="es-MX" sz="900" b="1" dirty="0"/>
+          </a:p>
+          <a:p>
+            <a:endParaRPr lang="en-US" sz="900" b="1" dirty="0"/>
+          </a:p>
+          <a:p>
+            <a:r>
+              <a:rPr lang="en-US" sz="900" i="1" dirty="0">
+                <a:solidFill>
+                  <a:schemeClr val="accent3"/>
+                </a:solidFill>
+              </a:rPr>
+              <a:t># </a:t>
+            </a:r>
+            <a:r>
+              <a:rPr lang="es-MX" sz="900" i="1" dirty="0">
+                <a:solidFill>
+                  <a:schemeClr val="accent3"/>
+                </a:solidFill>
+              </a:rPr>
+              <a:t>Crear un </a:t>
+            </a:r>
+            <a:r>
+              <a:rPr lang="es-MX" sz="900" i="1" dirty="0" err="1">
+                <a:solidFill>
+                  <a:schemeClr val="accent3"/>
+                </a:solidFill>
+              </a:rPr>
+              <a:t>ConfigMap</a:t>
+            </a:r>
+            <a:r>
+              <a:rPr lang="es-MX" sz="900" i="1" dirty="0">
+                <a:solidFill>
+                  <a:schemeClr val="accent3"/>
+                </a:solidFill>
+              </a:rPr>
+              <a:t> desde valores en </a:t>
+            </a:r>
+            <a:r>
+              <a:rPr lang="es-MX" sz="900" i="1" dirty="0" err="1">
+                <a:solidFill>
+                  <a:schemeClr val="accent3"/>
+                </a:solidFill>
+              </a:rPr>
+              <a:t>linea</a:t>
+            </a:r>
+            <a:endParaRPr lang="es-MX" sz="900" i="1" dirty="0">
+              <a:solidFill>
+                <a:schemeClr val="accent3"/>
+              </a:solidFill>
+            </a:endParaRPr>
+          </a:p>
+          <a:p>
+            <a:r>
+              <a:rPr lang="en-US" sz="900" b="1" dirty="0" err="1"/>
               <a:t>kubectl</a:t>
             </a:r>
             <a:r>
-              <a:rPr lang="es-ES" sz="1200" b="1" dirty="0"/>
-              <a:t> </a:t>
-            </a:r>
-            <a:r>
-              <a:rPr lang="es-ES" sz="1200" b="1" dirty="0" err="1"/>
-              <a:t>get</a:t>
-            </a:r>
-            <a:r>
-              <a:rPr lang="es-ES" sz="1200" b="1" dirty="0"/>
-              <a:t> </a:t>
-            </a:r>
-            <a:r>
-              <a:rPr lang="es-ES" sz="1200" b="1" dirty="0" err="1"/>
-              <a:t>all</a:t>
-            </a:r>
-            <a:endParaRPr lang="es-ES" sz="1200" b="1" dirty="0"/>
-          </a:p>
-          <a:p>
-            <a:endParaRPr lang="es-ES" sz="1200" b="1" dirty="0"/>
-          </a:p>
-          <a:p>
-            <a:r>
-              <a:rPr lang="es-ES" sz="1200" i="1" dirty="0">
-                <a:solidFill>
-                  <a:schemeClr val="accent3"/>
-                </a:solidFill>
-              </a:rPr>
-              <a:t># Muestra todos los </a:t>
-            </a:r>
-            <a:r>
-              <a:rPr lang="es-ES" sz="1200" i="1" dirty="0" err="1">
-                <a:solidFill>
-                  <a:schemeClr val="accent3"/>
-                </a:solidFill>
-              </a:rPr>
-              <a:t>pods</a:t>
-            </a:r>
-            <a:r>
-              <a:rPr lang="es-ES" sz="1200" i="1" dirty="0">
-                <a:solidFill>
-                  <a:schemeClr val="accent3"/>
-                </a:solidFill>
-              </a:rPr>
-              <a:t>, servicios, conjuntos con estado, etc. en todos los espacios de nombres. No se muestran todos los recursos con este comando.</a:t>
-            </a:r>
-          </a:p>
-          <a:p>
-            <a:r>
-              <a:rPr lang="es-ES" sz="1200" b="1" dirty="0" err="1"/>
-              <a:t>kubectl</a:t>
-            </a:r>
-            <a:r>
-              <a:rPr lang="es-ES" sz="1200" b="1" dirty="0"/>
-              <a:t> </a:t>
-            </a:r>
-            <a:r>
-              <a:rPr lang="es-ES" sz="1200" b="1" dirty="0" err="1"/>
-              <a:t>get</a:t>
-            </a:r>
-            <a:r>
-              <a:rPr lang="es-ES" sz="1200" b="1" dirty="0"/>
-              <a:t> </a:t>
-            </a:r>
-            <a:r>
-              <a:rPr lang="es-ES" sz="1200" b="1" dirty="0" err="1"/>
-              <a:t>all</a:t>
-            </a:r>
-            <a:r>
-              <a:rPr lang="es-ES" sz="1200" b="1" dirty="0"/>
-              <a:t> --</a:t>
-            </a:r>
-            <a:r>
-              <a:rPr lang="es-ES" sz="1200" b="1" dirty="0" err="1"/>
-              <a:t>all-namespaces</a:t>
-            </a:r>
-            <a:endParaRPr lang="en-US" sz="1200" b="1" dirty="0"/>
+              <a:rPr lang="en-US" sz="900" b="1" dirty="0"/>
+              <a:t> create </a:t>
+            </a:r>
+            <a:r>
+              <a:rPr lang="en-US" sz="900" b="1" dirty="0" err="1"/>
+              <a:t>configmap</a:t>
+            </a:r>
+            <a:r>
+              <a:rPr lang="en-US" sz="900" b="1" dirty="0"/>
+              <a:t> NAME_CONFIGMAP --from-literal=CLAVE1=VALOR1 --from-literal=CLAVE2=VALOR2</a:t>
+            </a:r>
+          </a:p>
+          <a:p>
+            <a:endParaRPr lang="en-US" sz="900" b="1" dirty="0"/>
+          </a:p>
+          <a:p>
+            <a:r>
+              <a:rPr lang="es-PE" sz="900" i="1" dirty="0">
+                <a:solidFill>
+                  <a:schemeClr val="accent3"/>
+                </a:solidFill>
+              </a:rPr>
+              <a:t># </a:t>
+            </a:r>
+            <a:r>
+              <a:rPr lang="es-MX" sz="900" i="1" dirty="0">
+                <a:solidFill>
+                  <a:schemeClr val="accent3"/>
+                </a:solidFill>
+              </a:rPr>
+              <a:t>Eliminar un </a:t>
+            </a:r>
+            <a:r>
+              <a:rPr lang="es-MX" sz="900" i="1" dirty="0" err="1">
+                <a:solidFill>
+                  <a:schemeClr val="accent3"/>
+                </a:solidFill>
+              </a:rPr>
+              <a:t>ConfigMap</a:t>
+            </a:r>
+            <a:r>
+              <a:rPr lang="es-MX" sz="900" i="1" dirty="0">
+                <a:solidFill>
+                  <a:schemeClr val="accent3"/>
+                </a:solidFill>
+              </a:rPr>
+              <a:t> en especifico</a:t>
+            </a:r>
+          </a:p>
+          <a:p>
+            <a:r>
+              <a:rPr lang="pl-PL" sz="900" b="1" dirty="0"/>
+              <a:t>kubectl delete configmap NAME_CONFIGMAP</a:t>
+            </a:r>
+            <a:endParaRPr lang="es-MX" sz="900" b="1" dirty="0"/>
+          </a:p>
+          <a:p>
+            <a:endParaRPr lang="en-US" sz="900" b="1" dirty="0"/>
+          </a:p>
+          <a:p>
+            <a:r>
+              <a:rPr lang="es-PE" sz="900" i="1" dirty="0">
+                <a:solidFill>
+                  <a:schemeClr val="accent3"/>
+                </a:solidFill>
+              </a:rPr>
+              <a:t># </a:t>
+            </a:r>
+            <a:r>
+              <a:rPr lang="es-MX" sz="900" i="1" dirty="0">
+                <a:solidFill>
+                  <a:schemeClr val="accent3"/>
+                </a:solidFill>
+              </a:rPr>
+              <a:t>Eliminar todos los </a:t>
+            </a:r>
+            <a:r>
+              <a:rPr lang="es-MX" sz="900" i="1" dirty="0" err="1">
+                <a:solidFill>
+                  <a:schemeClr val="accent3"/>
+                </a:solidFill>
+              </a:rPr>
+              <a:t>ConfigMaps</a:t>
+            </a:r>
+            <a:r>
+              <a:rPr lang="es-MX" sz="900" i="1" dirty="0">
+                <a:solidFill>
+                  <a:schemeClr val="accent3"/>
+                </a:solidFill>
+              </a:rPr>
+              <a:t> de un </a:t>
+            </a:r>
+            <a:r>
+              <a:rPr lang="es-MX" sz="900" i="1" dirty="0" err="1">
+                <a:solidFill>
+                  <a:schemeClr val="accent3"/>
+                </a:solidFill>
+              </a:rPr>
+              <a:t>namespace</a:t>
+            </a:r>
+            <a:endParaRPr lang="es-MX" sz="900" i="1" dirty="0">
+              <a:solidFill>
+                <a:schemeClr val="accent3"/>
+              </a:solidFill>
+            </a:endParaRPr>
+          </a:p>
+          <a:p>
+            <a:r>
+              <a:rPr lang="pl-PL" sz="900" b="1" dirty="0"/>
+              <a:t>kubectl delete configmaps --all	</a:t>
+            </a:r>
+            <a:endParaRPr lang="es-MX" sz="900" b="1" dirty="0"/>
           </a:p>
         </p:txBody>
       </p:sp>
       <p:sp>
         <p:nvSpPr>
-          <p:cNvPr id="14" name="CuadroTexto 13">
+          <p:cNvPr id="2" name="CuadroTexto 1">
             <a:extLst>
               <a:ext uri="{FF2B5EF4-FFF2-40B4-BE49-F238E27FC236}">
-                <a16:creationId xmlns:a16="http://schemas.microsoft.com/office/drawing/2014/main" id="{1BCCB04D-FD18-4D9D-80DB-BC9945DEA8C1}"/>
+                <a16:creationId xmlns:a16="http://schemas.microsoft.com/office/drawing/2014/main" id="{5D76D75F-0685-E6BD-15D6-6BCE6E24EE57}"/>
               </a:ext>
             </a:extLst>
           </p:cNvPr>
@@ -8233,16 +8859,13 @@
         </p:nvSpPr>
         <p:spPr>
           <a:xfrm>
-            <a:off x="6001149" y="3056604"/>
-            <a:ext cx="2700891" cy="830997"/>
+            <a:off x="5803305" y="936962"/>
+            <a:ext cx="2601835" cy="4755148"/>
           </a:xfrm>
           <a:prstGeom prst="rect">
             <a:avLst/>
           </a:prstGeom>
           <a:noFill/>
-          <a:ln>
-            <a:noFill/>
-          </a:ln>
         </p:spPr>
         <p:txBody>
           <a:bodyPr wrap="square" rtlCol="0">
@@ -8251,55 +8874,438 @@
           <a:lstStyle/>
           <a:p>
             <a:r>
-              <a:rPr lang="es-ES" sz="1200" b="1" dirty="0">
+              <a:rPr lang="en-US" sz="1200" b="1">
                 <a:solidFill>
                   <a:srgbClr val="895EBE"/>
                 </a:solidFill>
               </a:rPr>
-              <a:t>CLASE DE ALMACENAMIENTO</a:t>
-            </a:r>
-          </a:p>
-          <a:p>
-            <a:r>
-              <a:rPr lang="es-ES" sz="1200" i="1" dirty="0">
-                <a:solidFill>
-                  <a:schemeClr val="accent3"/>
-                </a:solidFill>
-              </a:rPr>
-              <a:t># Mostrar toda la información de la clase de almacenamiento</a:t>
-            </a:r>
-          </a:p>
-          <a:p>
-            <a:r>
-              <a:rPr lang="es-ES" sz="1200" b="1" dirty="0" err="1"/>
-              <a:t>kubectl</a:t>
-            </a:r>
-            <a:r>
-              <a:rPr lang="es-ES" sz="1200" b="1" dirty="0"/>
+              <a:t>MINIKUBE</a:t>
+            </a:r>
+            <a:endParaRPr lang="en-US" sz="1200" b="1" dirty="0">
+              <a:solidFill>
+                <a:srgbClr val="895EBE"/>
+              </a:solidFill>
+            </a:endParaRPr>
+          </a:p>
+          <a:p>
+            <a:endParaRPr lang="en-US" sz="1200" b="1" dirty="0">
+              <a:solidFill>
+                <a:srgbClr val="895EBE"/>
+              </a:solidFill>
+            </a:endParaRPr>
+          </a:p>
+          <a:p>
+            <a:r>
+              <a:rPr lang="en-US" sz="900" i="1" dirty="0">
+                <a:solidFill>
+                  <a:schemeClr val="accent3"/>
+                </a:solidFill>
+              </a:rPr>
+              <a:t># </a:t>
+            </a:r>
+            <a:r>
+              <a:rPr lang="es-MX" sz="900" i="1" dirty="0">
+                <a:solidFill>
+                  <a:schemeClr val="accent3"/>
+                </a:solidFill>
+              </a:rPr>
+              <a:t>Muestra la versión instalada de </a:t>
+            </a:r>
+            <a:r>
+              <a:rPr lang="es-MX" sz="900" i="1" dirty="0" err="1">
+                <a:solidFill>
+                  <a:schemeClr val="accent3"/>
+                </a:solidFill>
+              </a:rPr>
+              <a:t>Minikube</a:t>
+            </a:r>
+            <a:endParaRPr lang="es-MX" sz="900" i="1" dirty="0">
+              <a:solidFill>
+                <a:schemeClr val="accent3"/>
+              </a:solidFill>
+            </a:endParaRPr>
+          </a:p>
+          <a:p>
+            <a:r>
+              <a:rPr lang="en-US" sz="900" b="1" dirty="0" err="1"/>
+              <a:t>minikube</a:t>
+            </a:r>
+            <a:r>
+              <a:rPr lang="en-US" sz="900" b="1" dirty="0"/>
+              <a:t> version</a:t>
+            </a:r>
+          </a:p>
+          <a:p>
+            <a:endParaRPr lang="en-US" sz="900" b="1" dirty="0">
+              <a:solidFill>
+                <a:srgbClr val="895EBE"/>
+              </a:solidFill>
+            </a:endParaRPr>
+          </a:p>
+          <a:p>
+            <a:r>
+              <a:rPr lang="en-US" sz="900" i="1" dirty="0">
+                <a:solidFill>
+                  <a:schemeClr val="accent3"/>
+                </a:solidFill>
+              </a:rPr>
+              <a:t># </a:t>
+            </a:r>
+            <a:r>
+              <a:rPr lang="es-MX" sz="900" i="1" dirty="0">
+                <a:solidFill>
+                  <a:schemeClr val="accent3"/>
+                </a:solidFill>
+              </a:rPr>
+              <a:t>Verifica si hay una versión más reciente de </a:t>
+            </a:r>
+            <a:r>
+              <a:rPr lang="es-MX" sz="900" i="1" dirty="0" err="1">
+                <a:solidFill>
+                  <a:schemeClr val="accent3"/>
+                </a:solidFill>
+              </a:rPr>
+              <a:t>Minikube</a:t>
+            </a:r>
+            <a:endParaRPr lang="es-MX" sz="900" i="1" dirty="0">
+              <a:solidFill>
+                <a:schemeClr val="accent3"/>
+              </a:solidFill>
+            </a:endParaRPr>
+          </a:p>
+          <a:p>
+            <a:r>
+              <a:rPr lang="en-US" sz="900" b="1" dirty="0" err="1"/>
+              <a:t>minikube</a:t>
+            </a:r>
+            <a:r>
+              <a:rPr lang="en-US" sz="900" b="1" dirty="0"/>
+              <a:t> update-check</a:t>
+            </a:r>
+          </a:p>
+          <a:p>
+            <a:endParaRPr lang="en-US" sz="900" b="1" dirty="0"/>
+          </a:p>
+          <a:p>
+            <a:r>
+              <a:rPr lang="en-US" sz="900" i="1" dirty="0">
+                <a:solidFill>
+                  <a:schemeClr val="accent3"/>
+                </a:solidFill>
+              </a:rPr>
+              <a:t># </a:t>
+            </a:r>
+            <a:r>
+              <a:rPr lang="es-MX" sz="900" i="1" dirty="0">
+                <a:solidFill>
+                  <a:schemeClr val="accent3"/>
+                </a:solidFill>
+              </a:rPr>
+              <a:t>Inicia un clúster de </a:t>
+            </a:r>
+            <a:r>
+              <a:rPr lang="es-MX" sz="900" i="1" dirty="0" err="1">
+                <a:solidFill>
+                  <a:schemeClr val="accent3"/>
+                </a:solidFill>
+              </a:rPr>
+              <a:t>Kubernetes</a:t>
+            </a:r>
+            <a:r>
+              <a:rPr lang="es-MX" sz="900" i="1" dirty="0">
+                <a:solidFill>
+                  <a:schemeClr val="accent3"/>
+                </a:solidFill>
+              </a:rPr>
+              <a:t> local con </a:t>
+            </a:r>
+            <a:r>
+              <a:rPr lang="es-MX" sz="900" i="1" dirty="0" err="1">
+                <a:solidFill>
+                  <a:schemeClr val="accent3"/>
+                </a:solidFill>
+              </a:rPr>
+              <a:t>Minikube</a:t>
+            </a:r>
+            <a:endParaRPr lang="es-MX" sz="900" i="1" dirty="0">
+              <a:solidFill>
+                <a:schemeClr val="accent3"/>
+              </a:solidFill>
+            </a:endParaRPr>
+          </a:p>
+          <a:p>
+            <a:r>
+              <a:rPr lang="en-US" sz="900" b="1" dirty="0" err="1"/>
+              <a:t>minikube</a:t>
+            </a:r>
+            <a:r>
+              <a:rPr lang="en-US" sz="900" b="1" dirty="0"/>
+              <a:t> start</a:t>
+            </a:r>
+          </a:p>
+          <a:p>
+            <a:endParaRPr lang="en-US" sz="900" b="1" dirty="0"/>
+          </a:p>
+          <a:p>
+            <a:r>
+              <a:rPr lang="es-PE" sz="900" i="1" dirty="0">
+                <a:solidFill>
+                  <a:schemeClr val="accent3"/>
+                </a:solidFill>
+              </a:rPr>
+              <a:t># </a:t>
+            </a:r>
+            <a:r>
+              <a:rPr lang="es-MX" sz="900" i="1" dirty="0">
+                <a:solidFill>
+                  <a:schemeClr val="accent3"/>
+                </a:solidFill>
+              </a:rPr>
+              <a:t>Abre el </a:t>
+            </a:r>
+            <a:r>
+              <a:rPr lang="es-MX" sz="900" i="1" dirty="0" err="1">
+                <a:solidFill>
+                  <a:schemeClr val="accent3"/>
+                </a:solidFill>
+              </a:rPr>
+              <a:t>dashboard</a:t>
+            </a:r>
+            <a:r>
+              <a:rPr lang="es-MX" sz="900" i="1" dirty="0">
+                <a:solidFill>
+                  <a:schemeClr val="accent3"/>
+                </a:solidFill>
+              </a:rPr>
+              <a:t> de </a:t>
+            </a:r>
+            <a:r>
+              <a:rPr lang="es-MX" sz="900" i="1" dirty="0" err="1">
+                <a:solidFill>
+                  <a:schemeClr val="accent3"/>
+                </a:solidFill>
+              </a:rPr>
+              <a:t>Kubernetes</a:t>
+            </a:r>
+            <a:endParaRPr lang="es-MX" sz="900" i="1" dirty="0">
+              <a:solidFill>
+                <a:schemeClr val="accent3"/>
+              </a:solidFill>
+            </a:endParaRPr>
+          </a:p>
+          <a:p>
+            <a:r>
+              <a:rPr lang="en-US" sz="900" b="1" dirty="0" err="1"/>
+              <a:t>minikube</a:t>
+            </a:r>
+            <a:r>
+              <a:rPr lang="en-US" sz="900" b="1" dirty="0"/>
+              <a:t> dashboard</a:t>
+            </a:r>
+          </a:p>
+          <a:p>
+            <a:endParaRPr lang="en-US" sz="900" b="1" dirty="0"/>
+          </a:p>
+          <a:p>
+            <a:r>
+              <a:rPr lang="es-PE" sz="900" i="1" dirty="0">
+                <a:solidFill>
+                  <a:schemeClr val="accent3"/>
+                </a:solidFill>
+              </a:rPr>
+              <a:t># </a:t>
+            </a:r>
+            <a:r>
+              <a:rPr lang="es-MX" sz="900" i="1" dirty="0">
+                <a:solidFill>
+                  <a:schemeClr val="accent3"/>
+                </a:solidFill>
+              </a:rPr>
+              <a:t>Abre el servicio en el navegador</a:t>
+            </a:r>
+          </a:p>
+          <a:p>
+            <a:r>
+              <a:rPr lang="en-US" sz="900" b="1" dirty="0" err="1"/>
+              <a:t>minikube</a:t>
+            </a:r>
+            <a:r>
+              <a:rPr lang="en-US" sz="900" b="1" dirty="0"/>
+              <a:t> service NAME_SERVICE</a:t>
+            </a:r>
+          </a:p>
+          <a:p>
+            <a:endParaRPr lang="en-US" sz="900" b="1" i="1" dirty="0">
+              <a:solidFill>
+                <a:schemeClr val="accent3"/>
+              </a:solidFill>
+            </a:endParaRPr>
+          </a:p>
+          <a:p>
+            <a:r>
+              <a:rPr lang="es-PE" sz="900" i="1" dirty="0">
+                <a:solidFill>
+                  <a:schemeClr val="accent3"/>
+                </a:solidFill>
+              </a:rPr>
+              <a:t># </a:t>
+            </a:r>
+            <a:r>
+              <a:rPr lang="es-MX" sz="900" i="1" dirty="0">
+                <a:solidFill>
+                  <a:schemeClr val="accent3"/>
+                </a:solidFill>
+              </a:rPr>
+              <a:t>Muestra el estado actual del clúster</a:t>
+            </a:r>
+          </a:p>
+          <a:p>
+            <a:r>
+              <a:rPr lang="en-US" sz="900" b="1" dirty="0" err="1"/>
+              <a:t>minikube</a:t>
+            </a:r>
+            <a:r>
+              <a:rPr lang="en-US" sz="900" b="1" dirty="0"/>
+              <a:t> status</a:t>
+            </a:r>
+          </a:p>
+          <a:p>
+            <a:endParaRPr lang="en-US" sz="900" b="1" dirty="0"/>
+          </a:p>
+          <a:p>
+            <a:r>
+              <a:rPr lang="es-PE" sz="900" i="1" dirty="0">
+                <a:solidFill>
+                  <a:schemeClr val="accent3"/>
+                </a:solidFill>
+              </a:rPr>
+              <a:t># Muestra la IP del clúster</a:t>
+            </a:r>
+          </a:p>
+          <a:p>
+            <a:r>
+              <a:rPr lang="en-US" sz="900" b="1" dirty="0" err="1"/>
+              <a:t>minikube</a:t>
+            </a:r>
+            <a:r>
+              <a:rPr lang="en-US" sz="900" b="1" dirty="0"/>
               <a:t> </a:t>
             </a:r>
             <a:r>
-              <a:rPr lang="es-ES" sz="1200" b="1" dirty="0" err="1"/>
-              <a:t>get</a:t>
-            </a:r>
-            <a:r>
-              <a:rPr lang="es-ES" sz="1200" b="1" dirty="0"/>
+              <a:rPr lang="en-US" sz="900" b="1" dirty="0" err="1"/>
+              <a:t>ip</a:t>
+            </a:r>
+            <a:endParaRPr lang="en-US" sz="900" b="1" dirty="0"/>
+          </a:p>
+          <a:p>
+            <a:endParaRPr lang="en-US" sz="900" b="1" dirty="0"/>
+          </a:p>
+          <a:p>
+            <a:r>
+              <a:rPr lang="es-PE" sz="900" i="1" dirty="0">
+                <a:solidFill>
+                  <a:schemeClr val="accent3"/>
+                </a:solidFill>
+              </a:rPr>
+              <a:t># </a:t>
+            </a:r>
+            <a:r>
+              <a:rPr lang="es-MX" sz="900" i="1" dirty="0">
+                <a:solidFill>
+                  <a:schemeClr val="accent3"/>
+                </a:solidFill>
+              </a:rPr>
+              <a:t>Detiene el clúster sin eliminarlo</a:t>
+            </a:r>
+          </a:p>
+          <a:p>
+            <a:r>
+              <a:rPr lang="en-US" sz="900" b="1" dirty="0" err="1"/>
+              <a:t>minikube</a:t>
+            </a:r>
+            <a:r>
+              <a:rPr lang="en-US" sz="900" b="1" dirty="0"/>
+              <a:t> stop</a:t>
+            </a:r>
+          </a:p>
+          <a:p>
+            <a:endParaRPr lang="en-US" sz="900" b="1" dirty="0"/>
+          </a:p>
+          <a:p>
+            <a:r>
+              <a:rPr lang="es-PE" sz="900" i="1" dirty="0">
+                <a:solidFill>
+                  <a:schemeClr val="accent3"/>
+                </a:solidFill>
+              </a:rPr>
+              <a:t># </a:t>
+            </a:r>
+            <a:r>
+              <a:rPr lang="es-MX" sz="900" i="1" dirty="0">
+                <a:solidFill>
+                  <a:schemeClr val="accent3"/>
+                </a:solidFill>
+              </a:rPr>
+              <a:t>Pausa todos los nodos para ahorrar recursos</a:t>
+            </a:r>
+          </a:p>
+          <a:p>
+            <a:r>
+              <a:rPr lang="en-US" sz="900" b="1" dirty="0" err="1"/>
+              <a:t>minikube</a:t>
+            </a:r>
+            <a:r>
+              <a:rPr lang="en-US" sz="900" b="1" dirty="0"/>
+              <a:t> pause</a:t>
+            </a:r>
+          </a:p>
+          <a:p>
+            <a:endParaRPr lang="en-US" sz="900" b="1" dirty="0"/>
+          </a:p>
+          <a:p>
+            <a:r>
+              <a:rPr lang="es-PE" sz="900" i="1" dirty="0">
+                <a:solidFill>
+                  <a:schemeClr val="accent3"/>
+                </a:solidFill>
+              </a:rPr>
+              <a:t># </a:t>
+            </a:r>
+            <a:r>
+              <a:rPr lang="es-MX" sz="900" i="1" dirty="0">
+                <a:solidFill>
+                  <a:schemeClr val="accent3"/>
+                </a:solidFill>
+              </a:rPr>
+              <a:t>Reanuda el clúster después de una pausa</a:t>
+            </a:r>
+          </a:p>
+          <a:p>
+            <a:r>
+              <a:rPr lang="en-US" sz="900" b="1" dirty="0" err="1"/>
+              <a:t>minikube</a:t>
+            </a:r>
+            <a:r>
+              <a:rPr lang="en-US" sz="900" b="1" dirty="0"/>
               <a:t> </a:t>
             </a:r>
             <a:r>
-              <a:rPr lang="es-ES" sz="1200" b="1" dirty="0" err="1"/>
-              <a:t>sc</a:t>
-            </a:r>
-            <a:endParaRPr lang="es-ES" sz="1200" b="1" dirty="0"/>
+              <a:rPr lang="en-US" sz="900" b="1" dirty="0" err="1"/>
+              <a:t>unpause</a:t>
+            </a:r>
+            <a:endParaRPr lang="en-US" sz="900" b="1" dirty="0"/>
+          </a:p>
+          <a:p>
+            <a:endParaRPr lang="en-US" sz="900" b="1" dirty="0"/>
           </a:p>
         </p:txBody>
       </p:sp>
       <p:sp>
         <p:nvSpPr>
-          <p:cNvPr id="12" name="CuadroTexto 11">
+          <p:cNvPr id="4" name="CuadroTexto 3">
             <a:extLst>
               <a:ext uri="{FF2B5EF4-FFF2-40B4-BE49-F238E27FC236}">
-                <a16:creationId xmlns:a16="http://schemas.microsoft.com/office/drawing/2014/main" id="{80321A58-F55B-4E99-8F3D-7ACB2A0FC5FA}"/>
+                <a16:creationId xmlns:a16="http://schemas.microsoft.com/office/drawing/2014/main" id="{8BB11484-45DA-E320-4FDA-541D8298E72D}"/>
               </a:ext>
             </a:extLst>
           </p:cNvPr>
@@ -8308,16 +9314,13 @@
         </p:nvSpPr>
         <p:spPr>
           <a:xfrm>
-            <a:off x="181573" y="1202918"/>
-            <a:ext cx="2769641" cy="1015663"/>
+            <a:off x="8907627" y="936962"/>
+            <a:ext cx="2601835" cy="3185487"/>
           </a:xfrm>
           <a:prstGeom prst="rect">
             <a:avLst/>
           </a:prstGeom>
           <a:noFill/>
-          <a:ln>
-            <a:noFill/>
-          </a:ln>
         </p:spPr>
         <p:txBody>
           <a:bodyPr wrap="square" rtlCol="0">
@@ -8325,614 +9328,260 @@
           </a:bodyPr>
           <a:lstStyle/>
           <a:p>
-            <a:r>
-              <a:rPr lang="es-ES" sz="1200" b="1" dirty="0">
-                <a:solidFill>
-                  <a:srgbClr val="895EBE"/>
-                </a:solidFill>
-              </a:rPr>
-              <a:t>ROLES</a:t>
-            </a:r>
-          </a:p>
-          <a:p>
-            <a:r>
-              <a:rPr lang="es-ES" sz="1200" i="1" dirty="0">
-                <a:solidFill>
-                  <a:schemeClr val="accent3"/>
-                </a:solidFill>
-              </a:rPr>
-              <a:t># Mostrar toda la información de los roles dentro de todos los espacios de nombres</a:t>
-            </a:r>
-          </a:p>
-          <a:p>
-            <a:r>
-              <a:rPr lang="es-ES" sz="1200" b="1" dirty="0" err="1"/>
-              <a:t>kubectl</a:t>
-            </a:r>
-            <a:r>
-              <a:rPr lang="es-ES" sz="1200" b="1" dirty="0"/>
-              <a:t> </a:t>
-            </a:r>
-            <a:r>
-              <a:rPr lang="es-ES" sz="1200" b="1" dirty="0" err="1"/>
-              <a:t>get</a:t>
-            </a:r>
-            <a:r>
-              <a:rPr lang="es-ES" sz="1200" b="1" dirty="0"/>
-              <a:t> roles --</a:t>
-            </a:r>
-            <a:r>
-              <a:rPr lang="es-ES" sz="1200" b="1" dirty="0" err="1"/>
-              <a:t>all-namespaces</a:t>
-            </a:r>
-            <a:endParaRPr lang="es-ES" sz="1200" b="1" dirty="0"/>
-          </a:p>
-          <a:p>
-            <a:endParaRPr lang="en-US" sz="1200" b="1" dirty="0"/>
-          </a:p>
-        </p:txBody>
-      </p:sp>
-      <p:sp>
-        <p:nvSpPr>
-          <p:cNvPr id="16" name="CuadroTexto 15">
-            <a:extLst>
-              <a:ext uri="{FF2B5EF4-FFF2-40B4-BE49-F238E27FC236}">
-                <a16:creationId xmlns:a16="http://schemas.microsoft.com/office/drawing/2014/main" id="{86E23FBD-D62F-4613-865F-011A58C98BEE}"/>
-              </a:ext>
-            </a:extLst>
-          </p:cNvPr>
-          <p:cNvSpPr txBox="1"/>
-          <p:nvPr/>
-        </p:nvSpPr>
-        <p:spPr>
-          <a:xfrm>
-            <a:off x="6001149" y="1216074"/>
-            <a:ext cx="2700891" cy="1754326"/>
-          </a:xfrm>
-          <a:prstGeom prst="rect">
-            <a:avLst/>
-          </a:prstGeom>
-          <a:noFill/>
-          <a:ln>
-            <a:noFill/>
-          </a:ln>
-        </p:spPr>
-        <p:txBody>
-          <a:bodyPr wrap="square" rtlCol="0">
-            <a:spAutoFit/>
-          </a:bodyPr>
-          <a:lstStyle/>
-          <a:p>
-            <a:r>
-              <a:rPr lang="es-ES" sz="1200" b="1" dirty="0">
-                <a:solidFill>
-                  <a:srgbClr val="895EBE"/>
-                </a:solidFill>
-              </a:rPr>
-              <a:t>RECLAMO DE VOLUMEN PERSISTENTE</a:t>
-            </a:r>
-          </a:p>
-          <a:p>
-            <a:r>
-              <a:rPr lang="es-ES" sz="1200" i="1" dirty="0">
-                <a:solidFill>
-                  <a:schemeClr val="accent3"/>
-                </a:solidFill>
-              </a:rPr>
-              <a:t># Mostrar toda la información de reclamo de volumen persistente</a:t>
-            </a:r>
-          </a:p>
-          <a:p>
-            <a:r>
-              <a:rPr lang="es-ES" sz="1200" b="1" dirty="0" err="1"/>
-              <a:t>kubectl</a:t>
-            </a:r>
-            <a:r>
-              <a:rPr lang="es-ES" sz="1200" b="1" dirty="0"/>
-              <a:t> </a:t>
-            </a:r>
-            <a:r>
-              <a:rPr lang="es-ES" sz="1200" b="1" dirty="0" err="1"/>
-              <a:t>get</a:t>
-            </a:r>
-            <a:r>
-              <a:rPr lang="es-ES" sz="1200" b="1" dirty="0"/>
-              <a:t> </a:t>
-            </a:r>
-            <a:r>
-              <a:rPr lang="es-ES" sz="1200" b="1" dirty="0" err="1"/>
-              <a:t>pvc</a:t>
-            </a:r>
-            <a:endParaRPr lang="es-ES" sz="1200" b="1" dirty="0"/>
-          </a:p>
-          <a:p>
-            <a:endParaRPr lang="es-ES" sz="1200" b="1" dirty="0"/>
-          </a:p>
-          <a:p>
-            <a:r>
-              <a:rPr lang="es-ES" sz="1200" i="1" dirty="0">
-                <a:solidFill>
-                  <a:schemeClr val="accent3"/>
-                </a:solidFill>
-              </a:rPr>
-              <a:t># Mostrar todos los detalles de reclamos de volumen persistente</a:t>
-            </a:r>
-          </a:p>
-          <a:p>
-            <a:r>
-              <a:rPr lang="es-ES" sz="1200" b="1" dirty="0" err="1"/>
-              <a:t>kubectl</a:t>
-            </a:r>
-            <a:r>
-              <a:rPr lang="es-ES" sz="1200" b="1" dirty="0"/>
-              <a:t> describe </a:t>
-            </a:r>
-            <a:r>
-              <a:rPr lang="es-ES" sz="1200" b="1" dirty="0" err="1"/>
-              <a:t>pvc</a:t>
-            </a:r>
-            <a:endParaRPr lang="es-ES" sz="1200" b="1" dirty="0"/>
-          </a:p>
-          <a:p>
-            <a:endParaRPr lang="es-ES" sz="1200" dirty="0">
+            <a:endParaRPr lang="en-US" sz="1200" b="1" dirty="0">
               <a:solidFill>
-                <a:srgbClr val="CC00CC"/>
+                <a:srgbClr val="895EBE"/>
               </a:solidFill>
             </a:endParaRPr>
           </a:p>
-        </p:txBody>
-      </p:sp>
-      <p:sp>
-        <p:nvSpPr>
-          <p:cNvPr id="10" name="CuadroTexto 9">
-            <a:extLst>
-              <a:ext uri="{FF2B5EF4-FFF2-40B4-BE49-F238E27FC236}">
-                <a16:creationId xmlns:a16="http://schemas.microsoft.com/office/drawing/2014/main" id="{4ECF6CB8-4952-429F-A30C-FC81B9F35B82}"/>
-              </a:ext>
-            </a:extLst>
-          </p:cNvPr>
-          <p:cNvSpPr txBox="1"/>
-          <p:nvPr/>
-        </p:nvSpPr>
-        <p:spPr>
-          <a:xfrm>
-            <a:off x="157232" y="2509065"/>
-            <a:ext cx="2793982" cy="1384995"/>
-          </a:xfrm>
-          <a:prstGeom prst="rect">
-            <a:avLst/>
-          </a:prstGeom>
-          <a:noFill/>
-          <a:ln>
-            <a:noFill/>
-          </a:ln>
-        </p:spPr>
-        <p:txBody>
-          <a:bodyPr wrap="square" rtlCol="0">
-            <a:spAutoFit/>
-          </a:bodyPr>
-          <a:lstStyle/>
-          <a:p>
-            <a:r>
-              <a:rPr lang="es-ES" sz="1200" b="1" dirty="0">
-                <a:solidFill>
-                  <a:srgbClr val="895EBE"/>
-                </a:solidFill>
-              </a:rPr>
-              <a:t>MISTERIOS</a:t>
-            </a:r>
-          </a:p>
-          <a:p>
-            <a:r>
-              <a:rPr lang="es-ES" sz="1200" i="1" dirty="0">
-                <a:solidFill>
-                  <a:schemeClr val="accent3"/>
-                </a:solidFill>
-              </a:rPr>
-              <a:t># Mostrar toda la información secreta</a:t>
-            </a:r>
-          </a:p>
-          <a:p>
-            <a:r>
-              <a:rPr lang="es-ES" sz="1200" b="1" dirty="0" err="1"/>
-              <a:t>kubectl</a:t>
-            </a:r>
-            <a:r>
-              <a:rPr lang="es-ES" sz="1200" b="1" dirty="0"/>
-              <a:t> </a:t>
-            </a:r>
-            <a:r>
-              <a:rPr lang="es-ES" sz="1200" b="1" dirty="0" err="1"/>
-              <a:t>get</a:t>
-            </a:r>
-            <a:r>
-              <a:rPr lang="es-ES" sz="1200" b="1" dirty="0"/>
-              <a:t> </a:t>
-            </a:r>
-            <a:r>
-              <a:rPr lang="es-ES" sz="1200" b="1" dirty="0" err="1"/>
-              <a:t>secrets</a:t>
-            </a:r>
-            <a:endParaRPr lang="es-ES" sz="1200" b="1" dirty="0"/>
-          </a:p>
-          <a:p>
-            <a:endParaRPr lang="es-ES" sz="1200" b="1" dirty="0"/>
-          </a:p>
-          <a:p>
-            <a:r>
-              <a:rPr lang="es-ES" sz="1200" i="1" dirty="0">
-                <a:solidFill>
-                  <a:schemeClr val="accent3"/>
-                </a:solidFill>
-              </a:rPr>
-              <a:t># Mostrar toda la información secreta dentro de todos los espacios de nombres</a:t>
-            </a:r>
-          </a:p>
-          <a:p>
-            <a:r>
-              <a:rPr lang="es-ES" sz="1200" b="1" dirty="0" err="1"/>
-              <a:t>kubectl</a:t>
-            </a:r>
-            <a:r>
-              <a:rPr lang="es-ES" sz="1200" b="1" dirty="0"/>
-              <a:t> </a:t>
-            </a:r>
-            <a:r>
-              <a:rPr lang="es-ES" sz="1200" b="1" dirty="0" err="1"/>
-              <a:t>get</a:t>
-            </a:r>
-            <a:r>
-              <a:rPr lang="es-ES" sz="1200" b="1" dirty="0"/>
-              <a:t> </a:t>
-            </a:r>
-            <a:r>
-              <a:rPr lang="es-ES" sz="1200" b="1" dirty="0" err="1"/>
-              <a:t>secrets</a:t>
-            </a:r>
-            <a:r>
-              <a:rPr lang="es-ES" sz="1200" b="1" dirty="0"/>
-              <a:t> --</a:t>
-            </a:r>
-            <a:r>
-              <a:rPr lang="es-ES" sz="1200" b="1" dirty="0" err="1"/>
-              <a:t>all-namespaces</a:t>
-            </a:r>
-            <a:endParaRPr lang="es-ES" sz="1200" b="1" dirty="0"/>
-          </a:p>
-        </p:txBody>
-      </p:sp>
-      <p:sp>
-        <p:nvSpPr>
-          <p:cNvPr id="17" name="CuadroTexto 16">
-            <a:extLst>
-              <a:ext uri="{FF2B5EF4-FFF2-40B4-BE49-F238E27FC236}">
-                <a16:creationId xmlns:a16="http://schemas.microsoft.com/office/drawing/2014/main" id="{105E713C-FFF6-4D2F-84C7-A83E475D3BA3}"/>
-              </a:ext>
-            </a:extLst>
-          </p:cNvPr>
-          <p:cNvSpPr txBox="1"/>
-          <p:nvPr/>
-        </p:nvSpPr>
-        <p:spPr>
-          <a:xfrm>
-            <a:off x="181573" y="4017992"/>
-            <a:ext cx="2793982" cy="1754326"/>
-          </a:xfrm>
-          <a:prstGeom prst="rect">
-            <a:avLst/>
-          </a:prstGeom>
-          <a:noFill/>
-          <a:ln>
-            <a:noFill/>
-          </a:ln>
-        </p:spPr>
-        <p:txBody>
-          <a:bodyPr wrap="square" rtlCol="0">
-            <a:spAutoFit/>
-          </a:bodyPr>
-          <a:lstStyle/>
-          <a:p>
-            <a:r>
-              <a:rPr lang="es-ES" sz="1200" b="1" dirty="0">
-                <a:solidFill>
-                  <a:srgbClr val="895EBE"/>
-                </a:solidFill>
-              </a:rPr>
-              <a:t>MAPAS DE CONFIGURACIÓN</a:t>
-            </a:r>
-          </a:p>
-          <a:p>
-            <a:r>
-              <a:rPr lang="es-ES" sz="1200" i="1" dirty="0">
-                <a:solidFill>
-                  <a:schemeClr val="accent3"/>
-                </a:solidFill>
-              </a:rPr>
-              <a:t># Mostrar toda la información de los mapas de configuración</a:t>
-            </a:r>
-          </a:p>
-          <a:p>
-            <a:r>
-              <a:rPr lang="es-ES" sz="1200" b="1" dirty="0" err="1"/>
-              <a:t>kubectl</a:t>
-            </a:r>
-            <a:r>
-              <a:rPr lang="es-ES" sz="1200" b="1" dirty="0"/>
-              <a:t> </a:t>
-            </a:r>
-            <a:r>
-              <a:rPr lang="es-ES" sz="1200" b="1" dirty="0" err="1"/>
-              <a:t>get</a:t>
-            </a:r>
-            <a:r>
-              <a:rPr lang="es-ES" sz="1200" b="1" dirty="0"/>
-              <a:t> cm</a:t>
-            </a:r>
-          </a:p>
-          <a:p>
-            <a:endParaRPr lang="es-ES" sz="1200" b="1" dirty="0"/>
-          </a:p>
-          <a:p>
-            <a:r>
-              <a:rPr lang="es-ES" sz="1200" i="1" dirty="0">
-                <a:solidFill>
-                  <a:schemeClr val="accent3"/>
-                </a:solidFill>
-              </a:rPr>
-              <a:t># Mostrar todos los mapas de configuración dentro de todos los espacios de nombres</a:t>
-            </a:r>
-          </a:p>
-          <a:p>
-            <a:r>
-              <a:rPr lang="es-ES" sz="1200" b="1" dirty="0" err="1"/>
-              <a:t>kubectl</a:t>
-            </a:r>
-            <a:r>
-              <a:rPr lang="es-ES" sz="1200" b="1" dirty="0"/>
-              <a:t> </a:t>
-            </a:r>
-            <a:r>
-              <a:rPr lang="es-ES" sz="1200" b="1" dirty="0" err="1"/>
-              <a:t>get</a:t>
-            </a:r>
-            <a:r>
-              <a:rPr lang="es-ES" sz="1200" b="1" dirty="0"/>
-              <a:t> cm --</a:t>
-            </a:r>
-            <a:r>
-              <a:rPr lang="es-ES" sz="1200" b="1" dirty="0" err="1"/>
-              <a:t>all-namespaces</a:t>
-            </a:r>
-            <a:endParaRPr lang="es-ES" sz="1200" b="1" dirty="0"/>
-          </a:p>
-        </p:txBody>
-      </p:sp>
-      <p:sp>
-        <p:nvSpPr>
-          <p:cNvPr id="18" name="CuadroTexto 17">
-            <a:extLst>
-              <a:ext uri="{FF2B5EF4-FFF2-40B4-BE49-F238E27FC236}">
-                <a16:creationId xmlns:a16="http://schemas.microsoft.com/office/drawing/2014/main" id="{CD2D314C-6436-49F0-80B1-63A99938E3B1}"/>
-              </a:ext>
-            </a:extLst>
-          </p:cNvPr>
-          <p:cNvSpPr txBox="1"/>
-          <p:nvPr/>
-        </p:nvSpPr>
-        <p:spPr>
-          <a:xfrm>
-            <a:off x="3103531" y="1245508"/>
-            <a:ext cx="2793982" cy="1384995"/>
-          </a:xfrm>
-          <a:prstGeom prst="rect">
-            <a:avLst/>
-          </a:prstGeom>
-          <a:noFill/>
-          <a:ln>
-            <a:noFill/>
-          </a:ln>
-        </p:spPr>
-        <p:txBody>
-          <a:bodyPr wrap="square" rtlCol="0">
-            <a:spAutoFit/>
-          </a:bodyPr>
-          <a:lstStyle/>
-          <a:p>
-            <a:r>
-              <a:rPr lang="es-ES" sz="1200" b="1" dirty="0">
-                <a:solidFill>
-                  <a:srgbClr val="895EBE"/>
-                </a:solidFill>
-              </a:rPr>
-              <a:t>INGRESO</a:t>
-            </a:r>
-          </a:p>
-          <a:p>
-            <a:r>
-              <a:rPr lang="es-ES" sz="1200" i="1" dirty="0">
-                <a:solidFill>
-                  <a:schemeClr val="accent3"/>
-                </a:solidFill>
-              </a:rPr>
-              <a:t># Mostrar toda la información de ingreso</a:t>
-            </a:r>
-          </a:p>
-          <a:p>
-            <a:r>
-              <a:rPr lang="es-ES" sz="1200" b="1" dirty="0" err="1"/>
-              <a:t>kubectl</a:t>
-            </a:r>
-            <a:r>
-              <a:rPr lang="es-ES" sz="1200" b="1" dirty="0"/>
-              <a:t> </a:t>
-            </a:r>
-            <a:r>
-              <a:rPr lang="es-ES" sz="1200" b="1" dirty="0" err="1"/>
-              <a:t>get</a:t>
-            </a:r>
-            <a:r>
-              <a:rPr lang="es-ES" sz="1200" b="1" dirty="0"/>
-              <a:t> </a:t>
-            </a:r>
-            <a:r>
-              <a:rPr lang="es-ES" sz="1200" b="1" dirty="0" err="1"/>
-              <a:t>ing</a:t>
-            </a:r>
-            <a:endParaRPr lang="es-ES" sz="1200" b="1" dirty="0"/>
-          </a:p>
-          <a:p>
-            <a:endParaRPr lang="es-ES" sz="1200" b="1" dirty="0"/>
-          </a:p>
-          <a:p>
-            <a:r>
-              <a:rPr lang="es-ES" sz="1200" i="1" dirty="0">
-                <a:solidFill>
-                  <a:schemeClr val="accent3"/>
-                </a:solidFill>
-              </a:rPr>
-              <a:t># Mostrar toda la información de ingreso dentro de todos los espacios de nombres</a:t>
-            </a:r>
-          </a:p>
-          <a:p>
-            <a:r>
-              <a:rPr lang="es-ES" sz="1200" b="1" dirty="0" err="1"/>
-              <a:t>kubectl</a:t>
-            </a:r>
-            <a:r>
-              <a:rPr lang="es-ES" sz="1200" b="1" dirty="0"/>
-              <a:t> </a:t>
-            </a:r>
-            <a:r>
-              <a:rPr lang="es-ES" sz="1200" b="1" dirty="0" err="1"/>
-              <a:t>get</a:t>
-            </a:r>
-            <a:r>
-              <a:rPr lang="es-ES" sz="1200" b="1" dirty="0"/>
-              <a:t> </a:t>
-            </a:r>
-            <a:r>
-              <a:rPr lang="es-ES" sz="1200" b="1" dirty="0" err="1"/>
-              <a:t>ing</a:t>
-            </a:r>
-            <a:r>
-              <a:rPr lang="es-ES" sz="1200" b="1" dirty="0"/>
-              <a:t> --</a:t>
-            </a:r>
-            <a:r>
-              <a:rPr lang="es-ES" sz="1200" b="1" dirty="0" err="1"/>
-              <a:t>all-namespaces</a:t>
-            </a:r>
-            <a:endParaRPr lang="es-ES" sz="1200" b="1" dirty="0"/>
-          </a:p>
-        </p:txBody>
-      </p:sp>
-      <p:sp>
-        <p:nvSpPr>
-          <p:cNvPr id="19" name="CuadroTexto 18">
-            <a:extLst>
-              <a:ext uri="{FF2B5EF4-FFF2-40B4-BE49-F238E27FC236}">
-                <a16:creationId xmlns:a16="http://schemas.microsoft.com/office/drawing/2014/main" id="{D25302DC-F1CF-4CA5-A9F3-9D958B45FE93}"/>
-              </a:ext>
-            </a:extLst>
-          </p:cNvPr>
-          <p:cNvSpPr txBox="1"/>
-          <p:nvPr/>
-        </p:nvSpPr>
-        <p:spPr>
-          <a:xfrm>
-            <a:off x="3103531" y="2986622"/>
-            <a:ext cx="2769642" cy="1569660"/>
-          </a:xfrm>
-          <a:prstGeom prst="rect">
-            <a:avLst/>
-          </a:prstGeom>
-          <a:noFill/>
-          <a:ln>
-            <a:noFill/>
-          </a:ln>
-        </p:spPr>
-        <p:txBody>
-          <a:bodyPr wrap="square" rtlCol="0">
-            <a:spAutoFit/>
-          </a:bodyPr>
-          <a:lstStyle/>
-          <a:p>
-            <a:r>
-              <a:rPr lang="es-ES" sz="1200" b="1" dirty="0">
-                <a:solidFill>
-                  <a:srgbClr val="895EBE"/>
-                </a:solidFill>
-              </a:rPr>
-              <a:t>VOLÚMENES PERSISTENTES</a:t>
-            </a:r>
-          </a:p>
-          <a:p>
-            <a:r>
-              <a:rPr lang="es-ES" sz="1200" i="1" dirty="0">
-                <a:solidFill>
-                  <a:schemeClr val="accent3"/>
-                </a:solidFill>
-              </a:rPr>
-              <a:t># Mostrar toda la información de los volúmenes persistentes</a:t>
-            </a:r>
-          </a:p>
-          <a:p>
-            <a:r>
-              <a:rPr lang="es-ES" sz="1200" b="1" dirty="0" err="1"/>
-              <a:t>kubectl</a:t>
-            </a:r>
-            <a:r>
-              <a:rPr lang="es-ES" sz="1200" b="1" dirty="0"/>
-              <a:t> </a:t>
-            </a:r>
-            <a:r>
-              <a:rPr lang="es-ES" sz="1200" b="1" dirty="0" err="1"/>
-              <a:t>get</a:t>
-            </a:r>
-            <a:r>
-              <a:rPr lang="es-ES" sz="1200" b="1" dirty="0"/>
-              <a:t> </a:t>
-            </a:r>
-            <a:r>
-              <a:rPr lang="es-ES" sz="1200" b="1" dirty="0" err="1"/>
-              <a:t>pv</a:t>
-            </a:r>
-            <a:endParaRPr lang="es-ES" sz="1200" b="1" dirty="0"/>
-          </a:p>
-          <a:p>
-            <a:endParaRPr lang="es-ES" sz="1200" b="1" dirty="0"/>
-          </a:p>
-          <a:p>
-            <a:r>
-              <a:rPr lang="es-ES" sz="1200" i="1" dirty="0">
-                <a:solidFill>
-                  <a:schemeClr val="accent3"/>
-                </a:solidFill>
-              </a:rPr>
-              <a:t># Mostrar detalles de volúmenes persistentes</a:t>
-            </a:r>
-          </a:p>
-          <a:p>
-            <a:r>
-              <a:rPr lang="es-ES" sz="1200" b="1" dirty="0" err="1"/>
-              <a:t>kubectl</a:t>
-            </a:r>
-            <a:r>
-              <a:rPr lang="es-ES" sz="1200" b="1" dirty="0"/>
-              <a:t> describe </a:t>
-            </a:r>
-            <a:r>
-              <a:rPr lang="es-ES" sz="1200" b="1" dirty="0" err="1"/>
-              <a:t>pv</a:t>
-            </a:r>
-            <a:endParaRPr lang="es-ES" sz="1200" b="1" dirty="0"/>
+          <a:p>
+            <a:endParaRPr lang="en-US" sz="900" b="1" dirty="0">
+              <a:solidFill>
+                <a:srgbClr val="895EBE"/>
+              </a:solidFill>
+            </a:endParaRPr>
+          </a:p>
+          <a:p>
+            <a:r>
+              <a:rPr lang="es-PE" sz="900" i="1" dirty="0">
+                <a:solidFill>
+                  <a:schemeClr val="accent3"/>
+                </a:solidFill>
+              </a:rPr>
+              <a:t># </a:t>
+            </a:r>
+            <a:r>
+              <a:rPr lang="es-MX" sz="900" i="1" dirty="0">
+                <a:solidFill>
+                  <a:schemeClr val="accent3"/>
+                </a:solidFill>
+              </a:rPr>
+              <a:t>Elimina completamente el clúster y todos sus datos</a:t>
+            </a:r>
+          </a:p>
+          <a:p>
+            <a:r>
+              <a:rPr lang="en-US" sz="900" b="1" dirty="0" err="1"/>
+              <a:t>minikube</a:t>
+            </a:r>
+            <a:r>
+              <a:rPr lang="en-US" sz="900" b="1" dirty="0"/>
+              <a:t> delete</a:t>
+            </a:r>
+          </a:p>
+          <a:p>
+            <a:endParaRPr lang="en-US" sz="900" b="1" dirty="0"/>
+          </a:p>
+          <a:p>
+            <a:r>
+              <a:rPr lang="en-US" sz="900" i="1" dirty="0">
+                <a:solidFill>
+                  <a:schemeClr val="accent3"/>
+                </a:solidFill>
+              </a:rPr>
+              <a:t># </a:t>
+            </a:r>
+            <a:r>
+              <a:rPr lang="es-MX" sz="900" i="1" dirty="0">
+                <a:solidFill>
+                  <a:schemeClr val="accent3"/>
+                </a:solidFill>
+              </a:rPr>
+              <a:t>Muestra los complementos disponibles (</a:t>
+            </a:r>
+            <a:r>
+              <a:rPr lang="es-MX" sz="900" i="1" dirty="0" err="1">
+                <a:solidFill>
+                  <a:schemeClr val="accent3"/>
+                </a:solidFill>
+              </a:rPr>
+              <a:t>ingress</a:t>
+            </a:r>
+            <a:r>
+              <a:rPr lang="es-MX" sz="900" i="1" dirty="0">
+                <a:solidFill>
+                  <a:schemeClr val="accent3"/>
+                </a:solidFill>
+              </a:rPr>
+              <a:t>)</a:t>
+            </a:r>
+          </a:p>
+          <a:p>
+            <a:r>
+              <a:rPr lang="en-US" sz="900" b="1" dirty="0" err="1"/>
+              <a:t>minikube</a:t>
+            </a:r>
+            <a:r>
+              <a:rPr lang="en-US" sz="900" b="1" dirty="0"/>
+              <a:t> addons list</a:t>
+            </a:r>
+          </a:p>
+          <a:p>
+            <a:endParaRPr lang="en-US" sz="900" b="1" dirty="0"/>
+          </a:p>
+          <a:p>
+            <a:r>
+              <a:rPr lang="es-PE" sz="900" i="1" dirty="0">
+                <a:solidFill>
+                  <a:schemeClr val="accent3"/>
+                </a:solidFill>
+              </a:rPr>
+              <a:t># </a:t>
+            </a:r>
+            <a:r>
+              <a:rPr lang="es-MX" sz="900" i="1" dirty="0">
+                <a:solidFill>
+                  <a:schemeClr val="accent3"/>
+                </a:solidFill>
+              </a:rPr>
+              <a:t>Activa un complemento</a:t>
+            </a:r>
+          </a:p>
+          <a:p>
+            <a:r>
+              <a:rPr lang="en-US" sz="900" b="1" dirty="0" err="1"/>
+              <a:t>minikube</a:t>
+            </a:r>
+            <a:r>
+              <a:rPr lang="en-US" sz="900" b="1" dirty="0"/>
+              <a:t> addons enable &lt;addon&gt;</a:t>
+            </a:r>
+          </a:p>
+          <a:p>
+            <a:endParaRPr lang="en-US" sz="900" b="1" dirty="0"/>
+          </a:p>
+          <a:p>
+            <a:r>
+              <a:rPr lang="es-PE" sz="900" i="1" dirty="0">
+                <a:solidFill>
+                  <a:schemeClr val="accent3"/>
+                </a:solidFill>
+              </a:rPr>
+              <a:t># </a:t>
+            </a:r>
+            <a:r>
+              <a:rPr lang="es-MX" sz="900" i="1" dirty="0">
+                <a:solidFill>
+                  <a:schemeClr val="accent3"/>
+                </a:solidFill>
+              </a:rPr>
+              <a:t>Desactiva un complementos</a:t>
+            </a:r>
+          </a:p>
+          <a:p>
+            <a:r>
+              <a:rPr lang="pl-PL" sz="900" b="1" dirty="0"/>
+              <a:t>minikube addons disable &lt;addon&gt;</a:t>
+            </a:r>
+            <a:endParaRPr lang="es-MX" sz="900" b="1" dirty="0"/>
+          </a:p>
+          <a:p>
+            <a:endParaRPr lang="en-US" sz="900" b="1" dirty="0"/>
+          </a:p>
+          <a:p>
+            <a:r>
+              <a:rPr lang="en-US" sz="900" i="1" dirty="0">
+                <a:solidFill>
+                  <a:schemeClr val="accent3"/>
+                </a:solidFill>
+              </a:rPr>
+              <a:t># </a:t>
+            </a:r>
+            <a:r>
+              <a:rPr lang="es-MX" sz="900" i="1" dirty="0">
+                <a:solidFill>
+                  <a:schemeClr val="accent3"/>
+                </a:solidFill>
+              </a:rPr>
+              <a:t>Muestra la URL del servicio sin abrirlo en el navegador</a:t>
+            </a:r>
+          </a:p>
+          <a:p>
+            <a:r>
+              <a:rPr lang="en-US" sz="900" b="1" dirty="0" err="1"/>
+              <a:t>minikube</a:t>
+            </a:r>
+            <a:r>
+              <a:rPr lang="en-US" sz="900" b="1" dirty="0"/>
+              <a:t> service &lt;</a:t>
+            </a:r>
+            <a:r>
+              <a:rPr lang="en-US" sz="900" b="1" dirty="0" err="1"/>
+              <a:t>nombre</a:t>
+            </a:r>
+            <a:r>
+              <a:rPr lang="en-US" sz="900" b="1" dirty="0"/>
+              <a:t>&gt; --</a:t>
+            </a:r>
+            <a:r>
+              <a:rPr lang="en-US" sz="900" b="1" dirty="0" err="1"/>
+              <a:t>url</a:t>
+            </a:r>
+            <a:endParaRPr lang="en-US" sz="900" b="1" dirty="0"/>
+          </a:p>
+          <a:p>
+            <a:endParaRPr lang="en-US" sz="900" b="1" dirty="0"/>
+          </a:p>
+          <a:p>
+            <a:r>
+              <a:rPr lang="es-PE" sz="900" i="1" dirty="0">
+                <a:solidFill>
+                  <a:schemeClr val="accent3"/>
+                </a:solidFill>
+              </a:rPr>
+              <a:t># </a:t>
+            </a:r>
+            <a:r>
+              <a:rPr lang="es-MX" sz="900" i="1" dirty="0">
+                <a:solidFill>
+                  <a:schemeClr val="accent3"/>
+                </a:solidFill>
+              </a:rPr>
+              <a:t>Crea un túnel a servicios de tipo </a:t>
+            </a:r>
+            <a:r>
+              <a:rPr lang="es-MX" sz="900" i="1" dirty="0" err="1">
+                <a:solidFill>
+                  <a:schemeClr val="accent3"/>
+                </a:solidFill>
+              </a:rPr>
+              <a:t>LoadBalancer</a:t>
+            </a:r>
+            <a:r>
+              <a:rPr lang="es-MX" sz="900" i="1" dirty="0">
+                <a:solidFill>
+                  <a:schemeClr val="accent3"/>
+                </a:solidFill>
+              </a:rPr>
+              <a:t>, permitiendo acceso desde fuera de </a:t>
+            </a:r>
+            <a:r>
+              <a:rPr lang="es-MX" sz="900" i="1" dirty="0" err="1">
+                <a:solidFill>
+                  <a:schemeClr val="accent3"/>
+                </a:solidFill>
+              </a:rPr>
+              <a:t>Minikube</a:t>
+            </a:r>
+            <a:endParaRPr lang="es-MX" sz="900" i="1" dirty="0">
+              <a:solidFill>
+                <a:schemeClr val="accent3"/>
+              </a:solidFill>
+            </a:endParaRPr>
+          </a:p>
+          <a:p>
+            <a:r>
+              <a:rPr lang="pl-PL" sz="900" b="1" dirty="0"/>
+              <a:t>minikube tunnel</a:t>
+            </a:r>
+            <a:endParaRPr lang="es-MX" sz="900" b="1" dirty="0"/>
           </a:p>
         </p:txBody>
       </p:sp>
     </p:spTree>
     <p:extLst>
       <p:ext uri="{BB962C8B-B14F-4D97-AF65-F5344CB8AC3E}">
-        <p14:creationId xmlns:p14="http://schemas.microsoft.com/office/powerpoint/2010/main" val="4283419814"/>
+        <p14:creationId xmlns:p14="http://schemas.microsoft.com/office/powerpoint/2010/main" val="525564307"/>
       </p:ext>
     </p:extLst>
   </p:cSld>
